--- a/Apresentação/SALES TECH.pptx
+++ b/Apresentação/SALES TECH.pptx
@@ -16,8 +16,8 @@
     <p:sldId id="264" r:id="rId10"/>
     <p:sldId id="265" r:id="rId11"/>
     <p:sldId id="260" r:id="rId12"/>
-    <p:sldId id="266" r:id="rId13"/>
-    <p:sldId id="268" r:id="rId14"/>
+    <p:sldId id="268" r:id="rId13"/>
+    <p:sldId id="266" r:id="rId14"/>
     <p:sldId id="267" r:id="rId15"/>
   </p:sldIdLst>
   <p:sldSz cx="12192000" cy="6858000"/>
@@ -117,13 +117,18 @@
       </a:defRPr>
     </a:lvl9pPr>
   </p:defaultTextStyle>
+  <p:extLst>
+    <p:ext uri="{EFAFB233-063F-42B5-8137-9DF3F51BA10A}">
+      <p15:sldGuideLst xmlns:p15="http://schemas.microsoft.com/office/powerpoint/2012/main"/>
+    </p:ext>
+  </p:extLst>
 </p:presentation>
 </file>
 
 <file path=ppt/revisionInfo.xml><?xml version="1.0" encoding="utf-8"?>
 <p1510:revInfo xmlns:a="http://schemas.openxmlformats.org/drawingml/2006/main" xmlns:r="http://schemas.openxmlformats.org/officeDocument/2006/relationships" xmlns:p1510="http://schemas.microsoft.com/office/powerpoint/2015/10/main">
   <p1510:revLst>
-    <p1510:client id="{EE69C8B5-B34B-4963-B2B8-A9527995FA9D}" v="21" dt="2024-12-17T01:08:17.993"/>
+    <p1510:client id="{EE69C8B5-B34B-4963-B2B8-A9527995FA9D}" v="22" dt="2024-12-17T20:38:07.380"/>
   </p1510:revLst>
 </p1510:revInfo>
 </file>
@@ -133,7 +138,7 @@
   <pc:docChgLst>
     <pc:chgData name="Luan eliseu ferrazzo" userId="69bb020bc42e3808" providerId="LiveId" clId="{EE69C8B5-B34B-4963-B2B8-A9527995FA9D}"/>
     <pc:docChg chg="undo custSel addSld modSld sldOrd">
-      <pc:chgData name="Luan eliseu ferrazzo" userId="69bb020bc42e3808" providerId="LiveId" clId="{EE69C8B5-B34B-4963-B2B8-A9527995FA9D}" dt="2024-12-17T01:14:01.558" v="667" actId="27636"/>
+      <pc:chgData name="Luan eliseu ferrazzo" userId="69bb020bc42e3808" providerId="LiveId" clId="{EE69C8B5-B34B-4963-B2B8-A9527995FA9D}" dt="2024-12-17T20:38:41.955" v="715" actId="1076"/>
       <pc:docMkLst>
         <pc:docMk/>
       </pc:docMkLst>
@@ -255,8 +260,8 @@
           </ac:spMkLst>
         </pc:spChg>
       </pc:sldChg>
-      <pc:sldChg chg="modSp">
-        <pc:chgData name="Luan eliseu ferrazzo" userId="69bb020bc42e3808" providerId="LiveId" clId="{EE69C8B5-B34B-4963-B2B8-A9527995FA9D}" dt="2024-12-17T00:45:20.118" v="442"/>
+      <pc:sldChg chg="addSp delSp modSp mod">
+        <pc:chgData name="Luan eliseu ferrazzo" userId="69bb020bc42e3808" providerId="LiveId" clId="{EE69C8B5-B34B-4963-B2B8-A9527995FA9D}" dt="2024-12-17T20:38:41.955" v="715" actId="1076"/>
         <pc:sldMkLst>
           <pc:docMk/>
           <pc:sldMk cId="4022710773" sldId="258"/>
@@ -269,6 +274,30 @@
             <ac:spMk id="2" creationId="{6DB32292-C623-EEAB-F99A-1A318F82B6CE}"/>
           </ac:spMkLst>
         </pc:spChg>
+        <pc:spChg chg="add mod">
+          <ac:chgData name="Luan eliseu ferrazzo" userId="69bb020bc42e3808" providerId="LiveId" clId="{EE69C8B5-B34B-4963-B2B8-A9527995FA9D}" dt="2024-12-17T20:27:49.502" v="678" actId="1035"/>
+          <ac:spMkLst>
+            <pc:docMk/>
+            <pc:sldMk cId="4022710773" sldId="258"/>
+            <ac:spMk id="3" creationId="{0B858A44-4803-5B3E-D98F-0BEA9DC48CEB}"/>
+          </ac:spMkLst>
+        </pc:spChg>
+        <pc:picChg chg="del">
+          <ac:chgData name="Luan eliseu ferrazzo" userId="69bb020bc42e3808" providerId="LiveId" clId="{EE69C8B5-B34B-4963-B2B8-A9527995FA9D}" dt="2024-12-17T20:38:04.965" v="703" actId="478"/>
+          <ac:picMkLst>
+            <pc:docMk/>
+            <pc:sldMk cId="4022710773" sldId="258"/>
+            <ac:picMk id="5" creationId="{B35FA7AB-24C3-4CD2-8221-7A93394BBD11}"/>
+          </ac:picMkLst>
+        </pc:picChg>
+        <pc:picChg chg="add del mod ord">
+          <ac:chgData name="Luan eliseu ferrazzo" userId="69bb020bc42e3808" providerId="LiveId" clId="{EE69C8B5-B34B-4963-B2B8-A9527995FA9D}" dt="2024-12-17T20:38:41.955" v="715" actId="1076"/>
+          <ac:picMkLst>
+            <pc:docMk/>
+            <pc:sldMk cId="4022710773" sldId="258"/>
+            <ac:picMk id="6" creationId="{E7700CA5-1FF9-227E-B4F4-750C5B9E14E4}"/>
+          </ac:picMkLst>
+        </pc:picChg>
       </pc:sldChg>
       <pc:sldChg chg="addSp delSp modSp mod">
         <pc:chgData name="Luan eliseu ferrazzo" userId="69bb020bc42e3808" providerId="LiveId" clId="{EE69C8B5-B34B-4963-B2B8-A9527995FA9D}" dt="2024-12-17T00:39:57.713" v="384" actId="113"/>
@@ -390,7 +419,7 @@
         </pc:picChg>
       </pc:sldChg>
       <pc:sldChg chg="addSp delSp modSp mod setBg">
-        <pc:chgData name="Luan eliseu ferrazzo" userId="69bb020bc42e3808" providerId="LiveId" clId="{EE69C8B5-B34B-4963-B2B8-A9527995FA9D}" dt="2024-12-17T00:45:35.695" v="444"/>
+        <pc:chgData name="Luan eliseu ferrazzo" userId="69bb020bc42e3808" providerId="LiveId" clId="{EE69C8B5-B34B-4963-B2B8-A9527995FA9D}" dt="2024-12-17T20:26:52.666" v="670" actId="20577"/>
         <pc:sldMkLst>
           <pc:docMk/>
           <pc:sldMk cId="2176833026" sldId="260"/>
@@ -460,7 +489,7 @@
           </ac:spMkLst>
         </pc:spChg>
         <pc:spChg chg="add mod">
-          <ac:chgData name="Luan eliseu ferrazzo" userId="69bb020bc42e3808" providerId="LiveId" clId="{EE69C8B5-B34B-4963-B2B8-A9527995FA9D}" dt="2024-12-17T00:38:15.433" v="328" actId="255"/>
+          <ac:chgData name="Luan eliseu ferrazzo" userId="69bb020bc42e3808" providerId="LiveId" clId="{EE69C8B5-B34B-4963-B2B8-A9527995FA9D}" dt="2024-12-17T20:26:52.666" v="670" actId="20577"/>
           <ac:spMkLst>
             <pc:docMk/>
             <pc:sldMk cId="2176833026" sldId="260"/>
@@ -1205,8 +1234,8 @@
           </ac:spMkLst>
         </pc:spChg>
       </pc:sldChg>
-      <pc:sldChg chg="addSp delSp modSp add mod">
-        <pc:chgData name="Luan eliseu ferrazzo" userId="69bb020bc42e3808" providerId="LiveId" clId="{EE69C8B5-B34B-4963-B2B8-A9527995FA9D}" dt="2024-12-17T00:59:57.921" v="519"/>
+      <pc:sldChg chg="addSp delSp modSp add mod ord">
+        <pc:chgData name="Luan eliseu ferrazzo" userId="69bb020bc42e3808" providerId="LiveId" clId="{EE69C8B5-B34B-4963-B2B8-A9527995FA9D}" dt="2024-12-17T01:24:20.338" v="669"/>
         <pc:sldMkLst>
           <pc:docMk/>
           <pc:sldMk cId="935743452" sldId="268"/>
@@ -1237,7 +1266,7 @@
         </pc:picChg>
       </pc:sldChg>
       <pc:sldChg chg="addSp delSp modSp add mod ord">
-        <pc:chgData name="Luan eliseu ferrazzo" userId="69bb020bc42e3808" providerId="LiveId" clId="{EE69C8B5-B34B-4963-B2B8-A9527995FA9D}" dt="2024-12-17T01:14:01.558" v="667" actId="27636"/>
+        <pc:chgData name="Luan eliseu ferrazzo" userId="69bb020bc42e3808" providerId="LiveId" clId="{EE69C8B5-B34B-4963-B2B8-A9527995FA9D}" dt="2024-12-17T20:29:33.146" v="702" actId="20577"/>
         <pc:sldMkLst>
           <pc:docMk/>
           <pc:sldMk cId="1659952087" sldId="269"/>
@@ -1251,7 +1280,7 @@
           </ac:spMkLst>
         </pc:spChg>
         <pc:spChg chg="add mod">
-          <ac:chgData name="Luan eliseu ferrazzo" userId="69bb020bc42e3808" providerId="LiveId" clId="{EE69C8B5-B34B-4963-B2B8-A9527995FA9D}" dt="2024-12-17T01:14:01.558" v="667" actId="27636"/>
+          <ac:chgData name="Luan eliseu ferrazzo" userId="69bb020bc42e3808" providerId="LiveId" clId="{EE69C8B5-B34B-4963-B2B8-A9527995FA9D}" dt="2024-12-17T20:29:33.146" v="702" actId="20577"/>
           <ac:spMkLst>
             <pc:docMk/>
             <pc:sldMk cId="1659952087" sldId="269"/>
@@ -5849,17 +5878,6 @@
           <a:p>
             <a:r>
               <a:rPr lang="pt-BR" sz="1900" dirty="0"/>
-              <a:t>Silver: AWS </a:t>
-            </a:r>
-            <a:r>
-              <a:rPr lang="pt-BR" sz="1900" dirty="0" err="1"/>
-              <a:t>Glue</a:t>
-            </a:r>
-            <a:endParaRPr lang="pt-BR" sz="1900" dirty="0"/>
-          </a:p>
-          <a:p>
-            <a:r>
-              <a:rPr lang="pt-BR" sz="1900" dirty="0"/>
               <a:t>Gold: </a:t>
             </a:r>
             <a:r>
@@ -5978,7 +5996,7 @@
         <p:cNvPr id="1" name="">
           <a:extLst>
             <a:ext uri="{FF2B5EF4-FFF2-40B4-BE49-F238E27FC236}">
-              <a16:creationId xmlns:a16="http://schemas.microsoft.com/office/drawing/2014/main" id="{D6802A44-F202-3709-791F-AEAD0923A73A}"/>
+              <a16:creationId xmlns:a16="http://schemas.microsoft.com/office/drawing/2014/main" id="{DE5DB6D0-79CA-C9D6-5D17-7F29D2E89390}"/>
             </a:ext>
           </a:extLst>
         </p:cNvPr>
@@ -5998,7 +6016,7 @@
           <p:cNvPr id="62" name="Rectangle 61">
             <a:extLst>
               <a:ext uri="{FF2B5EF4-FFF2-40B4-BE49-F238E27FC236}">
-                <a16:creationId xmlns:a16="http://schemas.microsoft.com/office/drawing/2014/main" id="{017517EF-BD4D-4055-BDB4-A322C53568AD}"/>
+                <a16:creationId xmlns:a16="http://schemas.microsoft.com/office/drawing/2014/main" id="{2FB61FCF-18EC-BAB8-7AEE-849924DE042A}"/>
               </a:ext>
               <a:ext uri="{C183D7F6-B498-43B3-948B-1728B52AA6E4}">
                 <adec:decorative xmlns:adec="http://schemas.microsoft.com/office/drawing/2017/decorative" val="1"/>
@@ -6058,7 +6076,7 @@
           <p:cNvPr id="64" name="Rectangle 63">
             <a:extLst>
               <a:ext uri="{FF2B5EF4-FFF2-40B4-BE49-F238E27FC236}">
-                <a16:creationId xmlns:a16="http://schemas.microsoft.com/office/drawing/2014/main" id="{0ADDB668-2CA4-4D2B-9C34-3487CA330BA8}"/>
+                <a16:creationId xmlns:a16="http://schemas.microsoft.com/office/drawing/2014/main" id="{24F8C86B-B6F4-4EAB-D27E-2BC5F49684F6}"/>
               </a:ext>
               <a:ext uri="{C183D7F6-B498-43B3-948B-1728B52AA6E4}">
                 <adec:decorative xmlns:adec="http://schemas.microsoft.com/office/drawing/2017/decorative" val="1"/>
@@ -6157,7 +6175,7 @@
           <p:cNvPr id="2" name="Título 1">
             <a:extLst>
               <a:ext uri="{FF2B5EF4-FFF2-40B4-BE49-F238E27FC236}">
-                <a16:creationId xmlns:a16="http://schemas.microsoft.com/office/drawing/2014/main" id="{67781C07-DAE7-3E8D-0792-9B957C526C5D}"/>
+                <a16:creationId xmlns:a16="http://schemas.microsoft.com/office/drawing/2014/main" id="{470439E8-687C-1F82-FCAA-EF5F35DA5FA3}"/>
               </a:ext>
             </a:extLst>
           </p:cNvPr>
@@ -6181,7 +6199,7 @@
           <a:lstStyle/>
           <a:p>
             <a:r>
-              <a:rPr lang="en-US" sz="4000" b="1" kern="1200">
+              <a:rPr lang="en-US" sz="4000" b="1" kern="1200" dirty="0">
                 <a:solidFill>
                   <a:schemeClr val="tx1"/>
                 </a:solidFill>
@@ -6189,7 +6207,7 @@
                 <a:ea typeface="+mj-ea"/>
                 <a:cs typeface="+mj-cs"/>
               </a:rPr>
-              <a:t>DATAVIZ</a:t>
+              <a:t>CUSTOS </a:t>
             </a:r>
           </a:p>
         </p:txBody>
@@ -6199,7 +6217,7 @@
           <p:cNvPr id="66" name="Rectangle 65">
             <a:extLst>
               <a:ext uri="{FF2B5EF4-FFF2-40B4-BE49-F238E27FC236}">
-                <a16:creationId xmlns:a16="http://schemas.microsoft.com/office/drawing/2014/main" id="{2568BC19-F052-4108-93E1-6A3D1DEC072F}"/>
+                <a16:creationId xmlns:a16="http://schemas.microsoft.com/office/drawing/2014/main" id="{4475CCA1-0CF1-13AA-3AED-D83463551D0C}"/>
               </a:ext>
               <a:ext uri="{C183D7F6-B498-43B3-948B-1728B52AA6E4}">
                 <adec:decorative xmlns:adec="http://schemas.microsoft.com/office/drawing/2017/decorative" val="1"/>
@@ -6267,7 +6285,7 @@
           <p:cNvPr id="68" name="Rectangle 67">
             <a:extLst>
               <a:ext uri="{FF2B5EF4-FFF2-40B4-BE49-F238E27FC236}">
-                <a16:creationId xmlns:a16="http://schemas.microsoft.com/office/drawing/2014/main" id="{D5FD337D-4D6B-4C8B-B6F5-121097E09881}"/>
+                <a16:creationId xmlns:a16="http://schemas.microsoft.com/office/drawing/2014/main" id="{E752B858-DA5C-BBD4-66DF-8EFB52DCFE96}"/>
               </a:ext>
               <a:ext uri="{C183D7F6-B498-43B3-948B-1728B52AA6E4}">
                 <adec:decorative xmlns:adec="http://schemas.microsoft.com/office/drawing/2017/decorative" val="1"/>
@@ -6333,10 +6351,10 @@
       </p:sp>
       <p:pic>
         <p:nvPicPr>
-          <p:cNvPr id="10" name="Imagem 9">
-            <a:extLst>
-              <a:ext uri="{FF2B5EF4-FFF2-40B4-BE49-F238E27FC236}">
-                <a16:creationId xmlns:a16="http://schemas.microsoft.com/office/drawing/2014/main" id="{26557A20-BBEA-4F89-F115-713428A2623E}"/>
+          <p:cNvPr id="4" name="Imagem 3">
+            <a:extLst>
+              <a:ext uri="{FF2B5EF4-FFF2-40B4-BE49-F238E27FC236}">
+                <a16:creationId xmlns:a16="http://schemas.microsoft.com/office/drawing/2014/main" id="{B41D4A5F-2959-5BC1-B9D2-20524D3A1EAA}"/>
               </a:ext>
             </a:extLst>
           </p:cNvPr>
@@ -6346,63 +6364,33 @@
           <p:nvPr/>
         </p:nvPicPr>
         <p:blipFill>
-          <a:blip r:embed="rId2"/>
+          <a:blip r:embed="rId2">
+            <a:duotone>
+              <a:schemeClr val="accent4">
+                <a:shade val="45000"/>
+                <a:satMod val="135000"/>
+              </a:schemeClr>
+              <a:prstClr val="white"/>
+            </a:duotone>
+          </a:blip>
           <a:stretch>
             <a:fillRect/>
           </a:stretch>
         </p:blipFill>
         <p:spPr>
           <a:xfrm>
-            <a:off x="1498994" y="2038052"/>
-            <a:ext cx="8856862" cy="4162585"/>
+            <a:off x="740990" y="2718951"/>
+            <a:ext cx="10432647" cy="2856304"/>
           </a:xfrm>
           <a:prstGeom prst="rect">
             <a:avLst/>
           </a:prstGeom>
         </p:spPr>
       </p:pic>
-      <p:sp>
-        <p:nvSpPr>
-          <p:cNvPr id="13" name="CaixaDeTexto 12">
-            <a:extLst>
-              <a:ext uri="{FF2B5EF4-FFF2-40B4-BE49-F238E27FC236}">
-                <a16:creationId xmlns:a16="http://schemas.microsoft.com/office/drawing/2014/main" id="{F149BD79-BC4B-044A-7343-242978A0F667}"/>
-              </a:ext>
-            </a:extLst>
-          </p:cNvPr>
-          <p:cNvSpPr txBox="1"/>
-          <p:nvPr/>
-        </p:nvSpPr>
-        <p:spPr>
-          <a:xfrm>
-            <a:off x="10444700" y="6316538"/>
-            <a:ext cx="6097836" cy="369332"/>
-          </a:xfrm>
-          <a:prstGeom prst="rect">
-            <a:avLst/>
-          </a:prstGeom>
-          <a:noFill/>
-        </p:spPr>
-        <p:txBody>
-          <a:bodyPr wrap="square">
-            <a:spAutoFit/>
-          </a:bodyPr>
-          <a:lstStyle/>
-          <a:p>
-            <a:r>
-              <a:rPr lang="pt-BR" dirty="0">
-                <a:hlinkClick r:id="rId3"/>
-              </a:rPr>
-              <a:t>SALES-TECH</a:t>
-            </a:r>
-            <a:endParaRPr lang="pt-BR" dirty="0"/>
-          </a:p>
-        </p:txBody>
-      </p:sp>
     </p:spTree>
     <p:extLst>
       <p:ext uri="{BB962C8B-B14F-4D97-AF65-F5344CB8AC3E}">
-        <p14:creationId xmlns:p14="http://schemas.microsoft.com/office/powerpoint/2010/main" val="3905939845"/>
+        <p14:creationId xmlns:p14="http://schemas.microsoft.com/office/powerpoint/2010/main" val="935743452"/>
       </p:ext>
     </p:extLst>
   </p:cSld>
@@ -6428,7 +6416,7 @@
         <p:cNvPr id="1" name="">
           <a:extLst>
             <a:ext uri="{FF2B5EF4-FFF2-40B4-BE49-F238E27FC236}">
-              <a16:creationId xmlns:a16="http://schemas.microsoft.com/office/drawing/2014/main" id="{DE5DB6D0-79CA-C9D6-5D17-7F29D2E89390}"/>
+              <a16:creationId xmlns:a16="http://schemas.microsoft.com/office/drawing/2014/main" id="{D6802A44-F202-3709-791F-AEAD0923A73A}"/>
             </a:ext>
           </a:extLst>
         </p:cNvPr>
@@ -6448,7 +6436,7 @@
           <p:cNvPr id="62" name="Rectangle 61">
             <a:extLst>
               <a:ext uri="{FF2B5EF4-FFF2-40B4-BE49-F238E27FC236}">
-                <a16:creationId xmlns:a16="http://schemas.microsoft.com/office/drawing/2014/main" id="{2FB61FCF-18EC-BAB8-7AEE-849924DE042A}"/>
+                <a16:creationId xmlns:a16="http://schemas.microsoft.com/office/drawing/2014/main" id="{017517EF-BD4D-4055-BDB4-A322C53568AD}"/>
               </a:ext>
               <a:ext uri="{C183D7F6-B498-43B3-948B-1728B52AA6E4}">
                 <adec:decorative xmlns:adec="http://schemas.microsoft.com/office/drawing/2017/decorative" val="1"/>
@@ -6508,7 +6496,7 @@
           <p:cNvPr id="64" name="Rectangle 63">
             <a:extLst>
               <a:ext uri="{FF2B5EF4-FFF2-40B4-BE49-F238E27FC236}">
-                <a16:creationId xmlns:a16="http://schemas.microsoft.com/office/drawing/2014/main" id="{24F8C86B-B6F4-4EAB-D27E-2BC5F49684F6}"/>
+                <a16:creationId xmlns:a16="http://schemas.microsoft.com/office/drawing/2014/main" id="{0ADDB668-2CA4-4D2B-9C34-3487CA330BA8}"/>
               </a:ext>
               <a:ext uri="{C183D7F6-B498-43B3-948B-1728B52AA6E4}">
                 <adec:decorative xmlns:adec="http://schemas.microsoft.com/office/drawing/2017/decorative" val="1"/>
@@ -6607,7 +6595,7 @@
           <p:cNvPr id="2" name="Título 1">
             <a:extLst>
               <a:ext uri="{FF2B5EF4-FFF2-40B4-BE49-F238E27FC236}">
-                <a16:creationId xmlns:a16="http://schemas.microsoft.com/office/drawing/2014/main" id="{470439E8-687C-1F82-FCAA-EF5F35DA5FA3}"/>
+                <a16:creationId xmlns:a16="http://schemas.microsoft.com/office/drawing/2014/main" id="{67781C07-DAE7-3E8D-0792-9B957C526C5D}"/>
               </a:ext>
             </a:extLst>
           </p:cNvPr>
@@ -6631,7 +6619,7 @@
           <a:lstStyle/>
           <a:p>
             <a:r>
-              <a:rPr lang="en-US" sz="4000" b="1" kern="1200" dirty="0">
+              <a:rPr lang="en-US" sz="4000" b="1" kern="1200">
                 <a:solidFill>
                   <a:schemeClr val="tx1"/>
                 </a:solidFill>
@@ -6639,7 +6627,7 @@
                 <a:ea typeface="+mj-ea"/>
                 <a:cs typeface="+mj-cs"/>
               </a:rPr>
-              <a:t>CUSTOS </a:t>
+              <a:t>DATAVIZ</a:t>
             </a:r>
           </a:p>
         </p:txBody>
@@ -6649,7 +6637,7 @@
           <p:cNvPr id="66" name="Rectangle 65">
             <a:extLst>
               <a:ext uri="{FF2B5EF4-FFF2-40B4-BE49-F238E27FC236}">
-                <a16:creationId xmlns:a16="http://schemas.microsoft.com/office/drawing/2014/main" id="{4475CCA1-0CF1-13AA-3AED-D83463551D0C}"/>
+                <a16:creationId xmlns:a16="http://schemas.microsoft.com/office/drawing/2014/main" id="{2568BC19-F052-4108-93E1-6A3D1DEC072F}"/>
               </a:ext>
               <a:ext uri="{C183D7F6-B498-43B3-948B-1728B52AA6E4}">
                 <adec:decorative xmlns:adec="http://schemas.microsoft.com/office/drawing/2017/decorative" val="1"/>
@@ -6717,7 +6705,7 @@
           <p:cNvPr id="68" name="Rectangle 67">
             <a:extLst>
               <a:ext uri="{FF2B5EF4-FFF2-40B4-BE49-F238E27FC236}">
-                <a16:creationId xmlns:a16="http://schemas.microsoft.com/office/drawing/2014/main" id="{E752B858-DA5C-BBD4-66DF-8EFB52DCFE96}"/>
+                <a16:creationId xmlns:a16="http://schemas.microsoft.com/office/drawing/2014/main" id="{D5FD337D-4D6B-4C8B-B6F5-121097E09881}"/>
               </a:ext>
               <a:ext uri="{C183D7F6-B498-43B3-948B-1728B52AA6E4}">
                 <adec:decorative xmlns:adec="http://schemas.microsoft.com/office/drawing/2017/decorative" val="1"/>
@@ -6783,10 +6771,10 @@
       </p:sp>
       <p:pic>
         <p:nvPicPr>
-          <p:cNvPr id="4" name="Imagem 3">
-            <a:extLst>
-              <a:ext uri="{FF2B5EF4-FFF2-40B4-BE49-F238E27FC236}">
-                <a16:creationId xmlns:a16="http://schemas.microsoft.com/office/drawing/2014/main" id="{B41D4A5F-2959-5BC1-B9D2-20524D3A1EAA}"/>
+          <p:cNvPr id="10" name="Imagem 9">
+            <a:extLst>
+              <a:ext uri="{FF2B5EF4-FFF2-40B4-BE49-F238E27FC236}">
+                <a16:creationId xmlns:a16="http://schemas.microsoft.com/office/drawing/2014/main" id="{26557A20-BBEA-4F89-F115-713428A2623E}"/>
               </a:ext>
             </a:extLst>
           </p:cNvPr>
@@ -6796,33 +6784,63 @@
           <p:nvPr/>
         </p:nvPicPr>
         <p:blipFill>
-          <a:blip r:embed="rId2">
-            <a:duotone>
-              <a:schemeClr val="accent4">
-                <a:shade val="45000"/>
-                <a:satMod val="135000"/>
-              </a:schemeClr>
-              <a:prstClr val="white"/>
-            </a:duotone>
-          </a:blip>
+          <a:blip r:embed="rId2"/>
           <a:stretch>
             <a:fillRect/>
           </a:stretch>
         </p:blipFill>
         <p:spPr>
           <a:xfrm>
-            <a:off x="740990" y="2718951"/>
-            <a:ext cx="10432647" cy="2856304"/>
+            <a:off x="1498994" y="2038052"/>
+            <a:ext cx="8856862" cy="4162585"/>
           </a:xfrm>
           <a:prstGeom prst="rect">
             <a:avLst/>
           </a:prstGeom>
         </p:spPr>
       </p:pic>
+      <p:sp>
+        <p:nvSpPr>
+          <p:cNvPr id="13" name="CaixaDeTexto 12">
+            <a:extLst>
+              <a:ext uri="{FF2B5EF4-FFF2-40B4-BE49-F238E27FC236}">
+                <a16:creationId xmlns:a16="http://schemas.microsoft.com/office/drawing/2014/main" id="{F149BD79-BC4B-044A-7343-242978A0F667}"/>
+              </a:ext>
+            </a:extLst>
+          </p:cNvPr>
+          <p:cNvSpPr txBox="1"/>
+          <p:nvPr/>
+        </p:nvSpPr>
+        <p:spPr>
+          <a:xfrm>
+            <a:off x="10444700" y="6316538"/>
+            <a:ext cx="6097836" cy="369332"/>
+          </a:xfrm>
+          <a:prstGeom prst="rect">
+            <a:avLst/>
+          </a:prstGeom>
+          <a:noFill/>
+        </p:spPr>
+        <p:txBody>
+          <a:bodyPr wrap="square">
+            <a:spAutoFit/>
+          </a:bodyPr>
+          <a:lstStyle/>
+          <a:p>
+            <a:r>
+              <a:rPr lang="pt-BR" dirty="0">
+                <a:hlinkClick r:id="rId3"/>
+              </a:rPr>
+              <a:t>SALES-TECH</a:t>
+            </a:r>
+            <a:endParaRPr lang="pt-BR" dirty="0"/>
+          </a:p>
+        </p:txBody>
+      </p:sp>
     </p:spTree>
     <p:extLst>
       <p:ext uri="{BB962C8B-B14F-4D97-AF65-F5344CB8AC3E}">
-        <p14:creationId xmlns:p14="http://schemas.microsoft.com/office/powerpoint/2010/main" val="935743452"/>
+        <p14:creationId xmlns:p14="http://schemas.microsoft.com/office/powerpoint/2010/main" val="3905939845"/>
       </p:ext>
     </p:extLst>
   </p:cSld>
@@ -8203,6 +8221,20 @@
                 </a:solidFill>
                 <a:latin typeface="-apple-system"/>
               </a:rPr>
+              <a:t>Problema:</a:t>
+            </a:r>
+          </a:p>
+          <a:p>
+            <a:pPr marL="0" indent="0">
+              <a:buNone/>
+            </a:pPr>
+            <a:r>
+              <a:rPr lang="pt-BR" dirty="0">
+                <a:solidFill>
+                  <a:srgbClr val="1F2328"/>
+                </a:solidFill>
+                <a:latin typeface="-apple-system"/>
+              </a:rPr>
               <a:t>F</a:t>
             </a:r>
             <a:r>
@@ -8240,23 +8272,10 @@
                 <a:effectLst/>
                 <a:latin typeface="-apple-system"/>
               </a:rPr>
-              <a:t>Pipeline de dados e dashboards:</a:t>
-            </a:r>
-          </a:p>
-          <a:p>
-            <a:pPr marL="0" indent="0">
-              <a:buNone/>
-            </a:pPr>
-            <a:endParaRPr lang="pt-BR" b="0" i="0" dirty="0">
-              <a:solidFill>
-                <a:srgbClr val="1F2328"/>
-              </a:solidFill>
-              <a:effectLst/>
-              <a:latin typeface="-apple-system"/>
-            </a:endParaRPr>
-          </a:p>
-          <a:p>
-            <a:pPr lvl="1"/>
+              <a:t>Solução - Pipeline de dados e dashboards:</a:t>
+            </a:r>
+          </a:p>
+          <a:p>
             <a:r>
               <a:rPr lang="pt-BR" b="0" i="0" dirty="0">
                 <a:solidFill>
@@ -8265,11 +8284,10 @@
                 <a:effectLst/>
                 <a:latin typeface="-apple-system"/>
               </a:rPr>
-              <a:t> Quais produtos estão performando melhor</a:t>
-            </a:r>
-          </a:p>
-          <a:p>
-            <a:pPr lvl="1"/>
+              <a:t> Quais produtos estão performando melhor?</a:t>
+            </a:r>
+          </a:p>
+          <a:p>
             <a:r>
               <a:rPr lang="pt-BR" dirty="0">
                 <a:solidFill>
@@ -8291,7 +8309,6 @@
             </a:r>
           </a:p>
           <a:p>
-            <a:pPr lvl="1"/>
             <a:r>
               <a:rPr lang="pt-BR" dirty="0">
                 <a:solidFill>
@@ -8309,7 +8326,7 @@
                 <a:effectLst/>
                 <a:latin typeface="-apple-system"/>
               </a:rPr>
-              <a:t>timizar estoques, e melhorar a tomada de decisões baseadas em dados concretos.</a:t>
+              <a:t>timizar estoques, e melhorar a tomada de decisões</a:t>
             </a:r>
             <a:endParaRPr lang="pt-BR" dirty="0"/>
           </a:p>
@@ -8989,10 +9006,10 @@
       </p:sp>
       <p:pic>
         <p:nvPicPr>
-          <p:cNvPr id="5" name="Imagem 4">
-            <a:extLst>
-              <a:ext uri="{FF2B5EF4-FFF2-40B4-BE49-F238E27FC236}">
-                <a16:creationId xmlns:a16="http://schemas.microsoft.com/office/drawing/2014/main" id="{B35FA7AB-24C3-4CD2-8221-7A93394BBD11}"/>
+          <p:cNvPr id="6" name="Imagem 5" descr="Diagrama&#10;&#10;Descrição gerada automaticamente">
+            <a:extLst>
+              <a:ext uri="{FF2B5EF4-FFF2-40B4-BE49-F238E27FC236}">
+                <a16:creationId xmlns:a16="http://schemas.microsoft.com/office/drawing/2014/main" id="{E7700CA5-1FF9-227E-B4F4-750C5B9E14E4}"/>
               </a:ext>
             </a:extLst>
           </p:cNvPr>
@@ -9002,21 +9019,81 @@
           <p:nvPr/>
         </p:nvPicPr>
         <p:blipFill>
-          <a:blip r:embed="rId2"/>
+          <a:blip r:embed="rId2">
+            <a:extLst>
+              <a:ext uri="{28A0092B-C50C-407E-A947-70E740481C1C}">
+                <a14:useLocalDpi xmlns:a14="http://schemas.microsoft.com/office/drawing/2010/main" val="0"/>
+              </a:ext>
+            </a:extLst>
+          </a:blip>
           <a:stretch>
             <a:fillRect/>
           </a:stretch>
         </p:blipFill>
         <p:spPr>
           <a:xfrm>
-            <a:off x="385572" y="2174815"/>
-            <a:ext cx="11420856" cy="4025850"/>
+            <a:off x="711586" y="2349459"/>
+            <a:ext cx="10768828" cy="3713389"/>
           </a:xfrm>
           <a:prstGeom prst="rect">
             <a:avLst/>
           </a:prstGeom>
         </p:spPr>
       </p:pic>
+      <p:sp>
+        <p:nvSpPr>
+          <p:cNvPr id="3" name="Retângulo 2">
+            <a:extLst>
+              <a:ext uri="{FF2B5EF4-FFF2-40B4-BE49-F238E27FC236}">
+                <a16:creationId xmlns:a16="http://schemas.microsoft.com/office/drawing/2014/main" id="{0B858A44-4803-5B3E-D98F-0BEA9DC48CEB}"/>
+              </a:ext>
+            </a:extLst>
+          </p:cNvPr>
+          <p:cNvSpPr/>
+          <p:nvPr/>
+        </p:nvSpPr>
+        <p:spPr>
+          <a:xfrm>
+            <a:off x="4757057" y="2841171"/>
+            <a:ext cx="3320143" cy="1524000"/>
+          </a:xfrm>
+          <a:prstGeom prst="rect">
+            <a:avLst/>
+          </a:prstGeom>
+          <a:noFill/>
+          <a:ln w="76200" cap="flat" cmpd="sng" algn="ctr">
+            <a:solidFill>
+              <a:schemeClr val="accent2"/>
+            </a:solidFill>
+            <a:prstDash val="solid"/>
+            <a:round/>
+            <a:headEnd type="none" w="med" len="med"/>
+            <a:tailEnd type="none" w="med" len="med"/>
+          </a:ln>
+        </p:spPr>
+        <p:style>
+          <a:lnRef idx="0">
+            <a:scrgbClr r="0" g="0" b="0"/>
+          </a:lnRef>
+          <a:fillRef idx="0">
+            <a:scrgbClr r="0" g="0" b="0"/>
+          </a:fillRef>
+          <a:effectRef idx="0">
+            <a:scrgbClr r="0" g="0" b="0"/>
+          </a:effectRef>
+          <a:fontRef idx="minor">
+            <a:schemeClr val="accent2"/>
+          </a:fontRef>
+        </p:style>
+        <p:txBody>
+          <a:bodyPr rtlCol="0" anchor="ctr"/>
+          <a:lstStyle/>
+          <a:p>
+            <a:pPr algn="ctr"/>
+            <a:endParaRPr lang="pt-BR"/>
+          </a:p>
+        </p:txBody>
+      </p:sp>
     </p:spTree>
     <p:extLst>
       <p:ext uri="{BB962C8B-B14F-4D97-AF65-F5344CB8AC3E}">

--- a/Apresentação/SALES TECH.pptx
+++ b/Apresentação/SALES TECH.pptx
@@ -13,12 +13,11 @@
     <p:sldId id="262" r:id="rId7"/>
     <p:sldId id="259" r:id="rId8"/>
     <p:sldId id="263" r:id="rId9"/>
-    <p:sldId id="264" r:id="rId10"/>
-    <p:sldId id="265" r:id="rId11"/>
-    <p:sldId id="260" r:id="rId12"/>
-    <p:sldId id="268" r:id="rId13"/>
-    <p:sldId id="266" r:id="rId14"/>
-    <p:sldId id="267" r:id="rId15"/>
+    <p:sldId id="265" r:id="rId10"/>
+    <p:sldId id="260" r:id="rId11"/>
+    <p:sldId id="268" r:id="rId12"/>
+    <p:sldId id="266" r:id="rId13"/>
+    <p:sldId id="267" r:id="rId14"/>
   </p:sldIdLst>
   <p:sldSz cx="12192000" cy="6858000"/>
   <p:notesSz cx="6858000" cy="9144000"/>
@@ -128,7 +127,7 @@
 <file path=ppt/revisionInfo.xml><?xml version="1.0" encoding="utf-8"?>
 <p1510:revInfo xmlns:a="http://schemas.openxmlformats.org/drawingml/2006/main" xmlns:r="http://schemas.openxmlformats.org/officeDocument/2006/relationships" xmlns:p1510="http://schemas.microsoft.com/office/powerpoint/2015/10/main">
   <p1510:revLst>
-    <p1510:client id="{EE69C8B5-B34B-4963-B2B8-A9527995FA9D}" v="22" dt="2024-12-17T20:38:07.380"/>
+    <p1510:client id="{EE69C8B5-B34B-4963-B2B8-A9527995FA9D}" v="25" dt="2024-12-18T19:28:23.962"/>
   </p1510:revLst>
 </p1510:revInfo>
 </file>
@@ -137,8 +136,8 @@
 <pc:chgInfo xmlns:a="http://schemas.openxmlformats.org/drawingml/2006/main" xmlns:r="http://schemas.openxmlformats.org/officeDocument/2006/relationships" xmlns:ac="http://schemas.microsoft.com/office/drawing/2013/main/command" xmlns:pc="http://schemas.microsoft.com/office/powerpoint/2013/main/command">
   <pc:docChgLst>
     <pc:chgData name="Luan eliseu ferrazzo" userId="69bb020bc42e3808" providerId="LiveId" clId="{EE69C8B5-B34B-4963-B2B8-A9527995FA9D}"/>
-    <pc:docChg chg="undo custSel addSld modSld sldOrd">
-      <pc:chgData name="Luan eliseu ferrazzo" userId="69bb020bc42e3808" providerId="LiveId" clId="{EE69C8B5-B34B-4963-B2B8-A9527995FA9D}" dt="2024-12-17T20:38:41.955" v="715" actId="1076"/>
+    <pc:docChg chg="undo custSel addSld delSld modSld sldOrd">
+      <pc:chgData name="Luan eliseu ferrazzo" userId="69bb020bc42e3808" providerId="LiveId" clId="{EE69C8B5-B34B-4963-B2B8-A9527995FA9D}" dt="2024-12-18T19:32:14.277" v="769" actId="20577"/>
       <pc:docMkLst>
         <pc:docMk/>
       </pc:docMkLst>
@@ -419,7 +418,7 @@
         </pc:picChg>
       </pc:sldChg>
       <pc:sldChg chg="addSp delSp modSp mod setBg">
-        <pc:chgData name="Luan eliseu ferrazzo" userId="69bb020bc42e3808" providerId="LiveId" clId="{EE69C8B5-B34B-4963-B2B8-A9527995FA9D}" dt="2024-12-17T20:26:52.666" v="670" actId="20577"/>
+        <pc:chgData name="Luan eliseu ferrazzo" userId="69bb020bc42e3808" providerId="LiveId" clId="{EE69C8B5-B34B-4963-B2B8-A9527995FA9D}" dt="2024-12-18T19:06:42.031" v="740" actId="6549"/>
         <pc:sldMkLst>
           <pc:docMk/>
           <pc:sldMk cId="2176833026" sldId="260"/>
@@ -489,7 +488,7 @@
           </ac:spMkLst>
         </pc:spChg>
         <pc:spChg chg="add mod">
-          <ac:chgData name="Luan eliseu ferrazzo" userId="69bb020bc42e3808" providerId="LiveId" clId="{EE69C8B5-B34B-4963-B2B8-A9527995FA9D}" dt="2024-12-17T20:26:52.666" v="670" actId="20577"/>
+          <ac:chgData name="Luan eliseu ferrazzo" userId="69bb020bc42e3808" providerId="LiveId" clId="{EE69C8B5-B34B-4963-B2B8-A9527995FA9D}" dt="2024-12-18T19:06:42.031" v="740" actId="6549"/>
           <ac:spMkLst>
             <pc:docMk/>
             <pc:sldMk cId="2176833026" sldId="260"/>
@@ -830,8 +829,8 @@
           </ac:picMkLst>
         </pc:picChg>
       </pc:sldChg>
-      <pc:sldChg chg="addSp delSp modSp add mod">
-        <pc:chgData name="Luan eliseu ferrazzo" userId="69bb020bc42e3808" providerId="LiveId" clId="{EE69C8B5-B34B-4963-B2B8-A9527995FA9D}" dt="2024-12-17T00:39:49.780" v="382" actId="113"/>
+      <pc:sldChg chg="addSp delSp modSp add del mod">
+        <pc:chgData name="Luan eliseu ferrazzo" userId="69bb020bc42e3808" providerId="LiveId" clId="{EE69C8B5-B34B-4963-B2B8-A9527995FA9D}" dt="2024-12-18T19:03:07.342" v="716" actId="47"/>
         <pc:sldMkLst>
           <pc:docMk/>
           <pc:sldMk cId="3646692123" sldId="264"/>
@@ -1235,7 +1234,7 @@
         </pc:spChg>
       </pc:sldChg>
       <pc:sldChg chg="addSp delSp modSp add mod ord">
-        <pc:chgData name="Luan eliseu ferrazzo" userId="69bb020bc42e3808" providerId="LiveId" clId="{EE69C8B5-B34B-4963-B2B8-A9527995FA9D}" dt="2024-12-17T01:24:20.338" v="669"/>
+        <pc:chgData name="Luan eliseu ferrazzo" userId="69bb020bc42e3808" providerId="LiveId" clId="{EE69C8B5-B34B-4963-B2B8-A9527995FA9D}" dt="2024-12-18T19:28:23.962" v="746"/>
         <pc:sldMkLst>
           <pc:docMk/>
           <pc:sldMk cId="935743452" sldId="268"/>
@@ -1248,12 +1247,28 @@
             <ac:spMk id="2" creationId="{470439E8-687C-1F82-FCAA-EF5F35DA5FA3}"/>
           </ac:spMkLst>
         </pc:spChg>
-        <pc:picChg chg="add mod">
-          <ac:chgData name="Luan eliseu ferrazzo" userId="69bb020bc42e3808" providerId="LiveId" clId="{EE69C8B5-B34B-4963-B2B8-A9527995FA9D}" dt="2024-12-17T00:59:57.921" v="519"/>
+        <pc:spChg chg="add">
+          <ac:chgData name="Luan eliseu ferrazzo" userId="69bb020bc42e3808" providerId="LiveId" clId="{EE69C8B5-B34B-4963-B2B8-A9527995FA9D}" dt="2024-12-18T19:27:19.160" v="741"/>
+          <ac:spMkLst>
+            <pc:docMk/>
+            <pc:sldMk cId="935743452" sldId="268"/>
+            <ac:spMk id="3" creationId="{04834DE0-84B1-2C16-2C89-B19B3B7D2958}"/>
+          </ac:spMkLst>
+        </pc:spChg>
+        <pc:picChg chg="add del mod">
+          <ac:chgData name="Luan eliseu ferrazzo" userId="69bb020bc42e3808" providerId="LiveId" clId="{EE69C8B5-B34B-4963-B2B8-A9527995FA9D}" dt="2024-12-18T19:28:06.548" v="742" actId="478"/>
           <ac:picMkLst>
             <pc:docMk/>
             <pc:sldMk cId="935743452" sldId="268"/>
             <ac:picMk id="4" creationId="{B41D4A5F-2959-5BC1-B9D2-20524D3A1EAA}"/>
+          </ac:picMkLst>
+        </pc:picChg>
+        <pc:picChg chg="add mod">
+          <ac:chgData name="Luan eliseu ferrazzo" userId="69bb020bc42e3808" providerId="LiveId" clId="{EE69C8B5-B34B-4963-B2B8-A9527995FA9D}" dt="2024-12-18T19:28:23.962" v="746"/>
+          <ac:picMkLst>
+            <pc:docMk/>
+            <pc:sldMk cId="935743452" sldId="268"/>
+            <ac:picMk id="6" creationId="{9FDE1D53-DBC7-4CCA-4641-9D768E10B37F}"/>
           </ac:picMkLst>
         </pc:picChg>
         <pc:picChg chg="del">
@@ -1266,7 +1281,7 @@
         </pc:picChg>
       </pc:sldChg>
       <pc:sldChg chg="addSp delSp modSp add mod ord">
-        <pc:chgData name="Luan eliseu ferrazzo" userId="69bb020bc42e3808" providerId="LiveId" clId="{EE69C8B5-B34B-4963-B2B8-A9527995FA9D}" dt="2024-12-17T20:29:33.146" v="702" actId="20577"/>
+        <pc:chgData name="Luan eliseu ferrazzo" userId="69bb020bc42e3808" providerId="LiveId" clId="{EE69C8B5-B34B-4963-B2B8-A9527995FA9D}" dt="2024-12-18T19:32:14.277" v="769" actId="20577"/>
         <pc:sldMkLst>
           <pc:docMk/>
           <pc:sldMk cId="1659952087" sldId="269"/>
@@ -1280,7 +1295,7 @@
           </ac:spMkLst>
         </pc:spChg>
         <pc:spChg chg="add mod">
-          <ac:chgData name="Luan eliseu ferrazzo" userId="69bb020bc42e3808" providerId="LiveId" clId="{EE69C8B5-B34B-4963-B2B8-A9527995FA9D}" dt="2024-12-17T20:29:33.146" v="702" actId="20577"/>
+          <ac:chgData name="Luan eliseu ferrazzo" userId="69bb020bc42e3808" providerId="LiveId" clId="{EE69C8B5-B34B-4963-B2B8-A9527995FA9D}" dt="2024-12-18T19:32:14.277" v="769" actId="20577"/>
           <ac:spMkLst>
             <pc:docMk/>
             <pc:sldMk cId="1659952087" sldId="269"/>
@@ -1448,7 +1463,7 @@
           <a:p>
             <a:fld id="{9B99CF0C-A24C-4BC6-B689-D17B5CFB8F39}" type="datetimeFigureOut">
               <a:rPr lang="pt-BR" smtClean="0"/>
-              <a:t>16/12/2024</a:t>
+              <a:t>18/12/2024</a:t>
             </a:fld>
             <a:endParaRPr lang="pt-BR"/>
           </a:p>
@@ -1646,7 +1661,7 @@
           <a:p>
             <a:fld id="{9B99CF0C-A24C-4BC6-B689-D17B5CFB8F39}" type="datetimeFigureOut">
               <a:rPr lang="pt-BR" smtClean="0"/>
-              <a:t>16/12/2024</a:t>
+              <a:t>18/12/2024</a:t>
             </a:fld>
             <a:endParaRPr lang="pt-BR"/>
           </a:p>
@@ -1854,7 +1869,7 @@
           <a:p>
             <a:fld id="{9B99CF0C-A24C-4BC6-B689-D17B5CFB8F39}" type="datetimeFigureOut">
               <a:rPr lang="pt-BR" smtClean="0"/>
-              <a:t>16/12/2024</a:t>
+              <a:t>18/12/2024</a:t>
             </a:fld>
             <a:endParaRPr lang="pt-BR"/>
           </a:p>
@@ -2052,7 +2067,7 @@
           <a:p>
             <a:fld id="{9B99CF0C-A24C-4BC6-B689-D17B5CFB8F39}" type="datetimeFigureOut">
               <a:rPr lang="pt-BR" smtClean="0"/>
-              <a:t>16/12/2024</a:t>
+              <a:t>18/12/2024</a:t>
             </a:fld>
             <a:endParaRPr lang="pt-BR"/>
           </a:p>
@@ -2327,7 +2342,7 @@
           <a:p>
             <a:fld id="{9B99CF0C-A24C-4BC6-B689-D17B5CFB8F39}" type="datetimeFigureOut">
               <a:rPr lang="pt-BR" smtClean="0"/>
-              <a:t>16/12/2024</a:t>
+              <a:t>18/12/2024</a:t>
             </a:fld>
             <a:endParaRPr lang="pt-BR"/>
           </a:p>
@@ -2592,7 +2607,7 @@
           <a:p>
             <a:fld id="{9B99CF0C-A24C-4BC6-B689-D17B5CFB8F39}" type="datetimeFigureOut">
               <a:rPr lang="pt-BR" smtClean="0"/>
-              <a:t>16/12/2024</a:t>
+              <a:t>18/12/2024</a:t>
             </a:fld>
             <a:endParaRPr lang="pt-BR"/>
           </a:p>
@@ -3004,7 +3019,7 @@
           <a:p>
             <a:fld id="{9B99CF0C-A24C-4BC6-B689-D17B5CFB8F39}" type="datetimeFigureOut">
               <a:rPr lang="pt-BR" smtClean="0"/>
-              <a:t>16/12/2024</a:t>
+              <a:t>18/12/2024</a:t>
             </a:fld>
             <a:endParaRPr lang="pt-BR"/>
           </a:p>
@@ -3145,7 +3160,7 @@
           <a:p>
             <a:fld id="{9B99CF0C-A24C-4BC6-B689-D17B5CFB8F39}" type="datetimeFigureOut">
               <a:rPr lang="pt-BR" smtClean="0"/>
-              <a:t>16/12/2024</a:t>
+              <a:t>18/12/2024</a:t>
             </a:fld>
             <a:endParaRPr lang="pt-BR"/>
           </a:p>
@@ -3258,7 +3273,7 @@
           <a:p>
             <a:fld id="{9B99CF0C-A24C-4BC6-B689-D17B5CFB8F39}" type="datetimeFigureOut">
               <a:rPr lang="pt-BR" smtClean="0"/>
-              <a:t>16/12/2024</a:t>
+              <a:t>18/12/2024</a:t>
             </a:fld>
             <a:endParaRPr lang="pt-BR"/>
           </a:p>
@@ -3569,7 +3584,7 @@
           <a:p>
             <a:fld id="{9B99CF0C-A24C-4BC6-B689-D17B5CFB8F39}" type="datetimeFigureOut">
               <a:rPr lang="pt-BR" smtClean="0"/>
-              <a:t>16/12/2024</a:t>
+              <a:t>18/12/2024</a:t>
             </a:fld>
             <a:endParaRPr lang="pt-BR"/>
           </a:p>
@@ -3857,7 +3872,7 @@
           <a:p>
             <a:fld id="{9B99CF0C-A24C-4BC6-B689-D17B5CFB8F39}" type="datetimeFigureOut">
               <a:rPr lang="pt-BR" smtClean="0"/>
-              <a:t>16/12/2024</a:t>
+              <a:t>18/12/2024</a:t>
             </a:fld>
             <a:endParaRPr lang="pt-BR"/>
           </a:p>
@@ -4098,7 +4113,7 @@
           <a:p>
             <a:fld id="{9B99CF0C-A24C-4BC6-B689-D17B5CFB8F39}" type="datetimeFigureOut">
               <a:rPr lang="pt-BR" smtClean="0"/>
-              <a:t>16/12/2024</a:t>
+              <a:t>18/12/2024</a:t>
             </a:fld>
             <a:endParaRPr lang="pt-BR"/>
           </a:p>
@@ -4852,427 +4867,6 @@
         <p:cNvPr id="1" name="">
           <a:extLst>
             <a:ext uri="{FF2B5EF4-FFF2-40B4-BE49-F238E27FC236}">
-              <a16:creationId xmlns:a16="http://schemas.microsoft.com/office/drawing/2014/main" id="{8DF9607E-3E12-7737-68A7-DA7DA6ABC22E}"/>
-            </a:ext>
-          </a:extLst>
-        </p:cNvPr>
-        <p:cNvGrpSpPr/>
-        <p:nvPr/>
-      </p:nvGrpSpPr>
-      <p:grpSpPr>
-        <a:xfrm>
-          <a:off x="0" y="0"/>
-          <a:ext cx="0" cy="0"/>
-          <a:chOff x="0" y="0"/>
-          <a:chExt cx="0" cy="0"/>
-        </a:xfrm>
-      </p:grpSpPr>
-      <p:sp useBgFill="1">
-        <p:nvSpPr>
-          <p:cNvPr id="25" name="Rectangle 17">
-            <a:extLst>
-              <a:ext uri="{FF2B5EF4-FFF2-40B4-BE49-F238E27FC236}">
-                <a16:creationId xmlns:a16="http://schemas.microsoft.com/office/drawing/2014/main" id="{34B3D12B-F4DB-AFAC-1494-431AF9944896}"/>
-              </a:ext>
-              <a:ext uri="{C183D7F6-B498-43B3-948B-1728B52AA6E4}">
-                <adec:decorative xmlns:adec="http://schemas.microsoft.com/office/drawing/2017/decorative" val="1"/>
-              </a:ext>
-            </a:extLst>
-          </p:cNvPr>
-          <p:cNvSpPr>
-            <a:spLocks noGrp="1" noRot="1" noChangeAspect="1" noMove="1" noResize="1" noEditPoints="1" noAdjustHandles="1" noChangeArrowheads="1" noChangeShapeType="1" noTextEdit="1"/>
-          </p:cNvSpPr>
-          <p:nvPr>
-            <p:extLst>
-              <p:ext uri="{386F3935-93C4-4BCD-93E2-E3B085C9AB24}">
-                <p16:designElem xmlns:p16="http://schemas.microsoft.com/office/powerpoint/2015/main" val="1"/>
-              </p:ext>
-            </p:extLst>
-          </p:nvPr>
-        </p:nvSpPr>
-        <p:spPr>
-          <a:xfrm>
-            <a:off x="0" y="0"/>
-            <a:ext cx="12192000" cy="6858000"/>
-          </a:xfrm>
-          <a:prstGeom prst="rect">
-            <a:avLst/>
-          </a:prstGeom>
-          <a:ln>
-            <a:noFill/>
-          </a:ln>
-        </p:spPr>
-        <p:style>
-          <a:lnRef idx="2">
-            <a:schemeClr val="accent1">
-              <a:shade val="50000"/>
-            </a:schemeClr>
-          </a:lnRef>
-          <a:fillRef idx="1">
-            <a:schemeClr val="accent1"/>
-          </a:fillRef>
-          <a:effectRef idx="0">
-            <a:schemeClr val="accent1"/>
-          </a:effectRef>
-          <a:fontRef idx="minor">
-            <a:schemeClr val="lt1"/>
-          </a:fontRef>
-        </p:style>
-        <p:txBody>
-          <a:bodyPr rtlCol="0" anchor="ctr"/>
-          <a:lstStyle/>
-          <a:p>
-            <a:pPr algn="ctr"/>
-            <a:endParaRPr lang="en-US"/>
-          </a:p>
-        </p:txBody>
-      </p:sp>
-      <p:sp useBgFill="1">
-        <p:nvSpPr>
-          <p:cNvPr id="26" name="Rectangle 19">
-            <a:extLst>
-              <a:ext uri="{FF2B5EF4-FFF2-40B4-BE49-F238E27FC236}">
-                <a16:creationId xmlns:a16="http://schemas.microsoft.com/office/drawing/2014/main" id="{521459A6-B5D3-BEB5-0124-7A7FE53B7127}"/>
-              </a:ext>
-              <a:ext uri="{C183D7F6-B498-43B3-948B-1728B52AA6E4}">
-                <adec:decorative xmlns:adec="http://schemas.microsoft.com/office/drawing/2017/decorative" val="1"/>
-              </a:ext>
-            </a:extLst>
-          </p:cNvPr>
-          <p:cNvSpPr>
-            <a:spLocks noGrp="1" noRot="1" noChangeAspect="1" noMove="1" noResize="1" noEditPoints="1" noAdjustHandles="1" noChangeArrowheads="1" noChangeShapeType="1" noTextEdit="1"/>
-          </p:cNvSpPr>
-          <p:nvPr>
-            <p:extLst>
-              <p:ext uri="{386F3935-93C4-4BCD-93E2-E3B085C9AB24}">
-                <p16:designElem xmlns:p16="http://schemas.microsoft.com/office/powerpoint/2015/main" val="1"/>
-              </p:ext>
-            </p:extLst>
-          </p:nvPr>
-        </p:nvSpPr>
-        <p:spPr>
-          <a:xfrm>
-            <a:off x="551553" y="304802"/>
-            <a:ext cx="11097349" cy="1573149"/>
-          </a:xfrm>
-          <a:prstGeom prst="rect">
-            <a:avLst/>
-          </a:prstGeom>
-          <a:ln w="12700">
-            <a:solidFill>
-              <a:srgbClr val="DEDEDE"/>
-            </a:solidFill>
-          </a:ln>
-          <a:effectLst>
-            <a:outerShdw blurRad="50800" dist="38100" dir="2700000" algn="tl" rotWithShape="0">
-              <a:schemeClr val="bg2">
-                <a:lumMod val="85000"/>
-                <a:alpha val="50000"/>
-              </a:schemeClr>
-            </a:outerShdw>
-          </a:effectLst>
-        </p:spPr>
-        <p:style>
-          <a:lnRef idx="2">
-            <a:schemeClr val="accent1">
-              <a:shade val="50000"/>
-            </a:schemeClr>
-          </a:lnRef>
-          <a:fillRef idx="1">
-            <a:schemeClr val="accent1"/>
-          </a:fillRef>
-          <a:effectRef idx="0">
-            <a:schemeClr val="accent1"/>
-          </a:effectRef>
-          <a:fontRef idx="minor">
-            <a:schemeClr val="lt1"/>
-          </a:fontRef>
-        </p:style>
-        <p:txBody>
-          <a:bodyPr rtlCol="0" anchor="ctr"/>
-          <a:lstStyle/>
-          <a:p>
-            <a:pPr marL="0" marR="0" lvl="0" indent="0" algn="ctr" defTabSz="914400" rtl="0" eaLnBrk="1" fontAlgn="auto" latinLnBrk="0" hangingPunct="1">
-              <a:lnSpc>
-                <a:spcPct val="100000"/>
-              </a:lnSpc>
-              <a:spcBef>
-                <a:spcPts val="0"/>
-              </a:spcBef>
-              <a:spcAft>
-                <a:spcPts val="0"/>
-              </a:spcAft>
-              <a:buClrTx/>
-              <a:buSzTx/>
-              <a:buFontTx/>
-              <a:buNone/>
-              <a:tabLst/>
-              <a:defRPr/>
-            </a:pPr>
-            <a:endParaRPr kumimoji="0" lang="en-US" sz="1800" b="0" i="0" u="none" strike="noStrike" kern="1200" cap="none" spc="0" normalizeH="0" baseline="0" noProof="0">
-              <a:ln>
-                <a:noFill/>
-              </a:ln>
-              <a:solidFill>
-                <a:prstClr val="white"/>
-              </a:solidFill>
-              <a:effectLst/>
-              <a:uLnTx/>
-              <a:uFillTx/>
-              <a:latin typeface="Calibri" panose="020F0502020204030204"/>
-              <a:ea typeface="+mn-ea"/>
-              <a:cs typeface="+mn-cs"/>
-            </a:endParaRPr>
-          </a:p>
-        </p:txBody>
-      </p:sp>
-      <p:sp>
-        <p:nvSpPr>
-          <p:cNvPr id="2" name="Título 1">
-            <a:extLst>
-              <a:ext uri="{FF2B5EF4-FFF2-40B4-BE49-F238E27FC236}">
-                <a16:creationId xmlns:a16="http://schemas.microsoft.com/office/drawing/2014/main" id="{A9F55794-E4B7-208F-5542-6A1D77CC520F}"/>
-              </a:ext>
-            </a:extLst>
-          </p:cNvPr>
-          <p:cNvSpPr>
-            <a:spLocks noGrp="1"/>
-          </p:cNvSpPr>
-          <p:nvPr>
-            <p:ph type="title"/>
-          </p:nvPr>
-        </p:nvSpPr>
-        <p:spPr>
-          <a:xfrm>
-            <a:off x="901690" y="405575"/>
-            <a:ext cx="6430414" cy="1371600"/>
-          </a:xfrm>
-        </p:spPr>
-        <p:txBody>
-          <a:bodyPr vert="horz" lIns="91440" tIns="45720" rIns="91440" bIns="45720" rtlCol="0" anchor="ctr">
-            <a:normAutofit/>
-          </a:bodyPr>
-          <a:lstStyle/>
-          <a:p>
-            <a:r>
-              <a:rPr lang="en-US" sz="4000" b="1" kern="1200" dirty="0">
-                <a:solidFill>
-                  <a:schemeClr val="tx1"/>
-                </a:solidFill>
-                <a:latin typeface="+mj-lt"/>
-                <a:ea typeface="+mj-ea"/>
-                <a:cs typeface="+mj-cs"/>
-              </a:rPr>
-              <a:t>MVP | SLV_TO_GLD</a:t>
-            </a:r>
-          </a:p>
-        </p:txBody>
-      </p:sp>
-      <p:sp>
-        <p:nvSpPr>
-          <p:cNvPr id="27" name="Rectangle 21">
-            <a:extLst>
-              <a:ext uri="{FF2B5EF4-FFF2-40B4-BE49-F238E27FC236}">
-                <a16:creationId xmlns:a16="http://schemas.microsoft.com/office/drawing/2014/main" id="{5932449C-C00B-AE23-7C5B-7DB822BC669F}"/>
-              </a:ext>
-              <a:ext uri="{C183D7F6-B498-43B3-948B-1728B52AA6E4}">
-                <adec:decorative xmlns:adec="http://schemas.microsoft.com/office/drawing/2017/decorative" val="1"/>
-              </a:ext>
-            </a:extLst>
-          </p:cNvPr>
-          <p:cNvSpPr>
-            <a:spLocks noGrp="1" noRot="1" noChangeAspect="1" noMove="1" noResize="1" noEditPoints="1" noAdjustHandles="1" noChangeArrowheads="1" noChangeShapeType="1" noTextEdit="1"/>
-          </p:cNvSpPr>
-          <p:nvPr>
-            <p:extLst>
-              <p:ext uri="{386F3935-93C4-4BCD-93E2-E3B085C9AB24}">
-                <p16:designElem xmlns:p16="http://schemas.microsoft.com/office/powerpoint/2015/main" val="1"/>
-              </p:ext>
-            </p:extLst>
-          </p:nvPr>
-        </p:nvSpPr>
-        <p:spPr>
-          <a:xfrm>
-            <a:off x="494784" y="764424"/>
-            <a:ext cx="128016" cy="653903"/>
-          </a:xfrm>
-          <a:prstGeom prst="rect">
-            <a:avLst/>
-          </a:prstGeom>
-          <a:solidFill>
-            <a:schemeClr val="accent2"/>
-          </a:solidFill>
-          <a:ln>
-            <a:noFill/>
-          </a:ln>
-        </p:spPr>
-        <p:style>
-          <a:lnRef idx="2">
-            <a:schemeClr val="accent1">
-              <a:shade val="50000"/>
-            </a:schemeClr>
-          </a:lnRef>
-          <a:fillRef idx="1">
-            <a:schemeClr val="accent1"/>
-          </a:fillRef>
-          <a:effectRef idx="0">
-            <a:schemeClr val="accent1"/>
-          </a:effectRef>
-          <a:fontRef idx="minor">
-            <a:schemeClr val="lt1"/>
-          </a:fontRef>
-        </p:style>
-        <p:txBody>
-          <a:bodyPr rtlCol="0" anchor="ctr"/>
-          <a:lstStyle/>
-          <a:p>
-            <a:pPr algn="ctr"/>
-            <a:endParaRPr lang="en-US">
-              <a:solidFill>
-                <a:prstClr val="white"/>
-              </a:solidFill>
-              <a:latin typeface="Calibri" panose="020F0502020204030204"/>
-            </a:endParaRPr>
-          </a:p>
-        </p:txBody>
-      </p:sp>
-      <p:sp>
-        <p:nvSpPr>
-          <p:cNvPr id="24" name="Rectangle 23">
-            <a:extLst>
-              <a:ext uri="{FF2B5EF4-FFF2-40B4-BE49-F238E27FC236}">
-                <a16:creationId xmlns:a16="http://schemas.microsoft.com/office/drawing/2014/main" id="{D2F5AF08-3A5B-4AFA-668A-21F009EFEDA3}"/>
-              </a:ext>
-              <a:ext uri="{C183D7F6-B498-43B3-948B-1728B52AA6E4}">
-                <adec:decorative xmlns:adec="http://schemas.microsoft.com/office/drawing/2017/decorative" val="1"/>
-              </a:ext>
-            </a:extLst>
-          </p:cNvPr>
-          <p:cNvSpPr>
-            <a:spLocks noGrp="1" noRot="1" noChangeAspect="1" noMove="1" noResize="1" noEditPoints="1" noAdjustHandles="1" noChangeArrowheads="1" noChangeShapeType="1" noTextEdit="1"/>
-          </p:cNvSpPr>
-          <p:nvPr>
-            <p:extLst>
-              <p:ext uri="{386F3935-93C4-4BCD-93E2-E3B085C9AB24}">
-                <p16:designElem xmlns:p16="http://schemas.microsoft.com/office/powerpoint/2015/main" val="1"/>
-              </p:ext>
-            </p:extLst>
-          </p:nvPr>
-        </p:nvSpPr>
-        <p:spPr>
-          <a:xfrm rot="5400000">
-            <a:off x="7126032" y="1067264"/>
-            <a:ext cx="1021458" cy="18288"/>
-          </a:xfrm>
-          <a:prstGeom prst="rect">
-            <a:avLst/>
-          </a:prstGeom>
-          <a:solidFill>
-            <a:srgbClr val="D5D5D5"/>
-          </a:solidFill>
-          <a:ln w="3175">
-            <a:noFill/>
-          </a:ln>
-          <a:effectLst/>
-        </p:spPr>
-        <p:style>
-          <a:lnRef idx="2">
-            <a:schemeClr val="accent1">
-              <a:shade val="50000"/>
-            </a:schemeClr>
-          </a:lnRef>
-          <a:fillRef idx="1">
-            <a:schemeClr val="accent1"/>
-          </a:fillRef>
-          <a:effectRef idx="0">
-            <a:schemeClr val="accent1"/>
-          </a:effectRef>
-          <a:fontRef idx="minor">
-            <a:schemeClr val="lt1"/>
-          </a:fontRef>
-        </p:style>
-        <p:txBody>
-          <a:bodyPr rtlCol="0" anchor="ctr"/>
-          <a:lstStyle/>
-          <a:p>
-            <a:pPr algn="ctr"/>
-            <a:endParaRPr lang="en-US">
-              <a:solidFill>
-                <a:prstClr val="white"/>
-              </a:solidFill>
-              <a:latin typeface="Calibri" panose="020F0502020204030204"/>
-            </a:endParaRPr>
-          </a:p>
-        </p:txBody>
-      </p:sp>
-      <p:pic>
-        <p:nvPicPr>
-          <p:cNvPr id="4" name="Imagem 3">
-            <a:extLst>
-              <a:ext uri="{FF2B5EF4-FFF2-40B4-BE49-F238E27FC236}">
-                <a16:creationId xmlns:a16="http://schemas.microsoft.com/office/drawing/2014/main" id="{0E15BBA8-530C-FEA4-4D5A-0501F478ACD1}"/>
-              </a:ext>
-            </a:extLst>
-          </p:cNvPr>
-          <p:cNvPicPr>
-            <a:picLocks noChangeAspect="1"/>
-          </p:cNvPicPr>
-          <p:nvPr/>
-        </p:nvPicPr>
-        <p:blipFill>
-          <a:blip r:embed="rId2"/>
-          <a:srcRect t="2332"/>
-          <a:stretch/>
-        </p:blipFill>
-        <p:spPr>
-          <a:xfrm>
-            <a:off x="901690" y="2138828"/>
-            <a:ext cx="10460757" cy="4219602"/>
-          </a:xfrm>
-          <a:prstGeom prst="rect">
-            <a:avLst/>
-          </a:prstGeom>
-          <a:ln>
-            <a:noFill/>
-          </a:ln>
-          <a:effectLst>
-            <a:outerShdw blurRad="292100" dist="139700" dir="2700000" algn="tl" rotWithShape="0">
-              <a:srgbClr val="333333">
-                <a:alpha val="65000"/>
-              </a:srgbClr>
-            </a:outerShdw>
-          </a:effectLst>
-        </p:spPr>
-      </p:pic>
-    </p:spTree>
-    <p:extLst>
-      <p:ext uri="{BB962C8B-B14F-4D97-AF65-F5344CB8AC3E}">
-        <p14:creationId xmlns:p14="http://schemas.microsoft.com/office/powerpoint/2010/main" val="3732732137"/>
-      </p:ext>
-    </p:extLst>
-  </p:cSld>
-  <p:clrMapOvr>
-    <a:masterClrMapping/>
-  </p:clrMapOvr>
-</p:sld>
-</file>
-
-<file path=ppt/slides/slide11.xml><?xml version="1.0" encoding="utf-8"?>
-<p:sld xmlns:a="http://schemas.openxmlformats.org/drawingml/2006/main" xmlns:r="http://schemas.openxmlformats.org/officeDocument/2006/relationships" xmlns:p="http://schemas.openxmlformats.org/presentationml/2006/main">
-  <p:cSld>
-    <p:bg>
-      <p:bgPr>
-        <a:solidFill>
-          <a:schemeClr val="bg1"/>
-        </a:solidFill>
-        <a:effectLst/>
-      </p:bgPr>
-    </p:bg>
-    <p:spTree>
-      <p:nvGrpSpPr>
-        <p:cNvPr id="1" name="">
-          <a:extLst>
-            <a:ext uri="{FF2B5EF4-FFF2-40B4-BE49-F238E27FC236}">
               <a16:creationId xmlns:a16="http://schemas.microsoft.com/office/drawing/2014/main" id="{791AD472-C16F-1575-EBC1-51CF7D058CE6}"/>
             </a:ext>
           </a:extLst>
@@ -5863,24 +5457,6 @@
           </a:p>
           <a:p>
             <a:r>
-              <a:rPr lang="pt-BR" sz="1900" dirty="0"/>
-              <a:t>Bronze: </a:t>
-            </a:r>
-            <a:r>
-              <a:rPr lang="pt-BR" sz="1900" dirty="0" err="1"/>
-              <a:t>Amazon</a:t>
-            </a:r>
-            <a:r>
-              <a:rPr lang="pt-BR" sz="1900" dirty="0"/>
-              <a:t> S3</a:t>
-            </a:r>
-          </a:p>
-          <a:p>
-            <a:r>
-              <a:rPr lang="pt-BR" sz="1900" dirty="0"/>
-              <a:t>Gold: </a:t>
-            </a:r>
-            <a:r>
               <a:rPr lang="pt-BR" sz="1900" dirty="0" err="1"/>
               <a:t>Amazon</a:t>
             </a:r>
@@ -5980,7 +5556,7 @@
 </p:sld>
 </file>
 
-<file path=ppt/slides/slide12.xml><?xml version="1.0" encoding="utf-8"?>
+<file path=ppt/slides/slide11.xml><?xml version="1.0" encoding="utf-8"?>
 <p:sld xmlns:a="http://schemas.openxmlformats.org/drawingml/2006/main" xmlns:r="http://schemas.openxmlformats.org/officeDocument/2006/relationships" xmlns:p="http://schemas.openxmlformats.org/presentationml/2006/main">
   <p:cSld>
     <p:bg>
@@ -6351,10 +5927,10 @@
       </p:sp>
       <p:pic>
         <p:nvPicPr>
-          <p:cNvPr id="4" name="Imagem 3">
-            <a:extLst>
-              <a:ext uri="{FF2B5EF4-FFF2-40B4-BE49-F238E27FC236}">
-                <a16:creationId xmlns:a16="http://schemas.microsoft.com/office/drawing/2014/main" id="{B41D4A5F-2959-5BC1-B9D2-20524D3A1EAA}"/>
+          <p:cNvPr id="6" name="Imagem 5">
+            <a:extLst>
+              <a:ext uri="{FF2B5EF4-FFF2-40B4-BE49-F238E27FC236}">
+                <a16:creationId xmlns:a16="http://schemas.microsoft.com/office/drawing/2014/main" id="{9FDE1D53-DBC7-4CCA-4641-9D768E10B37F}"/>
               </a:ext>
             </a:extLst>
           </p:cNvPr>
@@ -6379,8 +5955,8 @@
         </p:blipFill>
         <p:spPr>
           <a:xfrm>
-            <a:off x="740990" y="2718951"/>
-            <a:ext cx="10432647" cy="2856304"/>
+            <a:off x="1001694" y="2287512"/>
+            <a:ext cx="10339051" cy="3427488"/>
           </a:xfrm>
           <a:prstGeom prst="rect">
             <a:avLst/>
@@ -6400,7 +5976,7 @@
 </p:sld>
 </file>
 
-<file path=ppt/slides/slide13.xml><?xml version="1.0" encoding="utf-8"?>
+<file path=ppt/slides/slide12.xml><?xml version="1.0" encoding="utf-8"?>
 <p:sld xmlns:a="http://schemas.openxmlformats.org/drawingml/2006/main" xmlns:r="http://schemas.openxmlformats.org/officeDocument/2006/relationships" xmlns:p="http://schemas.openxmlformats.org/presentationml/2006/main">
   <p:cSld>
     <p:bg>
@@ -6850,7 +6426,7 @@
 </p:sld>
 </file>
 
-<file path=ppt/slides/slide14.xml><?xml version="1.0" encoding="utf-8"?>
+<file path=ppt/slides/slide13.xml><?xml version="1.0" encoding="utf-8"?>
 <p:sld xmlns:a="http://schemas.openxmlformats.org/drawingml/2006/main" xmlns:r="http://schemas.openxmlformats.org/officeDocument/2006/relationships" xmlns:p="http://schemas.openxmlformats.org/presentationml/2006/main">
   <p:cSld>
     <p:bg>
@@ -8207,7 +7783,7 @@
         </p:spPr>
         <p:txBody>
           <a:bodyPr>
-            <a:normAutofit/>
+            <a:normAutofit lnSpcReduction="10000"/>
           </a:bodyPr>
           <a:lstStyle/>
           <a:p>
@@ -8272,10 +7848,23 @@
                 <a:effectLst/>
                 <a:latin typeface="-apple-system"/>
               </a:rPr>
-              <a:t>Solução - Pipeline de dados e dashboards:</a:t>
-            </a:r>
-          </a:p>
-          <a:p>
+              <a:t>Solução:</a:t>
+            </a:r>
+          </a:p>
+          <a:p>
+            <a:pPr marL="0" indent="0">
+              <a:buNone/>
+            </a:pPr>
+            <a:r>
+              <a:rPr lang="pt-BR" b="0" i="0">
+                <a:solidFill>
+                  <a:srgbClr val="1F2328"/>
+                </a:solidFill>
+                <a:effectLst/>
+                <a:latin typeface="-apple-system"/>
+              </a:rPr>
+              <a:t>Criação de Pipeline </a:t>
+            </a:r>
             <a:r>
               <a:rPr lang="pt-BR" b="0" i="0" dirty="0">
                 <a:solidFill>
@@ -8284,10 +7873,24 @@
                 <a:effectLst/>
                 <a:latin typeface="-apple-system"/>
               </a:rPr>
-              <a:t> Quais produtos estão performando melhor?</a:t>
-            </a:r>
-          </a:p>
-          <a:p>
+              <a:t>de dados e dashboards:</a:t>
+            </a:r>
+          </a:p>
+          <a:p>
+            <a:pPr lvl="1"/>
+            <a:r>
+              <a:rPr lang="pt-BR" b="0" i="0" dirty="0">
+                <a:solidFill>
+                  <a:srgbClr val="1F2328"/>
+                </a:solidFill>
+                <a:effectLst/>
+                <a:latin typeface="-apple-system"/>
+              </a:rPr>
+              <a:t>Quais produtos estão performando melhor?</a:t>
+            </a:r>
+          </a:p>
+          <a:p>
+            <a:pPr lvl="1"/>
             <a:r>
               <a:rPr lang="pt-BR" dirty="0">
                 <a:solidFill>
@@ -8309,6 +7912,7 @@
             </a:r>
           </a:p>
           <a:p>
+            <a:pPr lvl="1"/>
             <a:r>
               <a:rPr lang="pt-BR" dirty="0">
                 <a:solidFill>
@@ -10468,7 +10072,7 @@
         <p:cNvPr id="1" name="">
           <a:extLst>
             <a:ext uri="{FF2B5EF4-FFF2-40B4-BE49-F238E27FC236}">
-              <a16:creationId xmlns:a16="http://schemas.microsoft.com/office/drawing/2014/main" id="{3ED2AC5C-C3CB-4BDC-7058-70F7279C80C4}"/>
+              <a16:creationId xmlns:a16="http://schemas.microsoft.com/office/drawing/2014/main" id="{8DF9607E-3E12-7737-68A7-DA7DA6ABC22E}"/>
             </a:ext>
           </a:extLst>
         </p:cNvPr>
@@ -10488,7 +10092,7 @@
           <p:cNvPr id="25" name="Rectangle 17">
             <a:extLst>
               <a:ext uri="{FF2B5EF4-FFF2-40B4-BE49-F238E27FC236}">
-                <a16:creationId xmlns:a16="http://schemas.microsoft.com/office/drawing/2014/main" id="{F146349D-B193-8584-957C-C7589A80BF1E}"/>
+                <a16:creationId xmlns:a16="http://schemas.microsoft.com/office/drawing/2014/main" id="{34B3D12B-F4DB-AFAC-1494-431AF9944896}"/>
               </a:ext>
               <a:ext uri="{C183D7F6-B498-43B3-948B-1728B52AA6E4}">
                 <adec:decorative xmlns:adec="http://schemas.microsoft.com/office/drawing/2017/decorative" val="1"/>
@@ -10548,7 +10152,7 @@
           <p:cNvPr id="26" name="Rectangle 19">
             <a:extLst>
               <a:ext uri="{FF2B5EF4-FFF2-40B4-BE49-F238E27FC236}">
-                <a16:creationId xmlns:a16="http://schemas.microsoft.com/office/drawing/2014/main" id="{D946693F-43CA-0166-ECEA-6973AE98B9A3}"/>
+                <a16:creationId xmlns:a16="http://schemas.microsoft.com/office/drawing/2014/main" id="{521459A6-B5D3-BEB5-0124-7A7FE53B7127}"/>
               </a:ext>
               <a:ext uri="{C183D7F6-B498-43B3-948B-1728B52AA6E4}">
                 <adec:decorative xmlns:adec="http://schemas.microsoft.com/office/drawing/2017/decorative" val="1"/>
@@ -10647,7 +10251,7 @@
           <p:cNvPr id="2" name="Título 1">
             <a:extLst>
               <a:ext uri="{FF2B5EF4-FFF2-40B4-BE49-F238E27FC236}">
-                <a16:creationId xmlns:a16="http://schemas.microsoft.com/office/drawing/2014/main" id="{43A5BCCC-2D27-9D2B-77D7-E57EEBD02628}"/>
+                <a16:creationId xmlns:a16="http://schemas.microsoft.com/office/drawing/2014/main" id="{A9F55794-E4B7-208F-5542-6A1D77CC520F}"/>
               </a:ext>
             </a:extLst>
           </p:cNvPr>
@@ -10679,7 +10283,7 @@
                 <a:ea typeface="+mj-ea"/>
                 <a:cs typeface="+mj-cs"/>
               </a:rPr>
-              <a:t>MVP | BRZ _TO_SLV</a:t>
+              <a:t>MVP | SLV_TO_GLD</a:t>
             </a:r>
           </a:p>
         </p:txBody>
@@ -10689,7 +10293,7 @@
           <p:cNvPr id="27" name="Rectangle 21">
             <a:extLst>
               <a:ext uri="{FF2B5EF4-FFF2-40B4-BE49-F238E27FC236}">
-                <a16:creationId xmlns:a16="http://schemas.microsoft.com/office/drawing/2014/main" id="{B5392689-65BD-DB8A-4D9B-7EF353553329}"/>
+                <a16:creationId xmlns:a16="http://schemas.microsoft.com/office/drawing/2014/main" id="{5932449C-C00B-AE23-7C5B-7DB822BC669F}"/>
               </a:ext>
               <a:ext uri="{C183D7F6-B498-43B3-948B-1728B52AA6E4}">
                 <adec:decorative xmlns:adec="http://schemas.microsoft.com/office/drawing/2017/decorative" val="1"/>
@@ -10757,7 +10361,7 @@
           <p:cNvPr id="24" name="Rectangle 23">
             <a:extLst>
               <a:ext uri="{FF2B5EF4-FFF2-40B4-BE49-F238E27FC236}">
-                <a16:creationId xmlns:a16="http://schemas.microsoft.com/office/drawing/2014/main" id="{E071CC63-1076-517F-7B06-82C8EA94E49E}"/>
+                <a16:creationId xmlns:a16="http://schemas.microsoft.com/office/drawing/2014/main" id="{D2F5AF08-3A5B-4AFA-668A-21F009EFEDA3}"/>
               </a:ext>
               <a:ext uri="{C183D7F6-B498-43B3-948B-1728B52AA6E4}">
                 <adec:decorative xmlns:adec="http://schemas.microsoft.com/office/drawing/2017/decorative" val="1"/>
@@ -10823,10 +10427,10 @@
       </p:sp>
       <p:pic>
         <p:nvPicPr>
-          <p:cNvPr id="5" name="Imagem 4">
-            <a:extLst>
-              <a:ext uri="{FF2B5EF4-FFF2-40B4-BE49-F238E27FC236}">
-                <a16:creationId xmlns:a16="http://schemas.microsoft.com/office/drawing/2014/main" id="{7FD73A3C-0FA7-F161-4F10-F3F5CFFFBE39}"/>
+          <p:cNvPr id="4" name="Imagem 3">
+            <a:extLst>
+              <a:ext uri="{FF2B5EF4-FFF2-40B4-BE49-F238E27FC236}">
+                <a16:creationId xmlns:a16="http://schemas.microsoft.com/office/drawing/2014/main" id="{0E15BBA8-530C-FEA4-4D5A-0501F478ACD1}"/>
               </a:ext>
             </a:extLst>
           </p:cNvPr>
@@ -10837,14 +10441,13 @@
         </p:nvPicPr>
         <p:blipFill>
           <a:blip r:embed="rId2"/>
-          <a:stretch>
-            <a:fillRect/>
-          </a:stretch>
+          <a:srcRect t="2332"/>
+          <a:stretch/>
         </p:blipFill>
         <p:spPr>
           <a:xfrm>
-            <a:off x="727019" y="2138828"/>
-            <a:ext cx="10737961" cy="4153493"/>
+            <a:off x="901690" y="2138828"/>
+            <a:ext cx="10460757" cy="4219602"/>
           </a:xfrm>
           <a:prstGeom prst="rect">
             <a:avLst/>
@@ -10864,7 +10467,7 @@
     </p:spTree>
     <p:extLst>
       <p:ext uri="{BB962C8B-B14F-4D97-AF65-F5344CB8AC3E}">
-        <p14:creationId xmlns:p14="http://schemas.microsoft.com/office/powerpoint/2010/main" val="3646692123"/>
+        <p14:creationId xmlns:p14="http://schemas.microsoft.com/office/powerpoint/2010/main" val="3732732137"/>
       </p:ext>
     </p:extLst>
   </p:cSld>

--- a/Apresentação/SALES TECH.pptx
+++ b/Apresentação/SALES TECH.pptx
@@ -9,12 +9,12 @@
     <p:sldId id="257" r:id="rId3"/>
     <p:sldId id="269" r:id="rId4"/>
     <p:sldId id="261" r:id="rId5"/>
-    <p:sldId id="258" r:id="rId6"/>
-    <p:sldId id="262" r:id="rId7"/>
-    <p:sldId id="259" r:id="rId8"/>
-    <p:sldId id="263" r:id="rId9"/>
-    <p:sldId id="265" r:id="rId10"/>
-    <p:sldId id="260" r:id="rId11"/>
+    <p:sldId id="260" r:id="rId6"/>
+    <p:sldId id="258" r:id="rId7"/>
+    <p:sldId id="262" r:id="rId8"/>
+    <p:sldId id="259" r:id="rId9"/>
+    <p:sldId id="263" r:id="rId10"/>
+    <p:sldId id="265" r:id="rId11"/>
     <p:sldId id="268" r:id="rId12"/>
     <p:sldId id="266" r:id="rId13"/>
     <p:sldId id="267" r:id="rId14"/>
@@ -137,7 +137,7 @@
   <pc:docChgLst>
     <pc:chgData name="Luan eliseu ferrazzo" userId="69bb020bc42e3808" providerId="LiveId" clId="{EE69C8B5-B34B-4963-B2B8-A9527995FA9D}"/>
     <pc:docChg chg="undo custSel addSld delSld modSld sldOrd">
-      <pc:chgData name="Luan eliseu ferrazzo" userId="69bb020bc42e3808" providerId="LiveId" clId="{EE69C8B5-B34B-4963-B2B8-A9527995FA9D}" dt="2024-12-18T19:32:14.277" v="769" actId="20577"/>
+      <pc:chgData name="Luan eliseu ferrazzo" userId="69bb020bc42e3808" providerId="LiveId" clId="{EE69C8B5-B34B-4963-B2B8-A9527995FA9D}" dt="2024-12-18T21:05:14.899" v="774"/>
       <pc:docMkLst>
         <pc:docMk/>
       </pc:docMkLst>
@@ -417,8 +417,8 @@
           </ac:picMkLst>
         </pc:picChg>
       </pc:sldChg>
-      <pc:sldChg chg="addSp delSp modSp mod setBg">
-        <pc:chgData name="Luan eliseu ferrazzo" userId="69bb020bc42e3808" providerId="LiveId" clId="{EE69C8B5-B34B-4963-B2B8-A9527995FA9D}" dt="2024-12-18T19:06:42.031" v="740" actId="6549"/>
+      <pc:sldChg chg="addSp delSp modSp mod ord setBg">
+        <pc:chgData name="Luan eliseu ferrazzo" userId="69bb020bc42e3808" providerId="LiveId" clId="{EE69C8B5-B34B-4963-B2B8-A9527995FA9D}" dt="2024-12-18T21:05:14.899" v="774"/>
         <pc:sldMkLst>
           <pc:docMk/>
           <pc:sldMk cId="2176833026" sldId="260"/>
@@ -4867,6 +4867,3176 @@
         <p:cNvPr id="1" name="">
           <a:extLst>
             <a:ext uri="{FF2B5EF4-FFF2-40B4-BE49-F238E27FC236}">
+              <a16:creationId xmlns:a16="http://schemas.microsoft.com/office/drawing/2014/main" id="{8DF9607E-3E12-7737-68A7-DA7DA6ABC22E}"/>
+            </a:ext>
+          </a:extLst>
+        </p:cNvPr>
+        <p:cNvGrpSpPr/>
+        <p:nvPr/>
+      </p:nvGrpSpPr>
+      <p:grpSpPr>
+        <a:xfrm>
+          <a:off x="0" y="0"/>
+          <a:ext cx="0" cy="0"/>
+          <a:chOff x="0" y="0"/>
+          <a:chExt cx="0" cy="0"/>
+        </a:xfrm>
+      </p:grpSpPr>
+      <p:sp useBgFill="1">
+        <p:nvSpPr>
+          <p:cNvPr id="25" name="Rectangle 17">
+            <a:extLst>
+              <a:ext uri="{FF2B5EF4-FFF2-40B4-BE49-F238E27FC236}">
+                <a16:creationId xmlns:a16="http://schemas.microsoft.com/office/drawing/2014/main" id="{34B3D12B-F4DB-AFAC-1494-431AF9944896}"/>
+              </a:ext>
+              <a:ext uri="{C183D7F6-B498-43B3-948B-1728B52AA6E4}">
+                <adec:decorative xmlns:adec="http://schemas.microsoft.com/office/drawing/2017/decorative" val="1"/>
+              </a:ext>
+            </a:extLst>
+          </p:cNvPr>
+          <p:cNvSpPr>
+            <a:spLocks noGrp="1" noRot="1" noChangeAspect="1" noMove="1" noResize="1" noEditPoints="1" noAdjustHandles="1" noChangeArrowheads="1" noChangeShapeType="1" noTextEdit="1"/>
+          </p:cNvSpPr>
+          <p:nvPr>
+            <p:extLst>
+              <p:ext uri="{386F3935-93C4-4BCD-93E2-E3B085C9AB24}">
+                <p16:designElem xmlns:p16="http://schemas.microsoft.com/office/powerpoint/2015/main" val="1"/>
+              </p:ext>
+            </p:extLst>
+          </p:nvPr>
+        </p:nvSpPr>
+        <p:spPr>
+          <a:xfrm>
+            <a:off x="0" y="0"/>
+            <a:ext cx="12192000" cy="6858000"/>
+          </a:xfrm>
+          <a:prstGeom prst="rect">
+            <a:avLst/>
+          </a:prstGeom>
+          <a:ln>
+            <a:noFill/>
+          </a:ln>
+        </p:spPr>
+        <p:style>
+          <a:lnRef idx="2">
+            <a:schemeClr val="accent1">
+              <a:shade val="50000"/>
+            </a:schemeClr>
+          </a:lnRef>
+          <a:fillRef idx="1">
+            <a:schemeClr val="accent1"/>
+          </a:fillRef>
+          <a:effectRef idx="0">
+            <a:schemeClr val="accent1"/>
+          </a:effectRef>
+          <a:fontRef idx="minor">
+            <a:schemeClr val="lt1"/>
+          </a:fontRef>
+        </p:style>
+        <p:txBody>
+          <a:bodyPr rtlCol="0" anchor="ctr"/>
+          <a:lstStyle/>
+          <a:p>
+            <a:pPr algn="ctr"/>
+            <a:endParaRPr lang="en-US"/>
+          </a:p>
+        </p:txBody>
+      </p:sp>
+      <p:sp useBgFill="1">
+        <p:nvSpPr>
+          <p:cNvPr id="26" name="Rectangle 19">
+            <a:extLst>
+              <a:ext uri="{FF2B5EF4-FFF2-40B4-BE49-F238E27FC236}">
+                <a16:creationId xmlns:a16="http://schemas.microsoft.com/office/drawing/2014/main" id="{521459A6-B5D3-BEB5-0124-7A7FE53B7127}"/>
+              </a:ext>
+              <a:ext uri="{C183D7F6-B498-43B3-948B-1728B52AA6E4}">
+                <adec:decorative xmlns:adec="http://schemas.microsoft.com/office/drawing/2017/decorative" val="1"/>
+              </a:ext>
+            </a:extLst>
+          </p:cNvPr>
+          <p:cNvSpPr>
+            <a:spLocks noGrp="1" noRot="1" noChangeAspect="1" noMove="1" noResize="1" noEditPoints="1" noAdjustHandles="1" noChangeArrowheads="1" noChangeShapeType="1" noTextEdit="1"/>
+          </p:cNvSpPr>
+          <p:nvPr>
+            <p:extLst>
+              <p:ext uri="{386F3935-93C4-4BCD-93E2-E3B085C9AB24}">
+                <p16:designElem xmlns:p16="http://schemas.microsoft.com/office/powerpoint/2015/main" val="1"/>
+              </p:ext>
+            </p:extLst>
+          </p:nvPr>
+        </p:nvSpPr>
+        <p:spPr>
+          <a:xfrm>
+            <a:off x="551553" y="304802"/>
+            <a:ext cx="11097349" cy="1573149"/>
+          </a:xfrm>
+          <a:prstGeom prst="rect">
+            <a:avLst/>
+          </a:prstGeom>
+          <a:ln w="12700">
+            <a:solidFill>
+              <a:srgbClr val="DEDEDE"/>
+            </a:solidFill>
+          </a:ln>
+          <a:effectLst>
+            <a:outerShdw blurRad="50800" dist="38100" dir="2700000" algn="tl" rotWithShape="0">
+              <a:schemeClr val="bg2">
+                <a:lumMod val="85000"/>
+                <a:alpha val="50000"/>
+              </a:schemeClr>
+            </a:outerShdw>
+          </a:effectLst>
+        </p:spPr>
+        <p:style>
+          <a:lnRef idx="2">
+            <a:schemeClr val="accent1">
+              <a:shade val="50000"/>
+            </a:schemeClr>
+          </a:lnRef>
+          <a:fillRef idx="1">
+            <a:schemeClr val="accent1"/>
+          </a:fillRef>
+          <a:effectRef idx="0">
+            <a:schemeClr val="accent1"/>
+          </a:effectRef>
+          <a:fontRef idx="minor">
+            <a:schemeClr val="lt1"/>
+          </a:fontRef>
+        </p:style>
+        <p:txBody>
+          <a:bodyPr rtlCol="0" anchor="ctr"/>
+          <a:lstStyle/>
+          <a:p>
+            <a:pPr marL="0" marR="0" lvl="0" indent="0" algn="ctr" defTabSz="914400" rtl="0" eaLnBrk="1" fontAlgn="auto" latinLnBrk="0" hangingPunct="1">
+              <a:lnSpc>
+                <a:spcPct val="100000"/>
+              </a:lnSpc>
+              <a:spcBef>
+                <a:spcPts val="0"/>
+              </a:spcBef>
+              <a:spcAft>
+                <a:spcPts val="0"/>
+              </a:spcAft>
+              <a:buClrTx/>
+              <a:buSzTx/>
+              <a:buFontTx/>
+              <a:buNone/>
+              <a:tabLst/>
+              <a:defRPr/>
+            </a:pPr>
+            <a:endParaRPr kumimoji="0" lang="en-US" sz="1800" b="0" i="0" u="none" strike="noStrike" kern="1200" cap="none" spc="0" normalizeH="0" baseline="0" noProof="0">
+              <a:ln>
+                <a:noFill/>
+              </a:ln>
+              <a:solidFill>
+                <a:prstClr val="white"/>
+              </a:solidFill>
+              <a:effectLst/>
+              <a:uLnTx/>
+              <a:uFillTx/>
+              <a:latin typeface="Calibri" panose="020F0502020204030204"/>
+              <a:ea typeface="+mn-ea"/>
+              <a:cs typeface="+mn-cs"/>
+            </a:endParaRPr>
+          </a:p>
+        </p:txBody>
+      </p:sp>
+      <p:sp>
+        <p:nvSpPr>
+          <p:cNvPr id="2" name="Título 1">
+            <a:extLst>
+              <a:ext uri="{FF2B5EF4-FFF2-40B4-BE49-F238E27FC236}">
+                <a16:creationId xmlns:a16="http://schemas.microsoft.com/office/drawing/2014/main" id="{A9F55794-E4B7-208F-5542-6A1D77CC520F}"/>
+              </a:ext>
+            </a:extLst>
+          </p:cNvPr>
+          <p:cNvSpPr>
+            <a:spLocks noGrp="1"/>
+          </p:cNvSpPr>
+          <p:nvPr>
+            <p:ph type="title"/>
+          </p:nvPr>
+        </p:nvSpPr>
+        <p:spPr>
+          <a:xfrm>
+            <a:off x="901690" y="405575"/>
+            <a:ext cx="6430414" cy="1371600"/>
+          </a:xfrm>
+        </p:spPr>
+        <p:txBody>
+          <a:bodyPr vert="horz" lIns="91440" tIns="45720" rIns="91440" bIns="45720" rtlCol="0" anchor="ctr">
+            <a:normAutofit/>
+          </a:bodyPr>
+          <a:lstStyle/>
+          <a:p>
+            <a:r>
+              <a:rPr lang="en-US" sz="4000" b="1" kern="1200" dirty="0">
+                <a:solidFill>
+                  <a:schemeClr val="tx1"/>
+                </a:solidFill>
+                <a:latin typeface="+mj-lt"/>
+                <a:ea typeface="+mj-ea"/>
+                <a:cs typeface="+mj-cs"/>
+              </a:rPr>
+              <a:t>MVP | SLV_TO_GLD</a:t>
+            </a:r>
+          </a:p>
+        </p:txBody>
+      </p:sp>
+      <p:sp>
+        <p:nvSpPr>
+          <p:cNvPr id="27" name="Rectangle 21">
+            <a:extLst>
+              <a:ext uri="{FF2B5EF4-FFF2-40B4-BE49-F238E27FC236}">
+                <a16:creationId xmlns:a16="http://schemas.microsoft.com/office/drawing/2014/main" id="{5932449C-C00B-AE23-7C5B-7DB822BC669F}"/>
+              </a:ext>
+              <a:ext uri="{C183D7F6-B498-43B3-948B-1728B52AA6E4}">
+                <adec:decorative xmlns:adec="http://schemas.microsoft.com/office/drawing/2017/decorative" val="1"/>
+              </a:ext>
+            </a:extLst>
+          </p:cNvPr>
+          <p:cNvSpPr>
+            <a:spLocks noGrp="1" noRot="1" noChangeAspect="1" noMove="1" noResize="1" noEditPoints="1" noAdjustHandles="1" noChangeArrowheads="1" noChangeShapeType="1" noTextEdit="1"/>
+          </p:cNvSpPr>
+          <p:nvPr>
+            <p:extLst>
+              <p:ext uri="{386F3935-93C4-4BCD-93E2-E3B085C9AB24}">
+                <p16:designElem xmlns:p16="http://schemas.microsoft.com/office/powerpoint/2015/main" val="1"/>
+              </p:ext>
+            </p:extLst>
+          </p:nvPr>
+        </p:nvSpPr>
+        <p:spPr>
+          <a:xfrm>
+            <a:off x="494784" y="764424"/>
+            <a:ext cx="128016" cy="653903"/>
+          </a:xfrm>
+          <a:prstGeom prst="rect">
+            <a:avLst/>
+          </a:prstGeom>
+          <a:solidFill>
+            <a:schemeClr val="accent2"/>
+          </a:solidFill>
+          <a:ln>
+            <a:noFill/>
+          </a:ln>
+        </p:spPr>
+        <p:style>
+          <a:lnRef idx="2">
+            <a:schemeClr val="accent1">
+              <a:shade val="50000"/>
+            </a:schemeClr>
+          </a:lnRef>
+          <a:fillRef idx="1">
+            <a:schemeClr val="accent1"/>
+          </a:fillRef>
+          <a:effectRef idx="0">
+            <a:schemeClr val="accent1"/>
+          </a:effectRef>
+          <a:fontRef idx="minor">
+            <a:schemeClr val="lt1"/>
+          </a:fontRef>
+        </p:style>
+        <p:txBody>
+          <a:bodyPr rtlCol="0" anchor="ctr"/>
+          <a:lstStyle/>
+          <a:p>
+            <a:pPr algn="ctr"/>
+            <a:endParaRPr lang="en-US">
+              <a:solidFill>
+                <a:prstClr val="white"/>
+              </a:solidFill>
+              <a:latin typeface="Calibri" panose="020F0502020204030204"/>
+            </a:endParaRPr>
+          </a:p>
+        </p:txBody>
+      </p:sp>
+      <p:sp>
+        <p:nvSpPr>
+          <p:cNvPr id="24" name="Rectangle 23">
+            <a:extLst>
+              <a:ext uri="{FF2B5EF4-FFF2-40B4-BE49-F238E27FC236}">
+                <a16:creationId xmlns:a16="http://schemas.microsoft.com/office/drawing/2014/main" id="{D2F5AF08-3A5B-4AFA-668A-21F009EFEDA3}"/>
+              </a:ext>
+              <a:ext uri="{C183D7F6-B498-43B3-948B-1728B52AA6E4}">
+                <adec:decorative xmlns:adec="http://schemas.microsoft.com/office/drawing/2017/decorative" val="1"/>
+              </a:ext>
+            </a:extLst>
+          </p:cNvPr>
+          <p:cNvSpPr>
+            <a:spLocks noGrp="1" noRot="1" noChangeAspect="1" noMove="1" noResize="1" noEditPoints="1" noAdjustHandles="1" noChangeArrowheads="1" noChangeShapeType="1" noTextEdit="1"/>
+          </p:cNvSpPr>
+          <p:nvPr>
+            <p:extLst>
+              <p:ext uri="{386F3935-93C4-4BCD-93E2-E3B085C9AB24}">
+                <p16:designElem xmlns:p16="http://schemas.microsoft.com/office/powerpoint/2015/main" val="1"/>
+              </p:ext>
+            </p:extLst>
+          </p:nvPr>
+        </p:nvSpPr>
+        <p:spPr>
+          <a:xfrm rot="5400000">
+            <a:off x="7126032" y="1067264"/>
+            <a:ext cx="1021458" cy="18288"/>
+          </a:xfrm>
+          <a:prstGeom prst="rect">
+            <a:avLst/>
+          </a:prstGeom>
+          <a:solidFill>
+            <a:srgbClr val="D5D5D5"/>
+          </a:solidFill>
+          <a:ln w="3175">
+            <a:noFill/>
+          </a:ln>
+          <a:effectLst/>
+        </p:spPr>
+        <p:style>
+          <a:lnRef idx="2">
+            <a:schemeClr val="accent1">
+              <a:shade val="50000"/>
+            </a:schemeClr>
+          </a:lnRef>
+          <a:fillRef idx="1">
+            <a:schemeClr val="accent1"/>
+          </a:fillRef>
+          <a:effectRef idx="0">
+            <a:schemeClr val="accent1"/>
+          </a:effectRef>
+          <a:fontRef idx="minor">
+            <a:schemeClr val="lt1"/>
+          </a:fontRef>
+        </p:style>
+        <p:txBody>
+          <a:bodyPr rtlCol="0" anchor="ctr"/>
+          <a:lstStyle/>
+          <a:p>
+            <a:pPr algn="ctr"/>
+            <a:endParaRPr lang="en-US">
+              <a:solidFill>
+                <a:prstClr val="white"/>
+              </a:solidFill>
+              <a:latin typeface="Calibri" panose="020F0502020204030204"/>
+            </a:endParaRPr>
+          </a:p>
+        </p:txBody>
+      </p:sp>
+      <p:pic>
+        <p:nvPicPr>
+          <p:cNvPr id="4" name="Imagem 3">
+            <a:extLst>
+              <a:ext uri="{FF2B5EF4-FFF2-40B4-BE49-F238E27FC236}">
+                <a16:creationId xmlns:a16="http://schemas.microsoft.com/office/drawing/2014/main" id="{0E15BBA8-530C-FEA4-4D5A-0501F478ACD1}"/>
+              </a:ext>
+            </a:extLst>
+          </p:cNvPr>
+          <p:cNvPicPr>
+            <a:picLocks noChangeAspect="1"/>
+          </p:cNvPicPr>
+          <p:nvPr/>
+        </p:nvPicPr>
+        <p:blipFill>
+          <a:blip r:embed="rId2"/>
+          <a:srcRect t="2332"/>
+          <a:stretch/>
+        </p:blipFill>
+        <p:spPr>
+          <a:xfrm>
+            <a:off x="901690" y="2138828"/>
+            <a:ext cx="10460757" cy="4219602"/>
+          </a:xfrm>
+          <a:prstGeom prst="rect">
+            <a:avLst/>
+          </a:prstGeom>
+          <a:ln>
+            <a:noFill/>
+          </a:ln>
+          <a:effectLst>
+            <a:outerShdw blurRad="292100" dist="139700" dir="2700000" algn="tl" rotWithShape="0">
+              <a:srgbClr val="333333">
+                <a:alpha val="65000"/>
+              </a:srgbClr>
+            </a:outerShdw>
+          </a:effectLst>
+        </p:spPr>
+      </p:pic>
+    </p:spTree>
+    <p:extLst>
+      <p:ext uri="{BB962C8B-B14F-4D97-AF65-F5344CB8AC3E}">
+        <p14:creationId xmlns:p14="http://schemas.microsoft.com/office/powerpoint/2010/main" val="3732732137"/>
+      </p:ext>
+    </p:extLst>
+  </p:cSld>
+  <p:clrMapOvr>
+    <a:masterClrMapping/>
+  </p:clrMapOvr>
+</p:sld>
+</file>
+
+<file path=ppt/slides/slide11.xml><?xml version="1.0" encoding="utf-8"?>
+<p:sld xmlns:a="http://schemas.openxmlformats.org/drawingml/2006/main" xmlns:r="http://schemas.openxmlformats.org/officeDocument/2006/relationships" xmlns:p="http://schemas.openxmlformats.org/presentationml/2006/main">
+  <p:cSld>
+    <p:bg>
+      <p:bgPr>
+        <a:solidFill>
+          <a:schemeClr val="bg1"/>
+        </a:solidFill>
+        <a:effectLst/>
+      </p:bgPr>
+    </p:bg>
+    <p:spTree>
+      <p:nvGrpSpPr>
+        <p:cNvPr id="1" name="">
+          <a:extLst>
+            <a:ext uri="{FF2B5EF4-FFF2-40B4-BE49-F238E27FC236}">
+              <a16:creationId xmlns:a16="http://schemas.microsoft.com/office/drawing/2014/main" id="{DE5DB6D0-79CA-C9D6-5D17-7F29D2E89390}"/>
+            </a:ext>
+          </a:extLst>
+        </p:cNvPr>
+        <p:cNvGrpSpPr/>
+        <p:nvPr/>
+      </p:nvGrpSpPr>
+      <p:grpSpPr>
+        <a:xfrm>
+          <a:off x="0" y="0"/>
+          <a:ext cx="0" cy="0"/>
+          <a:chOff x="0" y="0"/>
+          <a:chExt cx="0" cy="0"/>
+        </a:xfrm>
+      </p:grpSpPr>
+      <p:sp useBgFill="1">
+        <p:nvSpPr>
+          <p:cNvPr id="62" name="Rectangle 61">
+            <a:extLst>
+              <a:ext uri="{FF2B5EF4-FFF2-40B4-BE49-F238E27FC236}">
+                <a16:creationId xmlns:a16="http://schemas.microsoft.com/office/drawing/2014/main" id="{2FB61FCF-18EC-BAB8-7AEE-849924DE042A}"/>
+              </a:ext>
+              <a:ext uri="{C183D7F6-B498-43B3-948B-1728B52AA6E4}">
+                <adec:decorative xmlns:adec="http://schemas.microsoft.com/office/drawing/2017/decorative" val="1"/>
+              </a:ext>
+            </a:extLst>
+          </p:cNvPr>
+          <p:cNvSpPr>
+            <a:spLocks noGrp="1" noRot="1" noChangeAspect="1" noMove="1" noResize="1" noEditPoints="1" noAdjustHandles="1" noChangeArrowheads="1" noChangeShapeType="1" noTextEdit="1"/>
+          </p:cNvSpPr>
+          <p:nvPr>
+            <p:extLst>
+              <p:ext uri="{386F3935-93C4-4BCD-93E2-E3B085C9AB24}">
+                <p16:designElem xmlns:p16="http://schemas.microsoft.com/office/powerpoint/2015/main" val="1"/>
+              </p:ext>
+            </p:extLst>
+          </p:nvPr>
+        </p:nvSpPr>
+        <p:spPr>
+          <a:xfrm>
+            <a:off x="0" y="0"/>
+            <a:ext cx="12192000" cy="6858000"/>
+          </a:xfrm>
+          <a:prstGeom prst="rect">
+            <a:avLst/>
+          </a:prstGeom>
+          <a:ln>
+            <a:noFill/>
+          </a:ln>
+        </p:spPr>
+        <p:style>
+          <a:lnRef idx="2">
+            <a:schemeClr val="accent1">
+              <a:shade val="50000"/>
+            </a:schemeClr>
+          </a:lnRef>
+          <a:fillRef idx="1">
+            <a:schemeClr val="accent1"/>
+          </a:fillRef>
+          <a:effectRef idx="0">
+            <a:schemeClr val="accent1"/>
+          </a:effectRef>
+          <a:fontRef idx="minor">
+            <a:schemeClr val="lt1"/>
+          </a:fontRef>
+        </p:style>
+        <p:txBody>
+          <a:bodyPr rtlCol="0" anchor="ctr"/>
+          <a:lstStyle/>
+          <a:p>
+            <a:pPr algn="ctr"/>
+            <a:endParaRPr lang="en-US"/>
+          </a:p>
+        </p:txBody>
+      </p:sp>
+      <p:sp useBgFill="1">
+        <p:nvSpPr>
+          <p:cNvPr id="64" name="Rectangle 63">
+            <a:extLst>
+              <a:ext uri="{FF2B5EF4-FFF2-40B4-BE49-F238E27FC236}">
+                <a16:creationId xmlns:a16="http://schemas.microsoft.com/office/drawing/2014/main" id="{24F8C86B-B6F4-4EAB-D27E-2BC5F49684F6}"/>
+              </a:ext>
+              <a:ext uri="{C183D7F6-B498-43B3-948B-1728B52AA6E4}">
+                <adec:decorative xmlns:adec="http://schemas.microsoft.com/office/drawing/2017/decorative" val="1"/>
+              </a:ext>
+            </a:extLst>
+          </p:cNvPr>
+          <p:cNvSpPr>
+            <a:spLocks noGrp="1" noRot="1" noChangeAspect="1" noMove="1" noResize="1" noEditPoints="1" noAdjustHandles="1" noChangeArrowheads="1" noChangeShapeType="1" noTextEdit="1"/>
+          </p:cNvSpPr>
+          <p:nvPr>
+            <p:extLst>
+              <p:ext uri="{386F3935-93C4-4BCD-93E2-E3B085C9AB24}">
+                <p16:designElem xmlns:p16="http://schemas.microsoft.com/office/powerpoint/2015/main" val="1"/>
+              </p:ext>
+            </p:extLst>
+          </p:nvPr>
+        </p:nvSpPr>
+        <p:spPr>
+          <a:xfrm>
+            <a:off x="551553" y="304802"/>
+            <a:ext cx="11097349" cy="1573149"/>
+          </a:xfrm>
+          <a:prstGeom prst="rect">
+            <a:avLst/>
+          </a:prstGeom>
+          <a:ln w="12700">
+            <a:solidFill>
+              <a:srgbClr val="DEDEDE"/>
+            </a:solidFill>
+          </a:ln>
+          <a:effectLst>
+            <a:outerShdw blurRad="50800" dist="38100" dir="2700000" algn="tl" rotWithShape="0">
+              <a:schemeClr val="bg2">
+                <a:lumMod val="85000"/>
+                <a:alpha val="50000"/>
+              </a:schemeClr>
+            </a:outerShdw>
+          </a:effectLst>
+        </p:spPr>
+        <p:style>
+          <a:lnRef idx="2">
+            <a:schemeClr val="accent1">
+              <a:shade val="50000"/>
+            </a:schemeClr>
+          </a:lnRef>
+          <a:fillRef idx="1">
+            <a:schemeClr val="accent1"/>
+          </a:fillRef>
+          <a:effectRef idx="0">
+            <a:schemeClr val="accent1"/>
+          </a:effectRef>
+          <a:fontRef idx="minor">
+            <a:schemeClr val="lt1"/>
+          </a:fontRef>
+        </p:style>
+        <p:txBody>
+          <a:bodyPr rtlCol="0" anchor="ctr"/>
+          <a:lstStyle/>
+          <a:p>
+            <a:pPr marL="0" marR="0" lvl="0" indent="0" algn="ctr" defTabSz="914400" rtl="0" eaLnBrk="1" fontAlgn="auto" latinLnBrk="0" hangingPunct="1">
+              <a:lnSpc>
+                <a:spcPct val="100000"/>
+              </a:lnSpc>
+              <a:spcBef>
+                <a:spcPts val="0"/>
+              </a:spcBef>
+              <a:spcAft>
+                <a:spcPts val="0"/>
+              </a:spcAft>
+              <a:buClrTx/>
+              <a:buSzTx/>
+              <a:buFontTx/>
+              <a:buNone/>
+              <a:tabLst/>
+              <a:defRPr/>
+            </a:pPr>
+            <a:endParaRPr kumimoji="0" lang="en-US" sz="1800" b="0" i="0" u="none" strike="noStrike" kern="1200" cap="none" spc="0" normalizeH="0" baseline="0" noProof="0">
+              <a:ln>
+                <a:noFill/>
+              </a:ln>
+              <a:solidFill>
+                <a:prstClr val="white"/>
+              </a:solidFill>
+              <a:effectLst/>
+              <a:uLnTx/>
+              <a:uFillTx/>
+              <a:latin typeface="Calibri" panose="020F0502020204030204"/>
+              <a:ea typeface="+mn-ea"/>
+              <a:cs typeface="+mn-cs"/>
+            </a:endParaRPr>
+          </a:p>
+        </p:txBody>
+      </p:sp>
+      <p:sp>
+        <p:nvSpPr>
+          <p:cNvPr id="2" name="Título 1">
+            <a:extLst>
+              <a:ext uri="{FF2B5EF4-FFF2-40B4-BE49-F238E27FC236}">
+                <a16:creationId xmlns:a16="http://schemas.microsoft.com/office/drawing/2014/main" id="{470439E8-687C-1F82-FCAA-EF5F35DA5FA3}"/>
+              </a:ext>
+            </a:extLst>
+          </p:cNvPr>
+          <p:cNvSpPr>
+            <a:spLocks noGrp="1"/>
+          </p:cNvSpPr>
+          <p:nvPr>
+            <p:ph type="title"/>
+          </p:nvPr>
+        </p:nvSpPr>
+        <p:spPr>
+          <a:xfrm>
+            <a:off x="901690" y="405575"/>
+            <a:ext cx="6430414" cy="1371600"/>
+          </a:xfrm>
+        </p:spPr>
+        <p:txBody>
+          <a:bodyPr vert="horz" lIns="91440" tIns="45720" rIns="91440" bIns="45720" rtlCol="0" anchor="ctr">
+            <a:normAutofit/>
+          </a:bodyPr>
+          <a:lstStyle/>
+          <a:p>
+            <a:r>
+              <a:rPr lang="en-US" sz="4000" b="1" kern="1200" dirty="0">
+                <a:solidFill>
+                  <a:schemeClr val="tx1"/>
+                </a:solidFill>
+                <a:latin typeface="+mj-lt"/>
+                <a:ea typeface="+mj-ea"/>
+                <a:cs typeface="+mj-cs"/>
+              </a:rPr>
+              <a:t>CUSTOS </a:t>
+            </a:r>
+          </a:p>
+        </p:txBody>
+      </p:sp>
+      <p:sp>
+        <p:nvSpPr>
+          <p:cNvPr id="66" name="Rectangle 65">
+            <a:extLst>
+              <a:ext uri="{FF2B5EF4-FFF2-40B4-BE49-F238E27FC236}">
+                <a16:creationId xmlns:a16="http://schemas.microsoft.com/office/drawing/2014/main" id="{4475CCA1-0CF1-13AA-3AED-D83463551D0C}"/>
+              </a:ext>
+              <a:ext uri="{C183D7F6-B498-43B3-948B-1728B52AA6E4}">
+                <adec:decorative xmlns:adec="http://schemas.microsoft.com/office/drawing/2017/decorative" val="1"/>
+              </a:ext>
+            </a:extLst>
+          </p:cNvPr>
+          <p:cNvSpPr>
+            <a:spLocks noGrp="1" noRot="1" noChangeAspect="1" noMove="1" noResize="1" noEditPoints="1" noAdjustHandles="1" noChangeArrowheads="1" noChangeShapeType="1" noTextEdit="1"/>
+          </p:cNvSpPr>
+          <p:nvPr>
+            <p:extLst>
+              <p:ext uri="{386F3935-93C4-4BCD-93E2-E3B085C9AB24}">
+                <p16:designElem xmlns:p16="http://schemas.microsoft.com/office/powerpoint/2015/main" val="1"/>
+              </p:ext>
+            </p:extLst>
+          </p:nvPr>
+        </p:nvSpPr>
+        <p:spPr>
+          <a:xfrm>
+            <a:off x="494784" y="764424"/>
+            <a:ext cx="128016" cy="653903"/>
+          </a:xfrm>
+          <a:prstGeom prst="rect">
+            <a:avLst/>
+          </a:prstGeom>
+          <a:solidFill>
+            <a:schemeClr val="accent2"/>
+          </a:solidFill>
+          <a:ln>
+            <a:noFill/>
+          </a:ln>
+        </p:spPr>
+        <p:style>
+          <a:lnRef idx="2">
+            <a:schemeClr val="accent1">
+              <a:shade val="50000"/>
+            </a:schemeClr>
+          </a:lnRef>
+          <a:fillRef idx="1">
+            <a:schemeClr val="accent1"/>
+          </a:fillRef>
+          <a:effectRef idx="0">
+            <a:schemeClr val="accent1"/>
+          </a:effectRef>
+          <a:fontRef idx="minor">
+            <a:schemeClr val="lt1"/>
+          </a:fontRef>
+        </p:style>
+        <p:txBody>
+          <a:bodyPr rtlCol="0" anchor="ctr"/>
+          <a:lstStyle/>
+          <a:p>
+            <a:pPr algn="ctr"/>
+            <a:endParaRPr lang="en-US">
+              <a:solidFill>
+                <a:prstClr val="white"/>
+              </a:solidFill>
+              <a:latin typeface="Calibri" panose="020F0502020204030204"/>
+            </a:endParaRPr>
+          </a:p>
+        </p:txBody>
+      </p:sp>
+      <p:sp>
+        <p:nvSpPr>
+          <p:cNvPr id="68" name="Rectangle 67">
+            <a:extLst>
+              <a:ext uri="{FF2B5EF4-FFF2-40B4-BE49-F238E27FC236}">
+                <a16:creationId xmlns:a16="http://schemas.microsoft.com/office/drawing/2014/main" id="{E752B858-DA5C-BBD4-66DF-8EFB52DCFE96}"/>
+              </a:ext>
+              <a:ext uri="{C183D7F6-B498-43B3-948B-1728B52AA6E4}">
+                <adec:decorative xmlns:adec="http://schemas.microsoft.com/office/drawing/2017/decorative" val="1"/>
+              </a:ext>
+            </a:extLst>
+          </p:cNvPr>
+          <p:cNvSpPr>
+            <a:spLocks noGrp="1" noRot="1" noChangeAspect="1" noMove="1" noResize="1" noEditPoints="1" noAdjustHandles="1" noChangeArrowheads="1" noChangeShapeType="1" noTextEdit="1"/>
+          </p:cNvSpPr>
+          <p:nvPr>
+            <p:extLst>
+              <p:ext uri="{386F3935-93C4-4BCD-93E2-E3B085C9AB24}">
+                <p16:designElem xmlns:p16="http://schemas.microsoft.com/office/powerpoint/2015/main" val="1"/>
+              </p:ext>
+            </p:extLst>
+          </p:nvPr>
+        </p:nvSpPr>
+        <p:spPr>
+          <a:xfrm rot="5400000">
+            <a:off x="7126032" y="1067264"/>
+            <a:ext cx="1021458" cy="18288"/>
+          </a:xfrm>
+          <a:prstGeom prst="rect">
+            <a:avLst/>
+          </a:prstGeom>
+          <a:solidFill>
+            <a:srgbClr val="D5D5D5"/>
+          </a:solidFill>
+          <a:ln w="3175">
+            <a:noFill/>
+          </a:ln>
+          <a:effectLst/>
+        </p:spPr>
+        <p:style>
+          <a:lnRef idx="2">
+            <a:schemeClr val="accent1">
+              <a:shade val="50000"/>
+            </a:schemeClr>
+          </a:lnRef>
+          <a:fillRef idx="1">
+            <a:schemeClr val="accent1"/>
+          </a:fillRef>
+          <a:effectRef idx="0">
+            <a:schemeClr val="accent1"/>
+          </a:effectRef>
+          <a:fontRef idx="minor">
+            <a:schemeClr val="lt1"/>
+          </a:fontRef>
+        </p:style>
+        <p:txBody>
+          <a:bodyPr rtlCol="0" anchor="ctr"/>
+          <a:lstStyle/>
+          <a:p>
+            <a:pPr algn="ctr"/>
+            <a:endParaRPr lang="en-US">
+              <a:solidFill>
+                <a:prstClr val="white"/>
+              </a:solidFill>
+              <a:latin typeface="Calibri" panose="020F0502020204030204"/>
+            </a:endParaRPr>
+          </a:p>
+        </p:txBody>
+      </p:sp>
+      <p:pic>
+        <p:nvPicPr>
+          <p:cNvPr id="6" name="Imagem 5">
+            <a:extLst>
+              <a:ext uri="{FF2B5EF4-FFF2-40B4-BE49-F238E27FC236}">
+                <a16:creationId xmlns:a16="http://schemas.microsoft.com/office/drawing/2014/main" id="{9FDE1D53-DBC7-4CCA-4641-9D768E10B37F}"/>
+              </a:ext>
+            </a:extLst>
+          </p:cNvPr>
+          <p:cNvPicPr>
+            <a:picLocks noChangeAspect="1"/>
+          </p:cNvPicPr>
+          <p:nvPr/>
+        </p:nvPicPr>
+        <p:blipFill>
+          <a:blip r:embed="rId2">
+            <a:duotone>
+              <a:schemeClr val="accent4">
+                <a:shade val="45000"/>
+                <a:satMod val="135000"/>
+              </a:schemeClr>
+              <a:prstClr val="white"/>
+            </a:duotone>
+          </a:blip>
+          <a:stretch>
+            <a:fillRect/>
+          </a:stretch>
+        </p:blipFill>
+        <p:spPr>
+          <a:xfrm>
+            <a:off x="1001694" y="2287512"/>
+            <a:ext cx="10339051" cy="3427488"/>
+          </a:xfrm>
+          <a:prstGeom prst="rect">
+            <a:avLst/>
+          </a:prstGeom>
+        </p:spPr>
+      </p:pic>
+    </p:spTree>
+    <p:extLst>
+      <p:ext uri="{BB962C8B-B14F-4D97-AF65-F5344CB8AC3E}">
+        <p14:creationId xmlns:p14="http://schemas.microsoft.com/office/powerpoint/2010/main" val="935743452"/>
+      </p:ext>
+    </p:extLst>
+  </p:cSld>
+  <p:clrMapOvr>
+    <a:masterClrMapping/>
+  </p:clrMapOvr>
+</p:sld>
+</file>
+
+<file path=ppt/slides/slide12.xml><?xml version="1.0" encoding="utf-8"?>
+<p:sld xmlns:a="http://schemas.openxmlformats.org/drawingml/2006/main" xmlns:r="http://schemas.openxmlformats.org/officeDocument/2006/relationships" xmlns:p="http://schemas.openxmlformats.org/presentationml/2006/main">
+  <p:cSld>
+    <p:bg>
+      <p:bgPr>
+        <a:solidFill>
+          <a:schemeClr val="bg1"/>
+        </a:solidFill>
+        <a:effectLst/>
+      </p:bgPr>
+    </p:bg>
+    <p:spTree>
+      <p:nvGrpSpPr>
+        <p:cNvPr id="1" name="">
+          <a:extLst>
+            <a:ext uri="{FF2B5EF4-FFF2-40B4-BE49-F238E27FC236}">
+              <a16:creationId xmlns:a16="http://schemas.microsoft.com/office/drawing/2014/main" id="{D6802A44-F202-3709-791F-AEAD0923A73A}"/>
+            </a:ext>
+          </a:extLst>
+        </p:cNvPr>
+        <p:cNvGrpSpPr/>
+        <p:nvPr/>
+      </p:nvGrpSpPr>
+      <p:grpSpPr>
+        <a:xfrm>
+          <a:off x="0" y="0"/>
+          <a:ext cx="0" cy="0"/>
+          <a:chOff x="0" y="0"/>
+          <a:chExt cx="0" cy="0"/>
+        </a:xfrm>
+      </p:grpSpPr>
+      <p:sp useBgFill="1">
+        <p:nvSpPr>
+          <p:cNvPr id="62" name="Rectangle 61">
+            <a:extLst>
+              <a:ext uri="{FF2B5EF4-FFF2-40B4-BE49-F238E27FC236}">
+                <a16:creationId xmlns:a16="http://schemas.microsoft.com/office/drawing/2014/main" id="{017517EF-BD4D-4055-BDB4-A322C53568AD}"/>
+              </a:ext>
+              <a:ext uri="{C183D7F6-B498-43B3-948B-1728B52AA6E4}">
+                <adec:decorative xmlns:adec="http://schemas.microsoft.com/office/drawing/2017/decorative" val="1"/>
+              </a:ext>
+            </a:extLst>
+          </p:cNvPr>
+          <p:cNvSpPr>
+            <a:spLocks noGrp="1" noRot="1" noChangeAspect="1" noMove="1" noResize="1" noEditPoints="1" noAdjustHandles="1" noChangeArrowheads="1" noChangeShapeType="1" noTextEdit="1"/>
+          </p:cNvSpPr>
+          <p:nvPr>
+            <p:extLst>
+              <p:ext uri="{386F3935-93C4-4BCD-93E2-E3B085C9AB24}">
+                <p16:designElem xmlns:p16="http://schemas.microsoft.com/office/powerpoint/2015/main" val="1"/>
+              </p:ext>
+            </p:extLst>
+          </p:nvPr>
+        </p:nvSpPr>
+        <p:spPr>
+          <a:xfrm>
+            <a:off x="0" y="0"/>
+            <a:ext cx="12192000" cy="6858000"/>
+          </a:xfrm>
+          <a:prstGeom prst="rect">
+            <a:avLst/>
+          </a:prstGeom>
+          <a:ln>
+            <a:noFill/>
+          </a:ln>
+        </p:spPr>
+        <p:style>
+          <a:lnRef idx="2">
+            <a:schemeClr val="accent1">
+              <a:shade val="50000"/>
+            </a:schemeClr>
+          </a:lnRef>
+          <a:fillRef idx="1">
+            <a:schemeClr val="accent1"/>
+          </a:fillRef>
+          <a:effectRef idx="0">
+            <a:schemeClr val="accent1"/>
+          </a:effectRef>
+          <a:fontRef idx="minor">
+            <a:schemeClr val="lt1"/>
+          </a:fontRef>
+        </p:style>
+        <p:txBody>
+          <a:bodyPr rtlCol="0" anchor="ctr"/>
+          <a:lstStyle/>
+          <a:p>
+            <a:pPr algn="ctr"/>
+            <a:endParaRPr lang="en-US"/>
+          </a:p>
+        </p:txBody>
+      </p:sp>
+      <p:sp useBgFill="1">
+        <p:nvSpPr>
+          <p:cNvPr id="64" name="Rectangle 63">
+            <a:extLst>
+              <a:ext uri="{FF2B5EF4-FFF2-40B4-BE49-F238E27FC236}">
+                <a16:creationId xmlns:a16="http://schemas.microsoft.com/office/drawing/2014/main" id="{0ADDB668-2CA4-4D2B-9C34-3487CA330BA8}"/>
+              </a:ext>
+              <a:ext uri="{C183D7F6-B498-43B3-948B-1728B52AA6E4}">
+                <adec:decorative xmlns:adec="http://schemas.microsoft.com/office/drawing/2017/decorative" val="1"/>
+              </a:ext>
+            </a:extLst>
+          </p:cNvPr>
+          <p:cNvSpPr>
+            <a:spLocks noGrp="1" noRot="1" noChangeAspect="1" noMove="1" noResize="1" noEditPoints="1" noAdjustHandles="1" noChangeArrowheads="1" noChangeShapeType="1" noTextEdit="1"/>
+          </p:cNvSpPr>
+          <p:nvPr>
+            <p:extLst>
+              <p:ext uri="{386F3935-93C4-4BCD-93E2-E3B085C9AB24}">
+                <p16:designElem xmlns:p16="http://schemas.microsoft.com/office/powerpoint/2015/main" val="1"/>
+              </p:ext>
+            </p:extLst>
+          </p:nvPr>
+        </p:nvSpPr>
+        <p:spPr>
+          <a:xfrm>
+            <a:off x="551553" y="304802"/>
+            <a:ext cx="11097349" cy="1573149"/>
+          </a:xfrm>
+          <a:prstGeom prst="rect">
+            <a:avLst/>
+          </a:prstGeom>
+          <a:ln w="12700">
+            <a:solidFill>
+              <a:srgbClr val="DEDEDE"/>
+            </a:solidFill>
+          </a:ln>
+          <a:effectLst>
+            <a:outerShdw blurRad="50800" dist="38100" dir="2700000" algn="tl" rotWithShape="0">
+              <a:schemeClr val="bg2">
+                <a:lumMod val="85000"/>
+                <a:alpha val="50000"/>
+              </a:schemeClr>
+            </a:outerShdw>
+          </a:effectLst>
+        </p:spPr>
+        <p:style>
+          <a:lnRef idx="2">
+            <a:schemeClr val="accent1">
+              <a:shade val="50000"/>
+            </a:schemeClr>
+          </a:lnRef>
+          <a:fillRef idx="1">
+            <a:schemeClr val="accent1"/>
+          </a:fillRef>
+          <a:effectRef idx="0">
+            <a:schemeClr val="accent1"/>
+          </a:effectRef>
+          <a:fontRef idx="minor">
+            <a:schemeClr val="lt1"/>
+          </a:fontRef>
+        </p:style>
+        <p:txBody>
+          <a:bodyPr rtlCol="0" anchor="ctr"/>
+          <a:lstStyle/>
+          <a:p>
+            <a:pPr marL="0" marR="0" lvl="0" indent="0" algn="ctr" defTabSz="914400" rtl="0" eaLnBrk="1" fontAlgn="auto" latinLnBrk="0" hangingPunct="1">
+              <a:lnSpc>
+                <a:spcPct val="100000"/>
+              </a:lnSpc>
+              <a:spcBef>
+                <a:spcPts val="0"/>
+              </a:spcBef>
+              <a:spcAft>
+                <a:spcPts val="0"/>
+              </a:spcAft>
+              <a:buClrTx/>
+              <a:buSzTx/>
+              <a:buFontTx/>
+              <a:buNone/>
+              <a:tabLst/>
+              <a:defRPr/>
+            </a:pPr>
+            <a:endParaRPr kumimoji="0" lang="en-US" sz="1800" b="0" i="0" u="none" strike="noStrike" kern="1200" cap="none" spc="0" normalizeH="0" baseline="0" noProof="0">
+              <a:ln>
+                <a:noFill/>
+              </a:ln>
+              <a:solidFill>
+                <a:prstClr val="white"/>
+              </a:solidFill>
+              <a:effectLst/>
+              <a:uLnTx/>
+              <a:uFillTx/>
+              <a:latin typeface="Calibri" panose="020F0502020204030204"/>
+              <a:ea typeface="+mn-ea"/>
+              <a:cs typeface="+mn-cs"/>
+            </a:endParaRPr>
+          </a:p>
+        </p:txBody>
+      </p:sp>
+      <p:sp>
+        <p:nvSpPr>
+          <p:cNvPr id="2" name="Título 1">
+            <a:extLst>
+              <a:ext uri="{FF2B5EF4-FFF2-40B4-BE49-F238E27FC236}">
+                <a16:creationId xmlns:a16="http://schemas.microsoft.com/office/drawing/2014/main" id="{67781C07-DAE7-3E8D-0792-9B957C526C5D}"/>
+              </a:ext>
+            </a:extLst>
+          </p:cNvPr>
+          <p:cNvSpPr>
+            <a:spLocks noGrp="1"/>
+          </p:cNvSpPr>
+          <p:nvPr>
+            <p:ph type="title"/>
+          </p:nvPr>
+        </p:nvSpPr>
+        <p:spPr>
+          <a:xfrm>
+            <a:off x="901690" y="405575"/>
+            <a:ext cx="6430414" cy="1371600"/>
+          </a:xfrm>
+        </p:spPr>
+        <p:txBody>
+          <a:bodyPr vert="horz" lIns="91440" tIns="45720" rIns="91440" bIns="45720" rtlCol="0" anchor="ctr">
+            <a:normAutofit/>
+          </a:bodyPr>
+          <a:lstStyle/>
+          <a:p>
+            <a:r>
+              <a:rPr lang="en-US" sz="4000" b="1" kern="1200">
+                <a:solidFill>
+                  <a:schemeClr val="tx1"/>
+                </a:solidFill>
+                <a:latin typeface="+mj-lt"/>
+                <a:ea typeface="+mj-ea"/>
+                <a:cs typeface="+mj-cs"/>
+              </a:rPr>
+              <a:t>DATAVIZ</a:t>
+            </a:r>
+          </a:p>
+        </p:txBody>
+      </p:sp>
+      <p:sp>
+        <p:nvSpPr>
+          <p:cNvPr id="66" name="Rectangle 65">
+            <a:extLst>
+              <a:ext uri="{FF2B5EF4-FFF2-40B4-BE49-F238E27FC236}">
+                <a16:creationId xmlns:a16="http://schemas.microsoft.com/office/drawing/2014/main" id="{2568BC19-F052-4108-93E1-6A3D1DEC072F}"/>
+              </a:ext>
+              <a:ext uri="{C183D7F6-B498-43B3-948B-1728B52AA6E4}">
+                <adec:decorative xmlns:adec="http://schemas.microsoft.com/office/drawing/2017/decorative" val="1"/>
+              </a:ext>
+            </a:extLst>
+          </p:cNvPr>
+          <p:cNvSpPr>
+            <a:spLocks noGrp="1" noRot="1" noChangeAspect="1" noMove="1" noResize="1" noEditPoints="1" noAdjustHandles="1" noChangeArrowheads="1" noChangeShapeType="1" noTextEdit="1"/>
+          </p:cNvSpPr>
+          <p:nvPr>
+            <p:extLst>
+              <p:ext uri="{386F3935-93C4-4BCD-93E2-E3B085C9AB24}">
+                <p16:designElem xmlns:p16="http://schemas.microsoft.com/office/powerpoint/2015/main" val="1"/>
+              </p:ext>
+            </p:extLst>
+          </p:nvPr>
+        </p:nvSpPr>
+        <p:spPr>
+          <a:xfrm>
+            <a:off x="494784" y="764424"/>
+            <a:ext cx="128016" cy="653903"/>
+          </a:xfrm>
+          <a:prstGeom prst="rect">
+            <a:avLst/>
+          </a:prstGeom>
+          <a:solidFill>
+            <a:schemeClr val="accent2"/>
+          </a:solidFill>
+          <a:ln>
+            <a:noFill/>
+          </a:ln>
+        </p:spPr>
+        <p:style>
+          <a:lnRef idx="2">
+            <a:schemeClr val="accent1">
+              <a:shade val="50000"/>
+            </a:schemeClr>
+          </a:lnRef>
+          <a:fillRef idx="1">
+            <a:schemeClr val="accent1"/>
+          </a:fillRef>
+          <a:effectRef idx="0">
+            <a:schemeClr val="accent1"/>
+          </a:effectRef>
+          <a:fontRef idx="minor">
+            <a:schemeClr val="lt1"/>
+          </a:fontRef>
+        </p:style>
+        <p:txBody>
+          <a:bodyPr rtlCol="0" anchor="ctr"/>
+          <a:lstStyle/>
+          <a:p>
+            <a:pPr algn="ctr"/>
+            <a:endParaRPr lang="en-US">
+              <a:solidFill>
+                <a:prstClr val="white"/>
+              </a:solidFill>
+              <a:latin typeface="Calibri" panose="020F0502020204030204"/>
+            </a:endParaRPr>
+          </a:p>
+        </p:txBody>
+      </p:sp>
+      <p:sp>
+        <p:nvSpPr>
+          <p:cNvPr id="68" name="Rectangle 67">
+            <a:extLst>
+              <a:ext uri="{FF2B5EF4-FFF2-40B4-BE49-F238E27FC236}">
+                <a16:creationId xmlns:a16="http://schemas.microsoft.com/office/drawing/2014/main" id="{D5FD337D-4D6B-4C8B-B6F5-121097E09881}"/>
+              </a:ext>
+              <a:ext uri="{C183D7F6-B498-43B3-948B-1728B52AA6E4}">
+                <adec:decorative xmlns:adec="http://schemas.microsoft.com/office/drawing/2017/decorative" val="1"/>
+              </a:ext>
+            </a:extLst>
+          </p:cNvPr>
+          <p:cNvSpPr>
+            <a:spLocks noGrp="1" noRot="1" noChangeAspect="1" noMove="1" noResize="1" noEditPoints="1" noAdjustHandles="1" noChangeArrowheads="1" noChangeShapeType="1" noTextEdit="1"/>
+          </p:cNvSpPr>
+          <p:nvPr>
+            <p:extLst>
+              <p:ext uri="{386F3935-93C4-4BCD-93E2-E3B085C9AB24}">
+                <p16:designElem xmlns:p16="http://schemas.microsoft.com/office/powerpoint/2015/main" val="1"/>
+              </p:ext>
+            </p:extLst>
+          </p:nvPr>
+        </p:nvSpPr>
+        <p:spPr>
+          <a:xfrm rot="5400000">
+            <a:off x="7126032" y="1067264"/>
+            <a:ext cx="1021458" cy="18288"/>
+          </a:xfrm>
+          <a:prstGeom prst="rect">
+            <a:avLst/>
+          </a:prstGeom>
+          <a:solidFill>
+            <a:srgbClr val="D5D5D5"/>
+          </a:solidFill>
+          <a:ln w="3175">
+            <a:noFill/>
+          </a:ln>
+          <a:effectLst/>
+        </p:spPr>
+        <p:style>
+          <a:lnRef idx="2">
+            <a:schemeClr val="accent1">
+              <a:shade val="50000"/>
+            </a:schemeClr>
+          </a:lnRef>
+          <a:fillRef idx="1">
+            <a:schemeClr val="accent1"/>
+          </a:fillRef>
+          <a:effectRef idx="0">
+            <a:schemeClr val="accent1"/>
+          </a:effectRef>
+          <a:fontRef idx="minor">
+            <a:schemeClr val="lt1"/>
+          </a:fontRef>
+        </p:style>
+        <p:txBody>
+          <a:bodyPr rtlCol="0" anchor="ctr"/>
+          <a:lstStyle/>
+          <a:p>
+            <a:pPr algn="ctr"/>
+            <a:endParaRPr lang="en-US">
+              <a:solidFill>
+                <a:prstClr val="white"/>
+              </a:solidFill>
+              <a:latin typeface="Calibri" panose="020F0502020204030204"/>
+            </a:endParaRPr>
+          </a:p>
+        </p:txBody>
+      </p:sp>
+      <p:pic>
+        <p:nvPicPr>
+          <p:cNvPr id="10" name="Imagem 9">
+            <a:extLst>
+              <a:ext uri="{FF2B5EF4-FFF2-40B4-BE49-F238E27FC236}">
+                <a16:creationId xmlns:a16="http://schemas.microsoft.com/office/drawing/2014/main" id="{26557A20-BBEA-4F89-F115-713428A2623E}"/>
+              </a:ext>
+            </a:extLst>
+          </p:cNvPr>
+          <p:cNvPicPr>
+            <a:picLocks noChangeAspect="1"/>
+          </p:cNvPicPr>
+          <p:nvPr/>
+        </p:nvPicPr>
+        <p:blipFill>
+          <a:blip r:embed="rId2"/>
+          <a:stretch>
+            <a:fillRect/>
+          </a:stretch>
+        </p:blipFill>
+        <p:spPr>
+          <a:xfrm>
+            <a:off x="1498994" y="2038052"/>
+            <a:ext cx="8856862" cy="4162585"/>
+          </a:xfrm>
+          <a:prstGeom prst="rect">
+            <a:avLst/>
+          </a:prstGeom>
+        </p:spPr>
+      </p:pic>
+      <p:sp>
+        <p:nvSpPr>
+          <p:cNvPr id="13" name="CaixaDeTexto 12">
+            <a:extLst>
+              <a:ext uri="{FF2B5EF4-FFF2-40B4-BE49-F238E27FC236}">
+                <a16:creationId xmlns:a16="http://schemas.microsoft.com/office/drawing/2014/main" id="{F149BD79-BC4B-044A-7343-242978A0F667}"/>
+              </a:ext>
+            </a:extLst>
+          </p:cNvPr>
+          <p:cNvSpPr txBox="1"/>
+          <p:nvPr/>
+        </p:nvSpPr>
+        <p:spPr>
+          <a:xfrm>
+            <a:off x="10444700" y="6316538"/>
+            <a:ext cx="6097836" cy="369332"/>
+          </a:xfrm>
+          <a:prstGeom prst="rect">
+            <a:avLst/>
+          </a:prstGeom>
+          <a:noFill/>
+        </p:spPr>
+        <p:txBody>
+          <a:bodyPr wrap="square">
+            <a:spAutoFit/>
+          </a:bodyPr>
+          <a:lstStyle/>
+          <a:p>
+            <a:r>
+              <a:rPr lang="pt-BR" dirty="0">
+                <a:hlinkClick r:id="rId3"/>
+              </a:rPr>
+              <a:t>SALES-TECH</a:t>
+            </a:r>
+            <a:endParaRPr lang="pt-BR" dirty="0"/>
+          </a:p>
+        </p:txBody>
+      </p:sp>
+    </p:spTree>
+    <p:extLst>
+      <p:ext uri="{BB962C8B-B14F-4D97-AF65-F5344CB8AC3E}">
+        <p14:creationId xmlns:p14="http://schemas.microsoft.com/office/powerpoint/2010/main" val="3905939845"/>
+      </p:ext>
+    </p:extLst>
+  </p:cSld>
+  <p:clrMapOvr>
+    <a:masterClrMapping/>
+  </p:clrMapOvr>
+</p:sld>
+</file>
+
+<file path=ppt/slides/slide13.xml><?xml version="1.0" encoding="utf-8"?>
+<p:sld xmlns:a="http://schemas.openxmlformats.org/drawingml/2006/main" xmlns:r="http://schemas.openxmlformats.org/officeDocument/2006/relationships" xmlns:p="http://schemas.openxmlformats.org/presentationml/2006/main">
+  <p:cSld>
+    <p:bg>
+      <p:bgPr>
+        <a:solidFill>
+          <a:schemeClr val="bg1"/>
+        </a:solidFill>
+        <a:effectLst/>
+      </p:bgPr>
+    </p:bg>
+    <p:spTree>
+      <p:nvGrpSpPr>
+        <p:cNvPr id="1" name=""/>
+        <p:cNvGrpSpPr/>
+        <p:nvPr/>
+      </p:nvGrpSpPr>
+      <p:grpSpPr>
+        <a:xfrm>
+          <a:off x="0" y="0"/>
+          <a:ext cx="0" cy="0"/>
+          <a:chOff x="0" y="0"/>
+          <a:chExt cx="0" cy="0"/>
+        </a:xfrm>
+      </p:grpSpPr>
+      <p:sp useBgFill="1">
+        <p:nvSpPr>
+          <p:cNvPr id="16" name="Rectangle 8">
+            <a:extLst>
+              <a:ext uri="{FF2B5EF4-FFF2-40B4-BE49-F238E27FC236}">
+                <a16:creationId xmlns:a16="http://schemas.microsoft.com/office/drawing/2014/main" id="{F1C4E306-BC28-4A7B-871B-1926F6FA6EF3}"/>
+              </a:ext>
+              <a:ext uri="{C183D7F6-B498-43B3-948B-1728B52AA6E4}">
+                <adec:decorative xmlns:adec="http://schemas.microsoft.com/office/drawing/2017/decorative" val="1"/>
+              </a:ext>
+            </a:extLst>
+          </p:cNvPr>
+          <p:cNvSpPr>
+            <a:spLocks noGrp="1" noRot="1" noChangeAspect="1" noMove="1" noResize="1" noEditPoints="1" noAdjustHandles="1" noChangeArrowheads="1" noChangeShapeType="1" noTextEdit="1"/>
+          </p:cNvSpPr>
+          <p:nvPr>
+            <p:extLst>
+              <p:ext uri="{386F3935-93C4-4BCD-93E2-E3B085C9AB24}">
+                <p16:designElem xmlns:p16="http://schemas.microsoft.com/office/powerpoint/2015/main" val="1"/>
+              </p:ext>
+            </p:extLst>
+          </p:nvPr>
+        </p:nvSpPr>
+        <p:spPr>
+          <a:xfrm>
+            <a:off x="0" y="0"/>
+            <a:ext cx="12192000" cy="6858000"/>
+          </a:xfrm>
+          <a:prstGeom prst="rect">
+            <a:avLst/>
+          </a:prstGeom>
+          <a:ln>
+            <a:noFill/>
+          </a:ln>
+        </p:spPr>
+        <p:style>
+          <a:lnRef idx="2">
+            <a:schemeClr val="accent1">
+              <a:shade val="50000"/>
+            </a:schemeClr>
+          </a:lnRef>
+          <a:fillRef idx="1">
+            <a:schemeClr val="accent1"/>
+          </a:fillRef>
+          <a:effectRef idx="0">
+            <a:schemeClr val="accent1"/>
+          </a:effectRef>
+          <a:fontRef idx="minor">
+            <a:schemeClr val="lt1"/>
+          </a:fontRef>
+        </p:style>
+        <p:txBody>
+          <a:bodyPr rtlCol="0" anchor="ctr"/>
+          <a:lstStyle/>
+          <a:p>
+            <a:pPr algn="ctr"/>
+            <a:endParaRPr lang="en-US"/>
+          </a:p>
+        </p:txBody>
+      </p:sp>
+      <p:sp useBgFill="1">
+        <p:nvSpPr>
+          <p:cNvPr id="17" name="Freeform: Shape 10">
+            <a:extLst>
+              <a:ext uri="{FF2B5EF4-FFF2-40B4-BE49-F238E27FC236}">
+                <a16:creationId xmlns:a16="http://schemas.microsoft.com/office/drawing/2014/main" id="{C3ECC9B4-989C-4F71-A6BC-DEBC1D9FD0BD}"/>
+              </a:ext>
+              <a:ext uri="{C183D7F6-B498-43B3-948B-1728B52AA6E4}">
+                <adec:decorative xmlns:adec="http://schemas.microsoft.com/office/drawing/2017/decorative" val="1"/>
+              </a:ext>
+            </a:extLst>
+          </p:cNvPr>
+          <p:cNvSpPr>
+            <a:spLocks noGrp="1" noRot="1" noChangeAspect="1" noMove="1" noResize="1" noEditPoints="1" noAdjustHandles="1" noChangeArrowheads="1" noChangeShapeType="1" noTextEdit="1"/>
+          </p:cNvSpPr>
+          <p:nvPr>
+            <p:extLst>
+              <p:ext uri="{386F3935-93C4-4BCD-93E2-E3B085C9AB24}">
+                <p16:designElem xmlns:p16="http://schemas.microsoft.com/office/powerpoint/2015/main" val="1"/>
+              </p:ext>
+            </p:extLst>
+          </p:nvPr>
+        </p:nvSpPr>
+        <p:spPr>
+          <a:xfrm>
+            <a:off x="0" y="0"/>
+            <a:ext cx="8452322" cy="6858000"/>
+          </a:xfrm>
+          <a:custGeom>
+            <a:avLst/>
+            <a:gdLst>
+              <a:gd name="connsiteX0" fmla="*/ 0 w 8452322"/>
+              <a:gd name="connsiteY0" fmla="*/ 0 h 6858000"/>
+              <a:gd name="connsiteX1" fmla="*/ 7447992 w 8452322"/>
+              <a:gd name="connsiteY1" fmla="*/ 0 h 6858000"/>
+              <a:gd name="connsiteX2" fmla="*/ 7501089 w 8452322"/>
+              <a:gd name="connsiteY2" fmla="*/ 79009 h 6858000"/>
+              <a:gd name="connsiteX3" fmla="*/ 8452322 w 8452322"/>
+              <a:gd name="connsiteY3" fmla="*/ 3429001 h 6858000"/>
+              <a:gd name="connsiteX4" fmla="*/ 7501089 w 8452322"/>
+              <a:gd name="connsiteY4" fmla="*/ 6778993 h 6858000"/>
+              <a:gd name="connsiteX5" fmla="*/ 7447994 w 8452322"/>
+              <a:gd name="connsiteY5" fmla="*/ 6858000 h 6858000"/>
+              <a:gd name="connsiteX6" fmla="*/ 0 w 8452322"/>
+              <a:gd name="connsiteY6" fmla="*/ 6858000 h 6858000"/>
+            </a:gdLst>
+            <a:ahLst/>
+            <a:cxnLst>
+              <a:cxn ang="0">
+                <a:pos x="connsiteX0" y="connsiteY0"/>
+              </a:cxn>
+              <a:cxn ang="0">
+                <a:pos x="connsiteX1" y="connsiteY1"/>
+              </a:cxn>
+              <a:cxn ang="0">
+                <a:pos x="connsiteX2" y="connsiteY2"/>
+              </a:cxn>
+              <a:cxn ang="0">
+                <a:pos x="connsiteX3" y="connsiteY3"/>
+              </a:cxn>
+              <a:cxn ang="0">
+                <a:pos x="connsiteX4" y="connsiteY4"/>
+              </a:cxn>
+              <a:cxn ang="0">
+                <a:pos x="connsiteX5" y="connsiteY5"/>
+              </a:cxn>
+              <a:cxn ang="0">
+                <a:pos x="connsiteX6" y="connsiteY6"/>
+              </a:cxn>
+            </a:cxnLst>
+            <a:rect l="l" t="t" r="r" b="b"/>
+            <a:pathLst>
+              <a:path w="8452322" h="6858000">
+                <a:moveTo>
+                  <a:pt x="0" y="0"/>
+                </a:moveTo>
+                <a:lnTo>
+                  <a:pt x="7447992" y="0"/>
+                </a:lnTo>
+                <a:lnTo>
+                  <a:pt x="7501089" y="79009"/>
+                </a:lnTo>
+                <a:cubicBezTo>
+                  <a:pt x="8098524" y="1013167"/>
+                  <a:pt x="8452322" y="2172770"/>
+                  <a:pt x="8452322" y="3429001"/>
+                </a:cubicBezTo>
+                <a:cubicBezTo>
+                  <a:pt x="8452322" y="4685233"/>
+                  <a:pt x="8098524" y="5844836"/>
+                  <a:pt x="7501089" y="6778993"/>
+                </a:cubicBezTo>
+                <a:lnTo>
+                  <a:pt x="7447994" y="6858000"/>
+                </a:lnTo>
+                <a:lnTo>
+                  <a:pt x="0" y="6858000"/>
+                </a:lnTo>
+                <a:close/>
+              </a:path>
+            </a:pathLst>
+          </a:custGeom>
+          <a:ln w="9525">
+            <a:solidFill>
+              <a:srgbClr val="EFEFEF"/>
+            </a:solidFill>
+          </a:ln>
+          <a:effectLst>
+            <a:outerShdw blurRad="50800" dist="38100" algn="l" rotWithShape="0">
+              <a:schemeClr val="bg1">
+                <a:lumMod val="85000"/>
+                <a:alpha val="50000"/>
+              </a:schemeClr>
+            </a:outerShdw>
+          </a:effectLst>
+        </p:spPr>
+        <p:style>
+          <a:lnRef idx="2">
+            <a:schemeClr val="accent1">
+              <a:shade val="50000"/>
+            </a:schemeClr>
+          </a:lnRef>
+          <a:fillRef idx="1">
+            <a:schemeClr val="accent1"/>
+          </a:fillRef>
+          <a:effectRef idx="0">
+            <a:schemeClr val="accent1"/>
+          </a:effectRef>
+          <a:fontRef idx="minor">
+            <a:schemeClr val="lt1"/>
+          </a:fontRef>
+        </p:style>
+        <p:txBody>
+          <a:bodyPr wrap="square" rtlCol="0" anchor="ctr">
+            <a:noAutofit/>
+          </a:bodyPr>
+          <a:lstStyle/>
+          <a:p>
+            <a:pPr marL="0" marR="0" lvl="0" indent="0" algn="ctr" defTabSz="914400" rtl="0" eaLnBrk="1" fontAlgn="auto" latinLnBrk="0" hangingPunct="1">
+              <a:lnSpc>
+                <a:spcPct val="100000"/>
+              </a:lnSpc>
+              <a:spcBef>
+                <a:spcPts val="0"/>
+              </a:spcBef>
+              <a:spcAft>
+                <a:spcPts val="0"/>
+              </a:spcAft>
+              <a:buClrTx/>
+              <a:buSzTx/>
+              <a:buFontTx/>
+              <a:buNone/>
+              <a:tabLst/>
+              <a:defRPr/>
+            </a:pPr>
+            <a:endParaRPr kumimoji="0" lang="en-US" sz="1800" b="0" i="0" u="none" strike="noStrike" kern="1200" cap="none" spc="0" normalizeH="0" baseline="0" noProof="0">
+              <a:ln>
+                <a:noFill/>
+              </a:ln>
+              <a:solidFill>
+                <a:prstClr val="white"/>
+              </a:solidFill>
+              <a:effectLst/>
+              <a:uLnTx/>
+              <a:uFillTx/>
+              <a:latin typeface="Calibri" panose="020F0502020204030204"/>
+              <a:ea typeface="+mn-ea"/>
+              <a:cs typeface="+mn-cs"/>
+            </a:endParaRPr>
+          </a:p>
+        </p:txBody>
+      </p:sp>
+      <p:sp useBgFill="1">
+        <p:nvSpPr>
+          <p:cNvPr id="18" name="Freeform: Shape 12">
+            <a:extLst>
+              <a:ext uri="{FF2B5EF4-FFF2-40B4-BE49-F238E27FC236}">
+                <a16:creationId xmlns:a16="http://schemas.microsoft.com/office/drawing/2014/main" id="{E20AF01B-D099-4710-BF18-E2832A9B61CF}"/>
+              </a:ext>
+              <a:ext uri="{C183D7F6-B498-43B3-948B-1728B52AA6E4}">
+                <adec:decorative xmlns:adec="http://schemas.microsoft.com/office/drawing/2017/decorative" val="1"/>
+              </a:ext>
+            </a:extLst>
+          </p:cNvPr>
+          <p:cNvSpPr>
+            <a:spLocks noGrp="1" noRot="1" noChangeAspect="1" noMove="1" noResize="1" noEditPoints="1" noAdjustHandles="1" noChangeArrowheads="1" noChangeShapeType="1" noTextEdit="1"/>
+          </p:cNvSpPr>
+          <p:nvPr>
+            <p:extLst>
+              <p:ext uri="{386F3935-93C4-4BCD-93E2-E3B085C9AB24}">
+                <p16:designElem xmlns:p16="http://schemas.microsoft.com/office/powerpoint/2015/main" val="1"/>
+              </p:ext>
+            </p:extLst>
+          </p:nvPr>
+        </p:nvSpPr>
+        <p:spPr>
+          <a:xfrm>
+            <a:off x="0" y="0"/>
+            <a:ext cx="8443572" cy="6858000"/>
+          </a:xfrm>
+          <a:custGeom>
+            <a:avLst/>
+            <a:gdLst>
+              <a:gd name="connsiteX0" fmla="*/ 0 w 8443572"/>
+              <a:gd name="connsiteY0" fmla="*/ 0 h 6858000"/>
+              <a:gd name="connsiteX1" fmla="*/ 7439242 w 8443572"/>
+              <a:gd name="connsiteY1" fmla="*/ 0 h 6858000"/>
+              <a:gd name="connsiteX2" fmla="*/ 7492339 w 8443572"/>
+              <a:gd name="connsiteY2" fmla="*/ 79009 h 6858000"/>
+              <a:gd name="connsiteX3" fmla="*/ 8443572 w 8443572"/>
+              <a:gd name="connsiteY3" fmla="*/ 3429001 h 6858000"/>
+              <a:gd name="connsiteX4" fmla="*/ 7492339 w 8443572"/>
+              <a:gd name="connsiteY4" fmla="*/ 6778993 h 6858000"/>
+              <a:gd name="connsiteX5" fmla="*/ 7439244 w 8443572"/>
+              <a:gd name="connsiteY5" fmla="*/ 6858000 h 6858000"/>
+              <a:gd name="connsiteX6" fmla="*/ 0 w 8443572"/>
+              <a:gd name="connsiteY6" fmla="*/ 6858000 h 6858000"/>
+            </a:gdLst>
+            <a:ahLst/>
+            <a:cxnLst>
+              <a:cxn ang="0">
+                <a:pos x="connsiteX0" y="connsiteY0"/>
+              </a:cxn>
+              <a:cxn ang="0">
+                <a:pos x="connsiteX1" y="connsiteY1"/>
+              </a:cxn>
+              <a:cxn ang="0">
+                <a:pos x="connsiteX2" y="connsiteY2"/>
+              </a:cxn>
+              <a:cxn ang="0">
+                <a:pos x="connsiteX3" y="connsiteY3"/>
+              </a:cxn>
+              <a:cxn ang="0">
+                <a:pos x="connsiteX4" y="connsiteY4"/>
+              </a:cxn>
+              <a:cxn ang="0">
+                <a:pos x="connsiteX5" y="connsiteY5"/>
+              </a:cxn>
+              <a:cxn ang="0">
+                <a:pos x="connsiteX6" y="connsiteY6"/>
+              </a:cxn>
+            </a:cxnLst>
+            <a:rect l="l" t="t" r="r" b="b"/>
+            <a:pathLst>
+              <a:path w="8443572" h="6858000">
+                <a:moveTo>
+                  <a:pt x="0" y="0"/>
+                </a:moveTo>
+                <a:lnTo>
+                  <a:pt x="7439242" y="0"/>
+                </a:lnTo>
+                <a:lnTo>
+                  <a:pt x="7492339" y="79009"/>
+                </a:lnTo>
+                <a:cubicBezTo>
+                  <a:pt x="8089774" y="1013167"/>
+                  <a:pt x="8443572" y="2172770"/>
+                  <a:pt x="8443572" y="3429001"/>
+                </a:cubicBezTo>
+                <a:cubicBezTo>
+                  <a:pt x="8443572" y="4685233"/>
+                  <a:pt x="8089774" y="5844836"/>
+                  <a:pt x="7492339" y="6778993"/>
+                </a:cubicBezTo>
+                <a:lnTo>
+                  <a:pt x="7439244" y="6858000"/>
+                </a:lnTo>
+                <a:lnTo>
+                  <a:pt x="0" y="6858000"/>
+                </a:lnTo>
+                <a:close/>
+              </a:path>
+            </a:pathLst>
+          </a:custGeom>
+          <a:ln w="9525">
+            <a:noFill/>
+          </a:ln>
+          <a:effectLst/>
+        </p:spPr>
+        <p:style>
+          <a:lnRef idx="2">
+            <a:schemeClr val="accent1">
+              <a:shade val="50000"/>
+            </a:schemeClr>
+          </a:lnRef>
+          <a:fillRef idx="1">
+            <a:schemeClr val="accent1"/>
+          </a:fillRef>
+          <a:effectRef idx="0">
+            <a:schemeClr val="accent1"/>
+          </a:effectRef>
+          <a:fontRef idx="minor">
+            <a:schemeClr val="lt1"/>
+          </a:fontRef>
+        </p:style>
+        <p:txBody>
+          <a:bodyPr wrap="square" rtlCol="0" anchor="ctr">
+            <a:noAutofit/>
+          </a:bodyPr>
+          <a:lstStyle/>
+          <a:p>
+            <a:pPr marL="0" marR="0" lvl="0" indent="0" algn="ctr" defTabSz="914400" rtl="0" eaLnBrk="1" fontAlgn="auto" latinLnBrk="0" hangingPunct="1">
+              <a:lnSpc>
+                <a:spcPct val="100000"/>
+              </a:lnSpc>
+              <a:spcBef>
+                <a:spcPts val="0"/>
+              </a:spcBef>
+              <a:spcAft>
+                <a:spcPts val="0"/>
+              </a:spcAft>
+              <a:buClrTx/>
+              <a:buSzTx/>
+              <a:buFontTx/>
+              <a:buNone/>
+              <a:tabLst/>
+              <a:defRPr/>
+            </a:pPr>
+            <a:endParaRPr kumimoji="0" lang="en-US" sz="1800" b="0" i="0" u="none" strike="noStrike" kern="1200" cap="none" spc="0" normalizeH="0" baseline="0" noProof="0">
+              <a:ln>
+                <a:noFill/>
+              </a:ln>
+              <a:solidFill>
+                <a:prstClr val="white"/>
+              </a:solidFill>
+              <a:effectLst/>
+              <a:uLnTx/>
+              <a:uFillTx/>
+              <a:latin typeface="Calibri" panose="020F0502020204030204"/>
+              <a:ea typeface="+mn-ea"/>
+              <a:cs typeface="+mn-cs"/>
+            </a:endParaRPr>
+          </a:p>
+        </p:txBody>
+      </p:sp>
+      <p:sp>
+        <p:nvSpPr>
+          <p:cNvPr id="4" name="Título 1">
+            <a:extLst>
+              <a:ext uri="{FF2B5EF4-FFF2-40B4-BE49-F238E27FC236}">
+                <a16:creationId xmlns:a16="http://schemas.microsoft.com/office/drawing/2014/main" id="{267EB39A-3EE3-E734-AA92-2DEE9BDD5B24}"/>
+              </a:ext>
+            </a:extLst>
+          </p:cNvPr>
+          <p:cNvSpPr txBox="1">
+            <a:spLocks/>
+          </p:cNvSpPr>
+          <p:nvPr/>
+        </p:nvSpPr>
+        <p:spPr>
+          <a:xfrm>
+            <a:off x="616893" y="1238250"/>
+            <a:ext cx="7003107" cy="4381500"/>
+          </a:xfrm>
+          <a:prstGeom prst="rect">
+            <a:avLst/>
+          </a:prstGeom>
+        </p:spPr>
+        <p:txBody>
+          <a:bodyPr vert="horz" lIns="91440" tIns="45720" rIns="91440" bIns="45720" rtlCol="0" anchor="ctr">
+            <a:normAutofit/>
+          </a:bodyPr>
+          <a:lstStyle>
+            <a:lvl1pPr algn="l" defTabSz="914400" rtl="0" eaLnBrk="1" latinLnBrk="0" hangingPunct="1">
+              <a:lnSpc>
+                <a:spcPct val="90000"/>
+              </a:lnSpc>
+              <a:spcBef>
+                <a:spcPct val="0"/>
+              </a:spcBef>
+              <a:buNone/>
+              <a:defRPr sz="4400" kern="1200">
+                <a:solidFill>
+                  <a:schemeClr val="tx1"/>
+                </a:solidFill>
+                <a:latin typeface="+mj-lt"/>
+                <a:ea typeface="+mj-ea"/>
+                <a:cs typeface="+mj-cs"/>
+              </a:defRPr>
+            </a:lvl1pPr>
+          </a:lstStyle>
+          <a:p>
+            <a:pPr>
+              <a:spcAft>
+                <a:spcPts val="600"/>
+              </a:spcAft>
+            </a:pPr>
+            <a:r>
+              <a:rPr lang="en-US" sz="7200" b="1" kern="1200">
+                <a:solidFill>
+                  <a:schemeClr val="tx1"/>
+                </a:solidFill>
+                <a:latin typeface="+mj-lt"/>
+                <a:ea typeface="+mj-ea"/>
+                <a:cs typeface="+mj-cs"/>
+              </a:rPr>
+              <a:t>FIM</a:t>
+            </a:r>
+          </a:p>
+          <a:p>
+            <a:pPr>
+              <a:spcAft>
+                <a:spcPts val="600"/>
+              </a:spcAft>
+            </a:pPr>
+            <a:endParaRPr lang="en-US" sz="7200" b="1" kern="1200">
+              <a:solidFill>
+                <a:schemeClr val="tx1"/>
+              </a:solidFill>
+              <a:latin typeface="+mj-lt"/>
+              <a:ea typeface="+mj-ea"/>
+              <a:cs typeface="+mj-cs"/>
+            </a:endParaRPr>
+          </a:p>
+        </p:txBody>
+      </p:sp>
+      <p:sp>
+        <p:nvSpPr>
+          <p:cNvPr id="15" name="Rectangle 14">
+            <a:extLst>
+              <a:ext uri="{FF2B5EF4-FFF2-40B4-BE49-F238E27FC236}">
+                <a16:creationId xmlns:a16="http://schemas.microsoft.com/office/drawing/2014/main" id="{B0E4BB4F-99AB-4C4E-A763-C5AC5273DF5D}"/>
+              </a:ext>
+              <a:ext uri="{C183D7F6-B498-43B3-948B-1728B52AA6E4}">
+                <adec:decorative xmlns:adec="http://schemas.microsoft.com/office/drawing/2017/decorative" val="1"/>
+              </a:ext>
+            </a:extLst>
+          </p:cNvPr>
+          <p:cNvSpPr>
+            <a:spLocks noGrp="1" noRot="1" noChangeAspect="1" noMove="1" noResize="1" noEditPoints="1" noAdjustHandles="1" noChangeArrowheads="1" noChangeShapeType="1" noTextEdit="1"/>
+          </p:cNvSpPr>
+          <p:nvPr>
+            <p:extLst>
+              <p:ext uri="{386F3935-93C4-4BCD-93E2-E3B085C9AB24}">
+                <p16:designElem xmlns:p16="http://schemas.microsoft.com/office/powerpoint/2015/main" val="1"/>
+              </p:ext>
+            </p:extLst>
+          </p:nvPr>
+        </p:nvSpPr>
+        <p:spPr>
+          <a:xfrm>
+            <a:off x="0" y="2827916"/>
+            <a:ext cx="128016" cy="1188720"/>
+          </a:xfrm>
+          <a:prstGeom prst="rect">
+            <a:avLst/>
+          </a:prstGeom>
+          <a:solidFill>
+            <a:schemeClr val="accent2"/>
+          </a:solidFill>
+          <a:ln>
+            <a:noFill/>
+          </a:ln>
+        </p:spPr>
+        <p:style>
+          <a:lnRef idx="2">
+            <a:schemeClr val="accent1">
+              <a:shade val="50000"/>
+            </a:schemeClr>
+          </a:lnRef>
+          <a:fillRef idx="1">
+            <a:schemeClr val="accent1"/>
+          </a:fillRef>
+          <a:effectRef idx="0">
+            <a:schemeClr val="accent1"/>
+          </a:effectRef>
+          <a:fontRef idx="minor">
+            <a:schemeClr val="lt1"/>
+          </a:fontRef>
+        </p:style>
+        <p:txBody>
+          <a:bodyPr rtlCol="0" anchor="ctr"/>
+          <a:lstStyle/>
+          <a:p>
+            <a:pPr marL="0" marR="0" lvl="0" indent="0" algn="ctr" defTabSz="914400" rtl="0" eaLnBrk="1" fontAlgn="auto" latinLnBrk="0" hangingPunct="1">
+              <a:lnSpc>
+                <a:spcPct val="100000"/>
+              </a:lnSpc>
+              <a:spcBef>
+                <a:spcPts val="0"/>
+              </a:spcBef>
+              <a:spcAft>
+                <a:spcPts val="0"/>
+              </a:spcAft>
+              <a:buClrTx/>
+              <a:buSzTx/>
+              <a:buFontTx/>
+              <a:buNone/>
+              <a:tabLst/>
+              <a:defRPr/>
+            </a:pPr>
+            <a:endParaRPr kumimoji="0" lang="en-US" sz="1800" b="0" i="0" u="none" strike="noStrike" kern="1200" cap="none" spc="0" normalizeH="0" baseline="0" noProof="0">
+              <a:ln>
+                <a:noFill/>
+              </a:ln>
+              <a:solidFill>
+                <a:prstClr val="white"/>
+              </a:solidFill>
+              <a:effectLst/>
+              <a:uLnTx/>
+              <a:uFillTx/>
+              <a:latin typeface="Calibri" panose="020F0502020204030204"/>
+              <a:ea typeface="+mn-ea"/>
+              <a:cs typeface="+mn-cs"/>
+            </a:endParaRPr>
+          </a:p>
+        </p:txBody>
+      </p:sp>
+    </p:spTree>
+    <p:extLst>
+      <p:ext uri="{BB962C8B-B14F-4D97-AF65-F5344CB8AC3E}">
+        <p14:creationId xmlns:p14="http://schemas.microsoft.com/office/powerpoint/2010/main" val="2369470136"/>
+      </p:ext>
+    </p:extLst>
+  </p:cSld>
+  <p:clrMapOvr>
+    <a:masterClrMapping/>
+  </p:clrMapOvr>
+</p:sld>
+</file>
+
+<file path=ppt/slides/slide2.xml><?xml version="1.0" encoding="utf-8"?>
+<p:sld xmlns:a="http://schemas.openxmlformats.org/drawingml/2006/main" xmlns:r="http://schemas.openxmlformats.org/officeDocument/2006/relationships" xmlns:p="http://schemas.openxmlformats.org/presentationml/2006/main">
+  <p:cSld>
+    <p:bg>
+      <p:bgPr>
+        <a:solidFill>
+          <a:schemeClr val="bg1"/>
+        </a:solidFill>
+        <a:effectLst/>
+      </p:bgPr>
+    </p:bg>
+    <p:spTree>
+      <p:nvGrpSpPr>
+        <p:cNvPr id="1" name=""/>
+        <p:cNvGrpSpPr/>
+        <p:nvPr/>
+      </p:nvGrpSpPr>
+      <p:grpSpPr>
+        <a:xfrm>
+          <a:off x="0" y="0"/>
+          <a:ext cx="0" cy="0"/>
+          <a:chOff x="0" y="0"/>
+          <a:chExt cx="0" cy="0"/>
+        </a:xfrm>
+      </p:grpSpPr>
+      <p:sp useBgFill="1">
+        <p:nvSpPr>
+          <p:cNvPr id="8" name="Rectangle 7">
+            <a:extLst>
+              <a:ext uri="{FF2B5EF4-FFF2-40B4-BE49-F238E27FC236}">
+                <a16:creationId xmlns:a16="http://schemas.microsoft.com/office/drawing/2014/main" id="{C2554CA6-288E-4202-BC52-2E5A8F0C0AED}"/>
+              </a:ext>
+              <a:ext uri="{C183D7F6-B498-43B3-948B-1728B52AA6E4}">
+                <adec:decorative xmlns:adec="http://schemas.microsoft.com/office/drawing/2017/decorative" val="1"/>
+              </a:ext>
+            </a:extLst>
+          </p:cNvPr>
+          <p:cNvSpPr>
+            <a:spLocks noGrp="1" noRot="1" noChangeAspect="1" noMove="1" noResize="1" noEditPoints="1" noAdjustHandles="1" noChangeArrowheads="1" noChangeShapeType="1" noTextEdit="1"/>
+          </p:cNvSpPr>
+          <p:nvPr>
+            <p:extLst>
+              <p:ext uri="{386F3935-93C4-4BCD-93E2-E3B085C9AB24}">
+                <p16:designElem xmlns:p16="http://schemas.microsoft.com/office/powerpoint/2015/main" val="1"/>
+              </p:ext>
+            </p:extLst>
+          </p:nvPr>
+        </p:nvSpPr>
+        <p:spPr>
+          <a:xfrm>
+            <a:off x="3048" y="0"/>
+            <a:ext cx="12188952" cy="6858000"/>
+          </a:xfrm>
+          <a:prstGeom prst="rect">
+            <a:avLst/>
+          </a:prstGeom>
+          <a:ln>
+            <a:noFill/>
+          </a:ln>
+        </p:spPr>
+        <p:style>
+          <a:lnRef idx="2">
+            <a:schemeClr val="accent1">
+              <a:shade val="50000"/>
+            </a:schemeClr>
+          </a:lnRef>
+          <a:fillRef idx="1">
+            <a:schemeClr val="accent1"/>
+          </a:fillRef>
+          <a:effectRef idx="0">
+            <a:schemeClr val="accent1"/>
+          </a:effectRef>
+          <a:fontRef idx="minor">
+            <a:schemeClr val="lt1"/>
+          </a:fontRef>
+        </p:style>
+        <p:txBody>
+          <a:bodyPr rtlCol="0" anchor="ctr"/>
+          <a:lstStyle/>
+          <a:p>
+            <a:pPr algn="ctr"/>
+            <a:endParaRPr lang="en-US"/>
+          </a:p>
+        </p:txBody>
+      </p:sp>
+      <p:sp>
+        <p:nvSpPr>
+          <p:cNvPr id="10" name="Oval 9">
+            <a:extLst>
+              <a:ext uri="{FF2B5EF4-FFF2-40B4-BE49-F238E27FC236}">
+                <a16:creationId xmlns:a16="http://schemas.microsoft.com/office/drawing/2014/main" id="{B10BB131-AC8E-4A8E-A5D1-36260F720C3B}"/>
+              </a:ext>
+              <a:ext uri="{C183D7F6-B498-43B3-948B-1728B52AA6E4}">
+                <adec:decorative xmlns:adec="http://schemas.microsoft.com/office/drawing/2017/decorative" val="1"/>
+              </a:ext>
+            </a:extLst>
+          </p:cNvPr>
+          <p:cNvSpPr>
+            <a:spLocks noGrp="1" noRot="1" noChangeAspect="1" noMove="1" noResize="1" noEditPoints="1" noAdjustHandles="1" noChangeArrowheads="1" noChangeShapeType="1" noTextEdit="1"/>
+          </p:cNvSpPr>
+          <p:nvPr>
+            <p:extLst>
+              <p:ext uri="{386F3935-93C4-4BCD-93E2-E3B085C9AB24}">
+                <p16:designElem xmlns:p16="http://schemas.microsoft.com/office/powerpoint/2015/main" val="1"/>
+              </p:ext>
+            </p:extLst>
+          </p:nvPr>
+        </p:nvSpPr>
+        <p:spPr>
+          <a:xfrm>
+            <a:off x="489189" y="1119031"/>
+            <a:ext cx="4619938" cy="4619938"/>
+          </a:xfrm>
+          <a:prstGeom prst="ellipse">
+            <a:avLst/>
+          </a:prstGeom>
+          <a:solidFill>
+            <a:schemeClr val="accent2"/>
+          </a:solidFill>
+          <a:ln>
+            <a:noFill/>
+          </a:ln>
+        </p:spPr>
+        <p:style>
+          <a:lnRef idx="2">
+            <a:schemeClr val="accent1">
+              <a:shade val="50000"/>
+            </a:schemeClr>
+          </a:lnRef>
+          <a:fillRef idx="1">
+            <a:schemeClr val="accent1"/>
+          </a:fillRef>
+          <a:effectRef idx="0">
+            <a:schemeClr val="accent1"/>
+          </a:effectRef>
+          <a:fontRef idx="minor">
+            <a:schemeClr val="lt1"/>
+          </a:fontRef>
+        </p:style>
+        <p:txBody>
+          <a:bodyPr rtlCol="0" anchor="ctr"/>
+          <a:lstStyle/>
+          <a:p>
+            <a:pPr algn="ctr"/>
+            <a:endParaRPr lang="en-US"/>
+          </a:p>
+        </p:txBody>
+      </p:sp>
+      <p:sp>
+        <p:nvSpPr>
+          <p:cNvPr id="2" name="Título 1">
+            <a:extLst>
+              <a:ext uri="{FF2B5EF4-FFF2-40B4-BE49-F238E27FC236}">
+                <a16:creationId xmlns:a16="http://schemas.microsoft.com/office/drawing/2014/main" id="{F2DEAC58-31B1-29B6-B8C9-305D4E81E423}"/>
+              </a:ext>
+            </a:extLst>
+          </p:cNvPr>
+          <p:cNvSpPr>
+            <a:spLocks noGrp="1"/>
+          </p:cNvSpPr>
+          <p:nvPr>
+            <p:ph type="title"/>
+          </p:nvPr>
+        </p:nvSpPr>
+        <p:spPr>
+          <a:xfrm>
+            <a:off x="1456148" y="1396686"/>
+            <a:ext cx="3240506" cy="4064628"/>
+          </a:xfrm>
+        </p:spPr>
+        <p:txBody>
+          <a:bodyPr>
+            <a:normAutofit/>
+          </a:bodyPr>
+          <a:lstStyle/>
+          <a:p>
+            <a:r>
+              <a:rPr lang="pt-BR" dirty="0">
+                <a:solidFill>
+                  <a:srgbClr val="FFFFFF"/>
+                </a:solidFill>
+              </a:rPr>
+              <a:t>MERCADO</a:t>
+            </a:r>
+          </a:p>
+        </p:txBody>
+      </p:sp>
+      <p:sp>
+        <p:nvSpPr>
+          <p:cNvPr id="12" name="Arc 11">
+            <a:extLst>
+              <a:ext uri="{FF2B5EF4-FFF2-40B4-BE49-F238E27FC236}">
+                <a16:creationId xmlns:a16="http://schemas.microsoft.com/office/drawing/2014/main" id="{5B7778FC-632E-4DCA-A7CB-0D7731CCF970}"/>
+              </a:ext>
+              <a:ext uri="{C183D7F6-B498-43B3-948B-1728B52AA6E4}">
+                <adec:decorative xmlns:adec="http://schemas.microsoft.com/office/drawing/2017/decorative" val="1"/>
+              </a:ext>
+            </a:extLst>
+          </p:cNvPr>
+          <p:cNvSpPr>
+            <a:spLocks noGrp="1" noRot="1" noChangeAspect="1" noMove="1" noResize="1" noEditPoints="1" noAdjustHandles="1" noChangeArrowheads="1" noChangeShapeType="1" noTextEdit="1"/>
+          </p:cNvSpPr>
+          <p:nvPr>
+            <p:extLst>
+              <p:ext uri="{386F3935-93C4-4BCD-93E2-E3B085C9AB24}">
+                <p16:designElem xmlns:p16="http://schemas.microsoft.com/office/powerpoint/2015/main" val="1"/>
+              </p:ext>
+            </p:extLst>
+          </p:nvPr>
+        </p:nvSpPr>
+        <p:spPr>
+          <a:xfrm rot="19809111">
+            <a:off x="8683720" y="941148"/>
+            <a:ext cx="2987899" cy="2987899"/>
+          </a:xfrm>
+          <a:prstGeom prst="arc">
+            <a:avLst>
+              <a:gd name="adj1" fmla="val 15817365"/>
+              <a:gd name="adj2" fmla="val 1781380"/>
+            </a:avLst>
+          </a:prstGeom>
+          <a:ln w="127000" cap="rnd">
+            <a:solidFill>
+              <a:schemeClr val="accent4"/>
+            </a:solidFill>
+            <a:prstDash val="dash"/>
+            <a:miter lim="800000"/>
+          </a:ln>
+        </p:spPr>
+        <p:style>
+          <a:lnRef idx="1">
+            <a:schemeClr val="accent1"/>
+          </a:lnRef>
+          <a:fillRef idx="0">
+            <a:schemeClr val="accent1"/>
+          </a:fillRef>
+          <a:effectRef idx="0">
+            <a:schemeClr val="accent1"/>
+          </a:effectRef>
+          <a:fontRef idx="minor">
+            <a:schemeClr val="tx1"/>
+          </a:fontRef>
+        </p:style>
+        <p:txBody>
+          <a:bodyPr rtlCol="0" anchor="ctr"/>
+          <a:lstStyle/>
+          <a:p>
+            <a:pPr marL="0" marR="0" lvl="0" indent="0" algn="ctr" defTabSz="914400" rtl="0" eaLnBrk="1" fontAlgn="auto" latinLnBrk="0" hangingPunct="1">
+              <a:lnSpc>
+                <a:spcPct val="100000"/>
+              </a:lnSpc>
+              <a:spcBef>
+                <a:spcPts val="0"/>
+              </a:spcBef>
+              <a:spcAft>
+                <a:spcPts val="0"/>
+              </a:spcAft>
+              <a:buClrTx/>
+              <a:buSzTx/>
+              <a:buFontTx/>
+              <a:buNone/>
+              <a:tabLst/>
+              <a:defRPr/>
+            </a:pPr>
+            <a:endParaRPr kumimoji="0" lang="en-US" sz="1800" b="0" i="0" u="none" strike="noStrike" kern="1200" cap="none" spc="0" normalizeH="0" baseline="0" noProof="0">
+              <a:ln>
+                <a:noFill/>
+              </a:ln>
+              <a:solidFill>
+                <a:srgbClr val="000000"/>
+              </a:solidFill>
+              <a:effectLst/>
+              <a:uLnTx/>
+              <a:uFillTx/>
+              <a:latin typeface="Calibri" panose="020F0502020204030204"/>
+              <a:ea typeface="+mn-ea"/>
+              <a:cs typeface="+mn-cs"/>
+            </a:endParaRPr>
+          </a:p>
+        </p:txBody>
+      </p:sp>
+      <p:sp>
+        <p:nvSpPr>
+          <p:cNvPr id="14" name="Oval 13">
+            <a:extLst>
+              <a:ext uri="{FF2B5EF4-FFF2-40B4-BE49-F238E27FC236}">
+                <a16:creationId xmlns:a16="http://schemas.microsoft.com/office/drawing/2014/main" id="{FA23A907-97FB-4A8F-880A-DD77401C4296}"/>
+              </a:ext>
+              <a:ext uri="{C183D7F6-B498-43B3-948B-1728B52AA6E4}">
+                <adec:decorative xmlns:adec="http://schemas.microsoft.com/office/drawing/2017/decorative" val="1"/>
+              </a:ext>
+            </a:extLst>
+          </p:cNvPr>
+          <p:cNvSpPr>
+            <a:spLocks noGrp="1" noRot="1" noChangeAspect="1" noMove="1" noResize="1" noEditPoints="1" noAdjustHandles="1" noChangeArrowheads="1" noChangeShapeType="1" noTextEdit="1"/>
+          </p:cNvSpPr>
+          <p:nvPr>
+            <p:extLst>
+              <p:ext uri="{386F3935-93C4-4BCD-93E2-E3B085C9AB24}">
+                <p16:designElem xmlns:p16="http://schemas.microsoft.com/office/powerpoint/2015/main" val="1"/>
+              </p:ext>
+            </p:extLst>
+          </p:nvPr>
+        </p:nvSpPr>
+        <p:spPr>
+          <a:xfrm>
+            <a:off x="910048" y="4780992"/>
+            <a:ext cx="546100" cy="546100"/>
+          </a:xfrm>
+          <a:prstGeom prst="ellipse">
+            <a:avLst/>
+          </a:prstGeom>
+          <a:solidFill>
+            <a:schemeClr val="accent5"/>
+          </a:solidFill>
+          <a:ln>
+            <a:noFill/>
+          </a:ln>
+        </p:spPr>
+        <p:style>
+          <a:lnRef idx="2">
+            <a:schemeClr val="accent1">
+              <a:shade val="50000"/>
+            </a:schemeClr>
+          </a:lnRef>
+          <a:fillRef idx="1">
+            <a:schemeClr val="accent1"/>
+          </a:fillRef>
+          <a:effectRef idx="0">
+            <a:schemeClr val="accent1"/>
+          </a:effectRef>
+          <a:fontRef idx="minor">
+            <a:schemeClr val="lt1"/>
+          </a:fontRef>
+        </p:style>
+        <p:txBody>
+          <a:bodyPr rtlCol="0" anchor="ctr"/>
+          <a:lstStyle/>
+          <a:p>
+            <a:pPr marL="0" marR="0" lvl="0" indent="0" algn="ctr" defTabSz="914400" rtl="0" eaLnBrk="1" fontAlgn="auto" latinLnBrk="0" hangingPunct="1">
+              <a:lnSpc>
+                <a:spcPct val="100000"/>
+              </a:lnSpc>
+              <a:spcBef>
+                <a:spcPts val="0"/>
+              </a:spcBef>
+              <a:spcAft>
+                <a:spcPts val="0"/>
+              </a:spcAft>
+              <a:buClrTx/>
+              <a:buSzTx/>
+              <a:buFontTx/>
+              <a:buNone/>
+              <a:tabLst/>
+              <a:defRPr/>
+            </a:pPr>
+            <a:endParaRPr kumimoji="0" lang="en-US" sz="1800" b="0" i="0" u="none" strike="noStrike" kern="1200" cap="none" spc="0" normalizeH="0" baseline="0" noProof="0">
+              <a:ln>
+                <a:noFill/>
+              </a:ln>
+              <a:solidFill>
+                <a:srgbClr val="FFFFFF"/>
+              </a:solidFill>
+              <a:effectLst/>
+              <a:uLnTx/>
+              <a:uFillTx/>
+              <a:latin typeface="Calibri" panose="020F0502020204030204"/>
+              <a:ea typeface="+mn-ea"/>
+              <a:cs typeface="+mn-cs"/>
+            </a:endParaRPr>
+          </a:p>
+        </p:txBody>
+      </p:sp>
+      <p:sp>
+        <p:nvSpPr>
+          <p:cNvPr id="3" name="Espaço Reservado para Conteúdo 2">
+            <a:extLst>
+              <a:ext uri="{FF2B5EF4-FFF2-40B4-BE49-F238E27FC236}">
+                <a16:creationId xmlns:a16="http://schemas.microsoft.com/office/drawing/2014/main" id="{CA04B218-8252-59AF-232C-17C83AF910E4}"/>
+              </a:ext>
+            </a:extLst>
+          </p:cNvPr>
+          <p:cNvSpPr>
+            <a:spLocks noGrp="1"/>
+          </p:cNvSpPr>
+          <p:nvPr>
+            <p:ph idx="1"/>
+          </p:nvPr>
+        </p:nvSpPr>
+        <p:spPr>
+          <a:xfrm>
+            <a:off x="5402017" y="1954809"/>
+            <a:ext cx="5536397" cy="2948382"/>
+          </a:xfrm>
+        </p:spPr>
+        <p:txBody>
+          <a:bodyPr>
+            <a:normAutofit/>
+          </a:bodyPr>
+          <a:lstStyle/>
+          <a:p>
+            <a:pPr marL="0" indent="0">
+              <a:buNone/>
+            </a:pPr>
+            <a:r>
+              <a:rPr lang="pt-BR" dirty="0"/>
+              <a:t>O mercado proposto é o de vendas de produtos de tech. Esse é um mercado que atende tanto empresas quanto consumidores finais que necessitam desses produtos para trabalho, estudo ou uso pessoal.</a:t>
+            </a:r>
+          </a:p>
+        </p:txBody>
+      </p:sp>
+    </p:spTree>
+    <p:extLst>
+      <p:ext uri="{BB962C8B-B14F-4D97-AF65-F5344CB8AC3E}">
+        <p14:creationId xmlns:p14="http://schemas.microsoft.com/office/powerpoint/2010/main" val="3371705994"/>
+      </p:ext>
+    </p:extLst>
+  </p:cSld>
+  <p:clrMapOvr>
+    <a:masterClrMapping/>
+  </p:clrMapOvr>
+</p:sld>
+</file>
+
+<file path=ppt/slides/slide3.xml><?xml version="1.0" encoding="utf-8"?>
+<p:sld xmlns:a="http://schemas.openxmlformats.org/drawingml/2006/main" xmlns:r="http://schemas.openxmlformats.org/officeDocument/2006/relationships" xmlns:p="http://schemas.openxmlformats.org/presentationml/2006/main">
+  <p:cSld>
+    <p:bg>
+      <p:bgPr>
+        <a:solidFill>
+          <a:schemeClr val="bg1"/>
+        </a:solidFill>
+        <a:effectLst/>
+      </p:bgPr>
+    </p:bg>
+    <p:spTree>
+      <p:nvGrpSpPr>
+        <p:cNvPr id="1" name="">
+          <a:extLst>
+            <a:ext uri="{FF2B5EF4-FFF2-40B4-BE49-F238E27FC236}">
+              <a16:creationId xmlns:a16="http://schemas.microsoft.com/office/drawing/2014/main" id="{19C20CC4-0394-11EC-0A5E-E7CE9144AA17}"/>
+            </a:ext>
+          </a:extLst>
+        </p:cNvPr>
+        <p:cNvGrpSpPr/>
+        <p:nvPr/>
+      </p:nvGrpSpPr>
+      <p:grpSpPr>
+        <a:xfrm>
+          <a:off x="0" y="0"/>
+          <a:ext cx="0" cy="0"/>
+          <a:chOff x="0" y="0"/>
+          <a:chExt cx="0" cy="0"/>
+        </a:xfrm>
+      </p:grpSpPr>
+      <p:sp useBgFill="1">
+        <p:nvSpPr>
+          <p:cNvPr id="39" name="Rectangle 38">
+            <a:extLst>
+              <a:ext uri="{FF2B5EF4-FFF2-40B4-BE49-F238E27FC236}">
+                <a16:creationId xmlns:a16="http://schemas.microsoft.com/office/drawing/2014/main" id="{D21AE37A-A312-2FF3-EECF-B8F6F089E6C8}"/>
+              </a:ext>
+              <a:ext uri="{C183D7F6-B498-43B3-948B-1728B52AA6E4}">
+                <adec:decorative xmlns:adec="http://schemas.microsoft.com/office/drawing/2017/decorative" val="1"/>
+              </a:ext>
+            </a:extLst>
+          </p:cNvPr>
+          <p:cNvSpPr>
+            <a:spLocks noGrp="1" noRot="1" noChangeAspect="1" noMove="1" noResize="1" noEditPoints="1" noAdjustHandles="1" noChangeArrowheads="1" noChangeShapeType="1" noTextEdit="1"/>
+          </p:cNvSpPr>
+          <p:nvPr>
+            <p:extLst>
+              <p:ext uri="{386F3935-93C4-4BCD-93E2-E3B085C9AB24}">
+                <p16:designElem xmlns:p16="http://schemas.microsoft.com/office/powerpoint/2015/main" val="1"/>
+              </p:ext>
+            </p:extLst>
+          </p:nvPr>
+        </p:nvSpPr>
+        <p:spPr>
+          <a:xfrm>
+            <a:off x="0" y="0"/>
+            <a:ext cx="12192000" cy="6858000"/>
+          </a:xfrm>
+          <a:prstGeom prst="rect">
+            <a:avLst/>
+          </a:prstGeom>
+          <a:ln>
+            <a:noFill/>
+          </a:ln>
+        </p:spPr>
+        <p:style>
+          <a:lnRef idx="2">
+            <a:schemeClr val="accent1">
+              <a:shade val="50000"/>
+            </a:schemeClr>
+          </a:lnRef>
+          <a:fillRef idx="1">
+            <a:schemeClr val="accent1"/>
+          </a:fillRef>
+          <a:effectRef idx="0">
+            <a:schemeClr val="accent1"/>
+          </a:effectRef>
+          <a:fontRef idx="minor">
+            <a:schemeClr val="lt1"/>
+          </a:fontRef>
+        </p:style>
+        <p:txBody>
+          <a:bodyPr rtlCol="0" anchor="ctr"/>
+          <a:lstStyle/>
+          <a:p>
+            <a:pPr algn="ctr"/>
+            <a:endParaRPr lang="en-US"/>
+          </a:p>
+        </p:txBody>
+      </p:sp>
+      <p:sp useBgFill="1">
+        <p:nvSpPr>
+          <p:cNvPr id="41" name="Rectangle 40">
+            <a:extLst>
+              <a:ext uri="{FF2B5EF4-FFF2-40B4-BE49-F238E27FC236}">
+                <a16:creationId xmlns:a16="http://schemas.microsoft.com/office/drawing/2014/main" id="{A8899F5E-E4FE-3BC4-4C39-6C9824678972}"/>
+              </a:ext>
+              <a:ext uri="{C183D7F6-B498-43B3-948B-1728B52AA6E4}">
+                <adec:decorative xmlns:adec="http://schemas.microsoft.com/office/drawing/2017/decorative" val="1"/>
+              </a:ext>
+            </a:extLst>
+          </p:cNvPr>
+          <p:cNvSpPr>
+            <a:spLocks noGrp="1" noRot="1" noChangeAspect="1" noMove="1" noResize="1" noEditPoints="1" noAdjustHandles="1" noChangeArrowheads="1" noChangeShapeType="1" noTextEdit="1"/>
+          </p:cNvSpPr>
+          <p:nvPr>
+            <p:extLst>
+              <p:ext uri="{386F3935-93C4-4BCD-93E2-E3B085C9AB24}">
+                <p16:designElem xmlns:p16="http://schemas.microsoft.com/office/powerpoint/2015/main" val="1"/>
+              </p:ext>
+            </p:extLst>
+          </p:nvPr>
+        </p:nvSpPr>
+        <p:spPr>
+          <a:xfrm>
+            <a:off x="1903615" y="221673"/>
+            <a:ext cx="8384770" cy="1332634"/>
+          </a:xfrm>
+          <a:prstGeom prst="rect">
+            <a:avLst/>
+          </a:prstGeom>
+          <a:ln w="12700">
+            <a:solidFill>
+              <a:srgbClr val="E1E1E1"/>
+            </a:solidFill>
+          </a:ln>
+          <a:effectLst>
+            <a:outerShdw blurRad="50800" dist="38100" dir="2700000" algn="tl" rotWithShape="0">
+              <a:schemeClr val="bg2">
+                <a:lumMod val="85000"/>
+                <a:alpha val="50000"/>
+              </a:schemeClr>
+            </a:outerShdw>
+          </a:effectLst>
+        </p:spPr>
+        <p:style>
+          <a:lnRef idx="2">
+            <a:schemeClr val="accent1">
+              <a:shade val="50000"/>
+            </a:schemeClr>
+          </a:lnRef>
+          <a:fillRef idx="1">
+            <a:schemeClr val="accent1"/>
+          </a:fillRef>
+          <a:effectRef idx="0">
+            <a:schemeClr val="accent1"/>
+          </a:effectRef>
+          <a:fontRef idx="minor">
+            <a:schemeClr val="lt1"/>
+          </a:fontRef>
+        </p:style>
+        <p:txBody>
+          <a:bodyPr rtlCol="0" anchor="ctr"/>
+          <a:lstStyle/>
+          <a:p>
+            <a:pPr marL="0" marR="0" lvl="0" indent="0" algn="ctr" defTabSz="914400" rtl="0" eaLnBrk="1" fontAlgn="auto" latinLnBrk="0" hangingPunct="1">
+              <a:lnSpc>
+                <a:spcPct val="100000"/>
+              </a:lnSpc>
+              <a:spcBef>
+                <a:spcPts val="0"/>
+              </a:spcBef>
+              <a:spcAft>
+                <a:spcPts val="0"/>
+              </a:spcAft>
+              <a:buClrTx/>
+              <a:buSzTx/>
+              <a:buFontTx/>
+              <a:buNone/>
+              <a:tabLst/>
+              <a:defRPr/>
+            </a:pPr>
+            <a:endParaRPr kumimoji="0" lang="en-US" sz="1800" b="0" i="0" u="none" strike="noStrike" kern="1200" cap="none" spc="0" normalizeH="0" baseline="0" noProof="0">
+              <a:ln>
+                <a:noFill/>
+              </a:ln>
+              <a:solidFill>
+                <a:prstClr val="white"/>
+              </a:solidFill>
+              <a:effectLst/>
+              <a:uLnTx/>
+              <a:uFillTx/>
+              <a:latin typeface="Calibri" panose="020F0502020204030204"/>
+              <a:ea typeface="+mn-ea"/>
+              <a:cs typeface="+mn-cs"/>
+            </a:endParaRPr>
+          </a:p>
+        </p:txBody>
+      </p:sp>
+      <p:sp>
+        <p:nvSpPr>
+          <p:cNvPr id="2" name="Título 1">
+            <a:extLst>
+              <a:ext uri="{FF2B5EF4-FFF2-40B4-BE49-F238E27FC236}">
+                <a16:creationId xmlns:a16="http://schemas.microsoft.com/office/drawing/2014/main" id="{50F8BCB0-0982-47AD-E133-164A321FAB41}"/>
+              </a:ext>
+            </a:extLst>
+          </p:cNvPr>
+          <p:cNvSpPr>
+            <a:spLocks noGrp="1"/>
+          </p:cNvSpPr>
+          <p:nvPr>
+            <p:ph type="title"/>
+          </p:nvPr>
+        </p:nvSpPr>
+        <p:spPr>
+          <a:xfrm>
+            <a:off x="2103121" y="310343"/>
+            <a:ext cx="7985759" cy="868823"/>
+          </a:xfrm>
+        </p:spPr>
+        <p:txBody>
+          <a:bodyPr vert="horz" lIns="91440" tIns="45720" rIns="91440" bIns="45720" rtlCol="0" anchor="ctr">
+            <a:normAutofit/>
+          </a:bodyPr>
+          <a:lstStyle/>
+          <a:p>
+            <a:pPr algn="ctr"/>
+            <a:r>
+              <a:rPr lang="en-US" sz="4000" kern="1200" dirty="0">
+                <a:solidFill>
+                  <a:schemeClr val="tx1"/>
+                </a:solidFill>
+                <a:latin typeface="+mj-lt"/>
+                <a:ea typeface="+mj-ea"/>
+                <a:cs typeface="+mj-cs"/>
+              </a:rPr>
+              <a:t>PROBLEMA x SOLUÇÃO</a:t>
+            </a:r>
+          </a:p>
+        </p:txBody>
+      </p:sp>
+      <p:sp>
+        <p:nvSpPr>
+          <p:cNvPr id="43" name="Rectangle: Rounded Corners 42">
+            <a:extLst>
+              <a:ext uri="{FF2B5EF4-FFF2-40B4-BE49-F238E27FC236}">
+                <a16:creationId xmlns:a16="http://schemas.microsoft.com/office/drawing/2014/main" id="{D6F0E1B5-B7DA-12CE-7C33-A9DA70E2C68D}"/>
+              </a:ext>
+              <a:ext uri="{C183D7F6-B498-43B3-948B-1728B52AA6E4}">
+                <adec:decorative xmlns:adec="http://schemas.microsoft.com/office/drawing/2017/decorative" val="1"/>
+              </a:ext>
+            </a:extLst>
+          </p:cNvPr>
+          <p:cNvSpPr>
+            <a:spLocks noGrp="1" noRot="1" noChangeAspect="1" noMove="1" noResize="1" noEditPoints="1" noAdjustHandles="1" noChangeArrowheads="1" noChangeShapeType="1" noTextEdit="1"/>
+          </p:cNvSpPr>
+          <p:nvPr>
+            <p:extLst>
+              <p:ext uri="{386F3935-93C4-4BCD-93E2-E3B085C9AB24}">
+                <p16:designElem xmlns:p16="http://schemas.microsoft.com/office/powerpoint/2015/main" val="1"/>
+              </p:ext>
+            </p:extLst>
+          </p:nvPr>
+        </p:nvSpPr>
+        <p:spPr>
+          <a:xfrm>
+            <a:off x="2483110" y="1211407"/>
+            <a:ext cx="7225780" cy="685800"/>
+          </a:xfrm>
+          <a:prstGeom prst="roundRect">
+            <a:avLst>
+              <a:gd name="adj" fmla="val 0"/>
+            </a:avLst>
+          </a:prstGeom>
+          <a:solidFill>
+            <a:schemeClr val="accent2"/>
+          </a:solidFill>
+          <a:ln>
+            <a:noFill/>
+          </a:ln>
+        </p:spPr>
+        <p:style>
+          <a:lnRef idx="2">
+            <a:schemeClr val="accent1">
+              <a:shade val="50000"/>
+            </a:schemeClr>
+          </a:lnRef>
+          <a:fillRef idx="1">
+            <a:schemeClr val="accent1"/>
+          </a:fillRef>
+          <a:effectRef idx="0">
+            <a:schemeClr val="accent1"/>
+          </a:effectRef>
+          <a:fontRef idx="minor">
+            <a:schemeClr val="lt1"/>
+          </a:fontRef>
+        </p:style>
+        <p:txBody>
+          <a:bodyPr rtlCol="0" anchor="ctr"/>
+          <a:lstStyle/>
+          <a:p>
+            <a:pPr algn="ctr"/>
+            <a:endParaRPr lang="en-US">
+              <a:solidFill>
+                <a:prstClr val="white"/>
+              </a:solidFill>
+              <a:latin typeface="Calibri" panose="020F0502020204030204"/>
+            </a:endParaRPr>
+          </a:p>
+        </p:txBody>
+      </p:sp>
+      <p:sp>
+        <p:nvSpPr>
+          <p:cNvPr id="3" name="Espaço Reservado para Conteúdo 2">
+            <a:extLst>
+              <a:ext uri="{FF2B5EF4-FFF2-40B4-BE49-F238E27FC236}">
+                <a16:creationId xmlns:a16="http://schemas.microsoft.com/office/drawing/2014/main" id="{149AA2D2-3DB9-1668-FF19-ECE9E11F5CBF}"/>
+              </a:ext>
+            </a:extLst>
+          </p:cNvPr>
+          <p:cNvSpPr>
+            <a:spLocks noGrp="1"/>
+          </p:cNvSpPr>
+          <p:nvPr>
+            <p:ph idx="1"/>
+          </p:nvPr>
+        </p:nvSpPr>
+        <p:spPr>
+          <a:xfrm>
+            <a:off x="1041723" y="2569748"/>
+            <a:ext cx="10590834" cy="3615710"/>
+          </a:xfrm>
+        </p:spPr>
+        <p:txBody>
+          <a:bodyPr>
+            <a:normAutofit lnSpcReduction="10000"/>
+          </a:bodyPr>
+          <a:lstStyle/>
+          <a:p>
+            <a:pPr marL="0" indent="0">
+              <a:buNone/>
+            </a:pPr>
+            <a:r>
+              <a:rPr lang="pt-BR" dirty="0">
+                <a:solidFill>
+                  <a:srgbClr val="1F2328"/>
+                </a:solidFill>
+                <a:latin typeface="-apple-system"/>
+              </a:rPr>
+              <a:t>Problema:</a:t>
+            </a:r>
+          </a:p>
+          <a:p>
+            <a:pPr marL="0" indent="0">
+              <a:buNone/>
+            </a:pPr>
+            <a:r>
+              <a:rPr lang="pt-BR" dirty="0">
+                <a:solidFill>
+                  <a:srgbClr val="1F2328"/>
+                </a:solidFill>
+                <a:latin typeface="-apple-system"/>
+              </a:rPr>
+              <a:t>F</a:t>
+            </a:r>
+            <a:r>
+              <a:rPr lang="pt-BR" b="0" i="0" dirty="0">
+                <a:solidFill>
+                  <a:srgbClr val="1F2328"/>
+                </a:solidFill>
+                <a:effectLst/>
+                <a:latin typeface="-apple-system"/>
+              </a:rPr>
+              <a:t>alta de visibilidade e análise eficiente sobre as vendas dos produtos. </a:t>
+            </a:r>
+          </a:p>
+          <a:p>
+            <a:pPr marL="0" indent="0">
+              <a:buNone/>
+            </a:pPr>
+            <a:endParaRPr lang="pt-BR" b="0" i="0" dirty="0">
+              <a:solidFill>
+                <a:srgbClr val="1F2328"/>
+              </a:solidFill>
+              <a:effectLst/>
+              <a:latin typeface="-apple-system"/>
+            </a:endParaRPr>
+          </a:p>
+          <a:p>
+            <a:pPr marL="0" indent="0">
+              <a:buNone/>
+            </a:pPr>
+            <a:r>
+              <a:rPr lang="pt-BR" b="0" i="0" dirty="0">
+                <a:solidFill>
+                  <a:srgbClr val="1F2328"/>
+                </a:solidFill>
+                <a:effectLst/>
+                <a:latin typeface="-apple-system"/>
+              </a:rPr>
+              <a:t>Solução:</a:t>
+            </a:r>
+          </a:p>
+          <a:p>
+            <a:pPr marL="0" indent="0">
+              <a:buNone/>
+            </a:pPr>
+            <a:r>
+              <a:rPr lang="pt-BR" b="0" i="0">
+                <a:solidFill>
+                  <a:srgbClr val="1F2328"/>
+                </a:solidFill>
+                <a:effectLst/>
+                <a:latin typeface="-apple-system"/>
+              </a:rPr>
+              <a:t>Criação de Pipeline </a:t>
+            </a:r>
+            <a:r>
+              <a:rPr lang="pt-BR" b="0" i="0" dirty="0">
+                <a:solidFill>
+                  <a:srgbClr val="1F2328"/>
+                </a:solidFill>
+                <a:effectLst/>
+                <a:latin typeface="-apple-system"/>
+              </a:rPr>
+              <a:t>de dados e dashboards:</a:t>
+            </a:r>
+          </a:p>
+          <a:p>
+            <a:pPr lvl="1"/>
+            <a:r>
+              <a:rPr lang="pt-BR" b="0" i="0" dirty="0">
+                <a:solidFill>
+                  <a:srgbClr val="1F2328"/>
+                </a:solidFill>
+                <a:effectLst/>
+                <a:latin typeface="-apple-system"/>
+              </a:rPr>
+              <a:t>Quais produtos estão performando melhor?</a:t>
+            </a:r>
+          </a:p>
+          <a:p>
+            <a:pPr lvl="1"/>
+            <a:r>
+              <a:rPr lang="pt-BR" dirty="0">
+                <a:solidFill>
+                  <a:srgbClr val="1F2328"/>
+                </a:solidFill>
+                <a:latin typeface="-apple-system"/>
+              </a:rPr>
+              <a:t>I</a:t>
+            </a:r>
+            <a:r>
+              <a:rPr lang="pt-BR" b="0" i="0" dirty="0">
+                <a:solidFill>
+                  <a:srgbClr val="1F2328"/>
+                </a:solidFill>
+                <a:effectLst/>
+                <a:latin typeface="-apple-system"/>
+              </a:rPr>
+              <a:t>dentificar tendências de vendas</a:t>
+            </a:r>
+          </a:p>
+          <a:p>
+            <a:pPr lvl="1"/>
+            <a:r>
+              <a:rPr lang="pt-BR" dirty="0">
+                <a:solidFill>
+                  <a:srgbClr val="1F2328"/>
+                </a:solidFill>
+                <a:latin typeface="-apple-system"/>
+              </a:rPr>
+              <a:t>O</a:t>
+            </a:r>
+            <a:r>
+              <a:rPr lang="pt-BR" b="0" i="0" dirty="0">
+                <a:solidFill>
+                  <a:srgbClr val="1F2328"/>
+                </a:solidFill>
+                <a:effectLst/>
+                <a:latin typeface="-apple-system"/>
+              </a:rPr>
+              <a:t>timizar estoques, e melhorar a tomada de decisões</a:t>
+            </a:r>
+            <a:endParaRPr lang="pt-BR" dirty="0"/>
+          </a:p>
+        </p:txBody>
+      </p:sp>
+    </p:spTree>
+    <p:extLst>
+      <p:ext uri="{BB962C8B-B14F-4D97-AF65-F5344CB8AC3E}">
+        <p14:creationId xmlns:p14="http://schemas.microsoft.com/office/powerpoint/2010/main" val="1659952087"/>
+      </p:ext>
+    </p:extLst>
+  </p:cSld>
+  <p:clrMapOvr>
+    <a:masterClrMapping/>
+  </p:clrMapOvr>
+</p:sld>
+</file>
+
+<file path=ppt/slides/slide4.xml><?xml version="1.0" encoding="utf-8"?>
+<p:sld xmlns:a="http://schemas.openxmlformats.org/drawingml/2006/main" xmlns:r="http://schemas.openxmlformats.org/officeDocument/2006/relationships" xmlns:p="http://schemas.openxmlformats.org/presentationml/2006/main">
+  <p:cSld>
+    <p:bg>
+      <p:bgPr>
+        <a:solidFill>
+          <a:schemeClr val="bg1"/>
+        </a:solidFill>
+        <a:effectLst/>
+      </p:bgPr>
+    </p:bg>
+    <p:spTree>
+      <p:nvGrpSpPr>
+        <p:cNvPr id="1" name="">
+          <a:extLst>
+            <a:ext uri="{FF2B5EF4-FFF2-40B4-BE49-F238E27FC236}">
+              <a16:creationId xmlns:a16="http://schemas.microsoft.com/office/drawing/2014/main" id="{7FC69E35-EA79-1F3E-221B-5F48CFCC1426}"/>
+            </a:ext>
+          </a:extLst>
+        </p:cNvPr>
+        <p:cNvGrpSpPr/>
+        <p:nvPr/>
+      </p:nvGrpSpPr>
+      <p:grpSpPr>
+        <a:xfrm>
+          <a:off x="0" y="0"/>
+          <a:ext cx="0" cy="0"/>
+          <a:chOff x="0" y="0"/>
+          <a:chExt cx="0" cy="0"/>
+        </a:xfrm>
+      </p:grpSpPr>
+      <p:sp useBgFill="1">
+        <p:nvSpPr>
+          <p:cNvPr id="39" name="Rectangle 38">
+            <a:extLst>
+              <a:ext uri="{FF2B5EF4-FFF2-40B4-BE49-F238E27FC236}">
+                <a16:creationId xmlns:a16="http://schemas.microsoft.com/office/drawing/2014/main" id="{C1A1C5D3-C053-4EE9-BE1A-419B6E27CCAE}"/>
+              </a:ext>
+              <a:ext uri="{C183D7F6-B498-43B3-948B-1728B52AA6E4}">
+                <adec:decorative xmlns:adec="http://schemas.microsoft.com/office/drawing/2017/decorative" val="1"/>
+              </a:ext>
+            </a:extLst>
+          </p:cNvPr>
+          <p:cNvSpPr>
+            <a:spLocks noGrp="1" noRot="1" noChangeAspect="1" noMove="1" noResize="1" noEditPoints="1" noAdjustHandles="1" noChangeArrowheads="1" noChangeShapeType="1" noTextEdit="1"/>
+          </p:cNvSpPr>
+          <p:nvPr>
+            <p:extLst>
+              <p:ext uri="{386F3935-93C4-4BCD-93E2-E3B085C9AB24}">
+                <p16:designElem xmlns:p16="http://schemas.microsoft.com/office/powerpoint/2015/main" val="1"/>
+              </p:ext>
+            </p:extLst>
+          </p:nvPr>
+        </p:nvSpPr>
+        <p:spPr>
+          <a:xfrm>
+            <a:off x="0" y="0"/>
+            <a:ext cx="12192000" cy="6858000"/>
+          </a:xfrm>
+          <a:prstGeom prst="rect">
+            <a:avLst/>
+          </a:prstGeom>
+          <a:ln>
+            <a:noFill/>
+          </a:ln>
+        </p:spPr>
+        <p:style>
+          <a:lnRef idx="2">
+            <a:schemeClr val="accent1">
+              <a:shade val="50000"/>
+            </a:schemeClr>
+          </a:lnRef>
+          <a:fillRef idx="1">
+            <a:schemeClr val="accent1"/>
+          </a:fillRef>
+          <a:effectRef idx="0">
+            <a:schemeClr val="accent1"/>
+          </a:effectRef>
+          <a:fontRef idx="minor">
+            <a:schemeClr val="lt1"/>
+          </a:fontRef>
+        </p:style>
+        <p:txBody>
+          <a:bodyPr rtlCol="0" anchor="ctr"/>
+          <a:lstStyle/>
+          <a:p>
+            <a:pPr algn="ctr"/>
+            <a:endParaRPr lang="en-US"/>
+          </a:p>
+        </p:txBody>
+      </p:sp>
+      <p:sp useBgFill="1">
+        <p:nvSpPr>
+          <p:cNvPr id="41" name="Rectangle 40">
+            <a:extLst>
+              <a:ext uri="{FF2B5EF4-FFF2-40B4-BE49-F238E27FC236}">
+                <a16:creationId xmlns:a16="http://schemas.microsoft.com/office/drawing/2014/main" id="{A3473CF9-37EB-43E7-89EF-D2D1C53D1DAC}"/>
+              </a:ext>
+              <a:ext uri="{C183D7F6-B498-43B3-948B-1728B52AA6E4}">
+                <adec:decorative xmlns:adec="http://schemas.microsoft.com/office/drawing/2017/decorative" val="1"/>
+              </a:ext>
+            </a:extLst>
+          </p:cNvPr>
+          <p:cNvSpPr>
+            <a:spLocks noGrp="1" noRot="1" noChangeAspect="1" noMove="1" noResize="1" noEditPoints="1" noAdjustHandles="1" noChangeArrowheads="1" noChangeShapeType="1" noTextEdit="1"/>
+          </p:cNvSpPr>
+          <p:nvPr>
+            <p:extLst>
+              <p:ext uri="{386F3935-93C4-4BCD-93E2-E3B085C9AB24}">
+                <p16:designElem xmlns:p16="http://schemas.microsoft.com/office/powerpoint/2015/main" val="1"/>
+              </p:ext>
+            </p:extLst>
+          </p:nvPr>
+        </p:nvSpPr>
+        <p:spPr>
+          <a:xfrm>
+            <a:off x="1903615" y="221673"/>
+            <a:ext cx="8384770" cy="1332634"/>
+          </a:xfrm>
+          <a:prstGeom prst="rect">
+            <a:avLst/>
+          </a:prstGeom>
+          <a:ln w="12700">
+            <a:solidFill>
+              <a:srgbClr val="E1E1E1"/>
+            </a:solidFill>
+          </a:ln>
+          <a:effectLst>
+            <a:outerShdw blurRad="50800" dist="38100" dir="2700000" algn="tl" rotWithShape="0">
+              <a:schemeClr val="bg2">
+                <a:lumMod val="85000"/>
+                <a:alpha val="50000"/>
+              </a:schemeClr>
+            </a:outerShdw>
+          </a:effectLst>
+        </p:spPr>
+        <p:style>
+          <a:lnRef idx="2">
+            <a:schemeClr val="accent1">
+              <a:shade val="50000"/>
+            </a:schemeClr>
+          </a:lnRef>
+          <a:fillRef idx="1">
+            <a:schemeClr val="accent1"/>
+          </a:fillRef>
+          <a:effectRef idx="0">
+            <a:schemeClr val="accent1"/>
+          </a:effectRef>
+          <a:fontRef idx="minor">
+            <a:schemeClr val="lt1"/>
+          </a:fontRef>
+        </p:style>
+        <p:txBody>
+          <a:bodyPr rtlCol="0" anchor="ctr"/>
+          <a:lstStyle/>
+          <a:p>
+            <a:pPr marL="0" marR="0" lvl="0" indent="0" algn="ctr" defTabSz="914400" rtl="0" eaLnBrk="1" fontAlgn="auto" latinLnBrk="0" hangingPunct="1">
+              <a:lnSpc>
+                <a:spcPct val="100000"/>
+              </a:lnSpc>
+              <a:spcBef>
+                <a:spcPts val="0"/>
+              </a:spcBef>
+              <a:spcAft>
+                <a:spcPts val="0"/>
+              </a:spcAft>
+              <a:buClrTx/>
+              <a:buSzTx/>
+              <a:buFontTx/>
+              <a:buNone/>
+              <a:tabLst/>
+              <a:defRPr/>
+            </a:pPr>
+            <a:endParaRPr kumimoji="0" lang="en-US" sz="1800" b="0" i="0" u="none" strike="noStrike" kern="1200" cap="none" spc="0" normalizeH="0" baseline="0" noProof="0">
+              <a:ln>
+                <a:noFill/>
+              </a:ln>
+              <a:solidFill>
+                <a:prstClr val="white"/>
+              </a:solidFill>
+              <a:effectLst/>
+              <a:uLnTx/>
+              <a:uFillTx/>
+              <a:latin typeface="Calibri" panose="020F0502020204030204"/>
+              <a:ea typeface="+mn-ea"/>
+              <a:cs typeface="+mn-cs"/>
+            </a:endParaRPr>
+          </a:p>
+        </p:txBody>
+      </p:sp>
+      <p:sp>
+        <p:nvSpPr>
+          <p:cNvPr id="2" name="Título 1">
+            <a:extLst>
+              <a:ext uri="{FF2B5EF4-FFF2-40B4-BE49-F238E27FC236}">
+                <a16:creationId xmlns:a16="http://schemas.microsoft.com/office/drawing/2014/main" id="{4A53E4A6-8A78-D98E-B3FA-E50EEA9B8BBB}"/>
+              </a:ext>
+            </a:extLst>
+          </p:cNvPr>
+          <p:cNvSpPr>
+            <a:spLocks noGrp="1"/>
+          </p:cNvSpPr>
+          <p:nvPr>
+            <p:ph type="title"/>
+          </p:nvPr>
+        </p:nvSpPr>
+        <p:spPr>
+          <a:xfrm>
+            <a:off x="2103121" y="310343"/>
+            <a:ext cx="7985759" cy="868823"/>
+          </a:xfrm>
+        </p:spPr>
+        <p:txBody>
+          <a:bodyPr vert="horz" lIns="91440" tIns="45720" rIns="91440" bIns="45720" rtlCol="0" anchor="ctr">
+            <a:normAutofit/>
+          </a:bodyPr>
+          <a:lstStyle/>
+          <a:p>
+            <a:pPr algn="ctr"/>
+            <a:r>
+              <a:rPr lang="en-US" sz="4000" kern="1200" dirty="0">
+                <a:solidFill>
+                  <a:schemeClr val="tx1"/>
+                </a:solidFill>
+                <a:latin typeface="+mj-lt"/>
+                <a:ea typeface="+mj-ea"/>
+                <a:cs typeface="+mj-cs"/>
+              </a:rPr>
+              <a:t>PLANEJAMENTO</a:t>
+            </a:r>
+          </a:p>
+        </p:txBody>
+      </p:sp>
+      <p:sp>
+        <p:nvSpPr>
+          <p:cNvPr id="43" name="Rectangle: Rounded Corners 42">
+            <a:extLst>
+              <a:ext uri="{FF2B5EF4-FFF2-40B4-BE49-F238E27FC236}">
+                <a16:creationId xmlns:a16="http://schemas.microsoft.com/office/drawing/2014/main" id="{586B4EF9-43BA-4655-A6FF-1D8E21574C95}"/>
+              </a:ext>
+              <a:ext uri="{C183D7F6-B498-43B3-948B-1728B52AA6E4}">
+                <adec:decorative xmlns:adec="http://schemas.microsoft.com/office/drawing/2017/decorative" val="1"/>
+              </a:ext>
+            </a:extLst>
+          </p:cNvPr>
+          <p:cNvSpPr>
+            <a:spLocks noGrp="1" noRot="1" noChangeAspect="1" noMove="1" noResize="1" noEditPoints="1" noAdjustHandles="1" noChangeArrowheads="1" noChangeShapeType="1" noTextEdit="1"/>
+          </p:cNvSpPr>
+          <p:nvPr>
+            <p:extLst>
+              <p:ext uri="{386F3935-93C4-4BCD-93E2-E3B085C9AB24}">
+                <p16:designElem xmlns:p16="http://schemas.microsoft.com/office/powerpoint/2015/main" val="1"/>
+              </p:ext>
+            </p:extLst>
+          </p:nvPr>
+        </p:nvSpPr>
+        <p:spPr>
+          <a:xfrm>
+            <a:off x="2483110" y="1211407"/>
+            <a:ext cx="7225780" cy="685800"/>
+          </a:xfrm>
+          <a:prstGeom prst="roundRect">
+            <a:avLst>
+              <a:gd name="adj" fmla="val 0"/>
+            </a:avLst>
+          </a:prstGeom>
+          <a:solidFill>
+            <a:schemeClr val="accent2"/>
+          </a:solidFill>
+          <a:ln>
+            <a:noFill/>
+          </a:ln>
+        </p:spPr>
+        <p:style>
+          <a:lnRef idx="2">
+            <a:schemeClr val="accent1">
+              <a:shade val="50000"/>
+            </a:schemeClr>
+          </a:lnRef>
+          <a:fillRef idx="1">
+            <a:schemeClr val="accent1"/>
+          </a:fillRef>
+          <a:effectRef idx="0">
+            <a:schemeClr val="accent1"/>
+          </a:effectRef>
+          <a:fontRef idx="minor">
+            <a:schemeClr val="lt1"/>
+          </a:fontRef>
+        </p:style>
+        <p:txBody>
+          <a:bodyPr rtlCol="0" anchor="ctr"/>
+          <a:lstStyle/>
+          <a:p>
+            <a:pPr algn="ctr"/>
+            <a:endParaRPr lang="en-US">
+              <a:solidFill>
+                <a:prstClr val="white"/>
+              </a:solidFill>
+              <a:latin typeface="Calibri" panose="020F0502020204030204"/>
+            </a:endParaRPr>
+          </a:p>
+        </p:txBody>
+      </p:sp>
+      <p:pic>
+        <p:nvPicPr>
+          <p:cNvPr id="7" name="Imagem 6">
+            <a:extLst>
+              <a:ext uri="{FF2B5EF4-FFF2-40B4-BE49-F238E27FC236}">
+                <a16:creationId xmlns:a16="http://schemas.microsoft.com/office/drawing/2014/main" id="{C33FAF5A-703F-0C28-17B8-3BA1B1CB2605}"/>
+              </a:ext>
+            </a:extLst>
+          </p:cNvPr>
+          <p:cNvPicPr>
+            <a:picLocks noChangeAspect="1"/>
+          </p:cNvPicPr>
+          <p:nvPr/>
+        </p:nvPicPr>
+        <p:blipFill>
+          <a:blip r:embed="rId2"/>
+          <a:stretch>
+            <a:fillRect/>
+          </a:stretch>
+        </p:blipFill>
+        <p:spPr>
+          <a:xfrm>
+            <a:off x="880053" y="2110074"/>
+            <a:ext cx="10277657" cy="4526253"/>
+          </a:xfrm>
+          <a:prstGeom prst="rect">
+            <a:avLst/>
+          </a:prstGeom>
+          <a:ln>
+            <a:noFill/>
+          </a:ln>
+          <a:effectLst>
+            <a:outerShdw blurRad="292100" dist="139700" dir="2700000" algn="tl" rotWithShape="0">
+              <a:srgbClr val="333333">
+                <a:alpha val="65000"/>
+              </a:srgbClr>
+            </a:outerShdw>
+          </a:effectLst>
+        </p:spPr>
+      </p:pic>
+    </p:spTree>
+    <p:extLst>
+      <p:ext uri="{BB962C8B-B14F-4D97-AF65-F5344CB8AC3E}">
+        <p14:creationId xmlns:p14="http://schemas.microsoft.com/office/powerpoint/2010/main" val="2341105583"/>
+      </p:ext>
+    </p:extLst>
+  </p:cSld>
+  <p:clrMapOvr>
+    <a:masterClrMapping/>
+  </p:clrMapOvr>
+</p:sld>
+</file>
+
+<file path=ppt/slides/slide5.xml><?xml version="1.0" encoding="utf-8"?>
+<p:sld xmlns:a="http://schemas.openxmlformats.org/drawingml/2006/main" xmlns:r="http://schemas.openxmlformats.org/officeDocument/2006/relationships" xmlns:p="http://schemas.openxmlformats.org/presentationml/2006/main">
+  <p:cSld>
+    <p:bg>
+      <p:bgPr>
+        <a:solidFill>
+          <a:schemeClr val="bg1"/>
+        </a:solidFill>
+        <a:effectLst/>
+      </p:bgPr>
+    </p:bg>
+    <p:spTree>
+      <p:nvGrpSpPr>
+        <p:cNvPr id="1" name="">
+          <a:extLst>
+            <a:ext uri="{FF2B5EF4-FFF2-40B4-BE49-F238E27FC236}">
               <a16:creationId xmlns:a16="http://schemas.microsoft.com/office/drawing/2014/main" id="{791AD472-C16F-1575-EBC1-51CF7D058CE6}"/>
             </a:ext>
           </a:extLst>
@@ -5556,7 +8726,7 @@
 </p:sld>
 </file>
 
-<file path=ppt/slides/slide11.xml><?xml version="1.0" encoding="utf-8"?>
+<file path=ppt/slides/slide6.xml><?xml version="1.0" encoding="utf-8"?>
 <p:sld xmlns:a="http://schemas.openxmlformats.org/drawingml/2006/main" xmlns:r="http://schemas.openxmlformats.org/officeDocument/2006/relationships" xmlns:p="http://schemas.openxmlformats.org/presentationml/2006/main">
   <p:cSld>
     <p:bg>
@@ -5572,7 +8742,7 @@
         <p:cNvPr id="1" name="">
           <a:extLst>
             <a:ext uri="{FF2B5EF4-FFF2-40B4-BE49-F238E27FC236}">
-              <a16:creationId xmlns:a16="http://schemas.microsoft.com/office/drawing/2014/main" id="{DE5DB6D0-79CA-C9D6-5D17-7F29D2E89390}"/>
+              <a16:creationId xmlns:a16="http://schemas.microsoft.com/office/drawing/2014/main" id="{49B43A9F-694C-891C-EB8B-74A26016BDBC}"/>
             </a:ext>
           </a:extLst>
         </p:cNvPr>
@@ -5589,10 +8759,10 @@
       </p:grpSpPr>
       <p:sp useBgFill="1">
         <p:nvSpPr>
-          <p:cNvPr id="62" name="Rectangle 61">
-            <a:extLst>
-              <a:ext uri="{FF2B5EF4-FFF2-40B4-BE49-F238E27FC236}">
-                <a16:creationId xmlns:a16="http://schemas.microsoft.com/office/drawing/2014/main" id="{2FB61FCF-18EC-BAB8-7AEE-849924DE042A}"/>
+          <p:cNvPr id="44" name="Rectangle 43">
+            <a:extLst>
+              <a:ext uri="{FF2B5EF4-FFF2-40B4-BE49-F238E27FC236}">
+                <a16:creationId xmlns:a16="http://schemas.microsoft.com/office/drawing/2014/main" id="{C1A1C5D3-C053-4EE9-BE1A-419B6E27CCAE}"/>
               </a:ext>
               <a:ext uri="{C183D7F6-B498-43B3-948B-1728B52AA6E4}">
                 <adec:decorative xmlns:adec="http://schemas.microsoft.com/office/drawing/2017/decorative" val="1"/>
@@ -5649,1910 +8819,10 @@
       </p:sp>
       <p:sp useBgFill="1">
         <p:nvSpPr>
-          <p:cNvPr id="64" name="Rectangle 63">
-            <a:extLst>
-              <a:ext uri="{FF2B5EF4-FFF2-40B4-BE49-F238E27FC236}">
-                <a16:creationId xmlns:a16="http://schemas.microsoft.com/office/drawing/2014/main" id="{24F8C86B-B6F4-4EAB-D27E-2BC5F49684F6}"/>
-              </a:ext>
-              <a:ext uri="{C183D7F6-B498-43B3-948B-1728B52AA6E4}">
-                <adec:decorative xmlns:adec="http://schemas.microsoft.com/office/drawing/2017/decorative" val="1"/>
-              </a:ext>
-            </a:extLst>
-          </p:cNvPr>
-          <p:cNvSpPr>
-            <a:spLocks noGrp="1" noRot="1" noChangeAspect="1" noMove="1" noResize="1" noEditPoints="1" noAdjustHandles="1" noChangeArrowheads="1" noChangeShapeType="1" noTextEdit="1"/>
-          </p:cNvSpPr>
-          <p:nvPr>
-            <p:extLst>
-              <p:ext uri="{386F3935-93C4-4BCD-93E2-E3B085C9AB24}">
-                <p16:designElem xmlns:p16="http://schemas.microsoft.com/office/powerpoint/2015/main" val="1"/>
-              </p:ext>
-            </p:extLst>
-          </p:nvPr>
-        </p:nvSpPr>
-        <p:spPr>
-          <a:xfrm>
-            <a:off x="551553" y="304802"/>
-            <a:ext cx="11097349" cy="1573149"/>
-          </a:xfrm>
-          <a:prstGeom prst="rect">
-            <a:avLst/>
-          </a:prstGeom>
-          <a:ln w="12700">
-            <a:solidFill>
-              <a:srgbClr val="DEDEDE"/>
-            </a:solidFill>
-          </a:ln>
-          <a:effectLst>
-            <a:outerShdw blurRad="50800" dist="38100" dir="2700000" algn="tl" rotWithShape="0">
-              <a:schemeClr val="bg2">
-                <a:lumMod val="85000"/>
-                <a:alpha val="50000"/>
-              </a:schemeClr>
-            </a:outerShdw>
-          </a:effectLst>
-        </p:spPr>
-        <p:style>
-          <a:lnRef idx="2">
-            <a:schemeClr val="accent1">
-              <a:shade val="50000"/>
-            </a:schemeClr>
-          </a:lnRef>
-          <a:fillRef idx="1">
-            <a:schemeClr val="accent1"/>
-          </a:fillRef>
-          <a:effectRef idx="0">
-            <a:schemeClr val="accent1"/>
-          </a:effectRef>
-          <a:fontRef idx="minor">
-            <a:schemeClr val="lt1"/>
-          </a:fontRef>
-        </p:style>
-        <p:txBody>
-          <a:bodyPr rtlCol="0" anchor="ctr"/>
-          <a:lstStyle/>
-          <a:p>
-            <a:pPr marL="0" marR="0" lvl="0" indent="0" algn="ctr" defTabSz="914400" rtl="0" eaLnBrk="1" fontAlgn="auto" latinLnBrk="0" hangingPunct="1">
-              <a:lnSpc>
-                <a:spcPct val="100000"/>
-              </a:lnSpc>
-              <a:spcBef>
-                <a:spcPts val="0"/>
-              </a:spcBef>
-              <a:spcAft>
-                <a:spcPts val="0"/>
-              </a:spcAft>
-              <a:buClrTx/>
-              <a:buSzTx/>
-              <a:buFontTx/>
-              <a:buNone/>
-              <a:tabLst/>
-              <a:defRPr/>
-            </a:pPr>
-            <a:endParaRPr kumimoji="0" lang="en-US" sz="1800" b="0" i="0" u="none" strike="noStrike" kern="1200" cap="none" spc="0" normalizeH="0" baseline="0" noProof="0">
-              <a:ln>
-                <a:noFill/>
-              </a:ln>
-              <a:solidFill>
-                <a:prstClr val="white"/>
-              </a:solidFill>
-              <a:effectLst/>
-              <a:uLnTx/>
-              <a:uFillTx/>
-              <a:latin typeface="Calibri" panose="020F0502020204030204"/>
-              <a:ea typeface="+mn-ea"/>
-              <a:cs typeface="+mn-cs"/>
-            </a:endParaRPr>
-          </a:p>
-        </p:txBody>
-      </p:sp>
-      <p:sp>
-        <p:nvSpPr>
-          <p:cNvPr id="2" name="Título 1">
-            <a:extLst>
-              <a:ext uri="{FF2B5EF4-FFF2-40B4-BE49-F238E27FC236}">
-                <a16:creationId xmlns:a16="http://schemas.microsoft.com/office/drawing/2014/main" id="{470439E8-687C-1F82-FCAA-EF5F35DA5FA3}"/>
-              </a:ext>
-            </a:extLst>
-          </p:cNvPr>
-          <p:cNvSpPr>
-            <a:spLocks noGrp="1"/>
-          </p:cNvSpPr>
-          <p:nvPr>
-            <p:ph type="title"/>
-          </p:nvPr>
-        </p:nvSpPr>
-        <p:spPr>
-          <a:xfrm>
-            <a:off x="901690" y="405575"/>
-            <a:ext cx="6430414" cy="1371600"/>
-          </a:xfrm>
-        </p:spPr>
-        <p:txBody>
-          <a:bodyPr vert="horz" lIns="91440" tIns="45720" rIns="91440" bIns="45720" rtlCol="0" anchor="ctr">
-            <a:normAutofit/>
-          </a:bodyPr>
-          <a:lstStyle/>
-          <a:p>
-            <a:r>
-              <a:rPr lang="en-US" sz="4000" b="1" kern="1200" dirty="0">
-                <a:solidFill>
-                  <a:schemeClr val="tx1"/>
-                </a:solidFill>
-                <a:latin typeface="+mj-lt"/>
-                <a:ea typeface="+mj-ea"/>
-                <a:cs typeface="+mj-cs"/>
-              </a:rPr>
-              <a:t>CUSTOS </a:t>
-            </a:r>
-          </a:p>
-        </p:txBody>
-      </p:sp>
-      <p:sp>
-        <p:nvSpPr>
-          <p:cNvPr id="66" name="Rectangle 65">
-            <a:extLst>
-              <a:ext uri="{FF2B5EF4-FFF2-40B4-BE49-F238E27FC236}">
-                <a16:creationId xmlns:a16="http://schemas.microsoft.com/office/drawing/2014/main" id="{4475CCA1-0CF1-13AA-3AED-D83463551D0C}"/>
-              </a:ext>
-              <a:ext uri="{C183D7F6-B498-43B3-948B-1728B52AA6E4}">
-                <adec:decorative xmlns:adec="http://schemas.microsoft.com/office/drawing/2017/decorative" val="1"/>
-              </a:ext>
-            </a:extLst>
-          </p:cNvPr>
-          <p:cNvSpPr>
-            <a:spLocks noGrp="1" noRot="1" noChangeAspect="1" noMove="1" noResize="1" noEditPoints="1" noAdjustHandles="1" noChangeArrowheads="1" noChangeShapeType="1" noTextEdit="1"/>
-          </p:cNvSpPr>
-          <p:nvPr>
-            <p:extLst>
-              <p:ext uri="{386F3935-93C4-4BCD-93E2-E3B085C9AB24}">
-                <p16:designElem xmlns:p16="http://schemas.microsoft.com/office/powerpoint/2015/main" val="1"/>
-              </p:ext>
-            </p:extLst>
-          </p:nvPr>
-        </p:nvSpPr>
-        <p:spPr>
-          <a:xfrm>
-            <a:off x="494784" y="764424"/>
-            <a:ext cx="128016" cy="653903"/>
-          </a:xfrm>
-          <a:prstGeom prst="rect">
-            <a:avLst/>
-          </a:prstGeom>
-          <a:solidFill>
-            <a:schemeClr val="accent2"/>
-          </a:solidFill>
-          <a:ln>
-            <a:noFill/>
-          </a:ln>
-        </p:spPr>
-        <p:style>
-          <a:lnRef idx="2">
-            <a:schemeClr val="accent1">
-              <a:shade val="50000"/>
-            </a:schemeClr>
-          </a:lnRef>
-          <a:fillRef idx="1">
-            <a:schemeClr val="accent1"/>
-          </a:fillRef>
-          <a:effectRef idx="0">
-            <a:schemeClr val="accent1"/>
-          </a:effectRef>
-          <a:fontRef idx="minor">
-            <a:schemeClr val="lt1"/>
-          </a:fontRef>
-        </p:style>
-        <p:txBody>
-          <a:bodyPr rtlCol="0" anchor="ctr"/>
-          <a:lstStyle/>
-          <a:p>
-            <a:pPr algn="ctr"/>
-            <a:endParaRPr lang="en-US">
-              <a:solidFill>
-                <a:prstClr val="white"/>
-              </a:solidFill>
-              <a:latin typeface="Calibri" panose="020F0502020204030204"/>
-            </a:endParaRPr>
-          </a:p>
-        </p:txBody>
-      </p:sp>
-      <p:sp>
-        <p:nvSpPr>
-          <p:cNvPr id="68" name="Rectangle 67">
-            <a:extLst>
-              <a:ext uri="{FF2B5EF4-FFF2-40B4-BE49-F238E27FC236}">
-                <a16:creationId xmlns:a16="http://schemas.microsoft.com/office/drawing/2014/main" id="{E752B858-DA5C-BBD4-66DF-8EFB52DCFE96}"/>
-              </a:ext>
-              <a:ext uri="{C183D7F6-B498-43B3-948B-1728B52AA6E4}">
-                <adec:decorative xmlns:adec="http://schemas.microsoft.com/office/drawing/2017/decorative" val="1"/>
-              </a:ext>
-            </a:extLst>
-          </p:cNvPr>
-          <p:cNvSpPr>
-            <a:spLocks noGrp="1" noRot="1" noChangeAspect="1" noMove="1" noResize="1" noEditPoints="1" noAdjustHandles="1" noChangeArrowheads="1" noChangeShapeType="1" noTextEdit="1"/>
-          </p:cNvSpPr>
-          <p:nvPr>
-            <p:extLst>
-              <p:ext uri="{386F3935-93C4-4BCD-93E2-E3B085C9AB24}">
-                <p16:designElem xmlns:p16="http://schemas.microsoft.com/office/powerpoint/2015/main" val="1"/>
-              </p:ext>
-            </p:extLst>
-          </p:nvPr>
-        </p:nvSpPr>
-        <p:spPr>
-          <a:xfrm rot="5400000">
-            <a:off x="7126032" y="1067264"/>
-            <a:ext cx="1021458" cy="18288"/>
-          </a:xfrm>
-          <a:prstGeom prst="rect">
-            <a:avLst/>
-          </a:prstGeom>
-          <a:solidFill>
-            <a:srgbClr val="D5D5D5"/>
-          </a:solidFill>
-          <a:ln w="3175">
-            <a:noFill/>
-          </a:ln>
-          <a:effectLst/>
-        </p:spPr>
-        <p:style>
-          <a:lnRef idx="2">
-            <a:schemeClr val="accent1">
-              <a:shade val="50000"/>
-            </a:schemeClr>
-          </a:lnRef>
-          <a:fillRef idx="1">
-            <a:schemeClr val="accent1"/>
-          </a:fillRef>
-          <a:effectRef idx="0">
-            <a:schemeClr val="accent1"/>
-          </a:effectRef>
-          <a:fontRef idx="minor">
-            <a:schemeClr val="lt1"/>
-          </a:fontRef>
-        </p:style>
-        <p:txBody>
-          <a:bodyPr rtlCol="0" anchor="ctr"/>
-          <a:lstStyle/>
-          <a:p>
-            <a:pPr algn="ctr"/>
-            <a:endParaRPr lang="en-US">
-              <a:solidFill>
-                <a:prstClr val="white"/>
-              </a:solidFill>
-              <a:latin typeface="Calibri" panose="020F0502020204030204"/>
-            </a:endParaRPr>
-          </a:p>
-        </p:txBody>
-      </p:sp>
-      <p:pic>
-        <p:nvPicPr>
-          <p:cNvPr id="6" name="Imagem 5">
-            <a:extLst>
-              <a:ext uri="{FF2B5EF4-FFF2-40B4-BE49-F238E27FC236}">
-                <a16:creationId xmlns:a16="http://schemas.microsoft.com/office/drawing/2014/main" id="{9FDE1D53-DBC7-4CCA-4641-9D768E10B37F}"/>
-              </a:ext>
-            </a:extLst>
-          </p:cNvPr>
-          <p:cNvPicPr>
-            <a:picLocks noChangeAspect="1"/>
-          </p:cNvPicPr>
-          <p:nvPr/>
-        </p:nvPicPr>
-        <p:blipFill>
-          <a:blip r:embed="rId2">
-            <a:duotone>
-              <a:schemeClr val="accent4">
-                <a:shade val="45000"/>
-                <a:satMod val="135000"/>
-              </a:schemeClr>
-              <a:prstClr val="white"/>
-            </a:duotone>
-          </a:blip>
-          <a:stretch>
-            <a:fillRect/>
-          </a:stretch>
-        </p:blipFill>
-        <p:spPr>
-          <a:xfrm>
-            <a:off x="1001694" y="2287512"/>
-            <a:ext cx="10339051" cy="3427488"/>
-          </a:xfrm>
-          <a:prstGeom prst="rect">
-            <a:avLst/>
-          </a:prstGeom>
-        </p:spPr>
-      </p:pic>
-    </p:spTree>
-    <p:extLst>
-      <p:ext uri="{BB962C8B-B14F-4D97-AF65-F5344CB8AC3E}">
-        <p14:creationId xmlns:p14="http://schemas.microsoft.com/office/powerpoint/2010/main" val="935743452"/>
-      </p:ext>
-    </p:extLst>
-  </p:cSld>
-  <p:clrMapOvr>
-    <a:masterClrMapping/>
-  </p:clrMapOvr>
-</p:sld>
-</file>
-
-<file path=ppt/slides/slide12.xml><?xml version="1.0" encoding="utf-8"?>
-<p:sld xmlns:a="http://schemas.openxmlformats.org/drawingml/2006/main" xmlns:r="http://schemas.openxmlformats.org/officeDocument/2006/relationships" xmlns:p="http://schemas.openxmlformats.org/presentationml/2006/main">
-  <p:cSld>
-    <p:bg>
-      <p:bgPr>
-        <a:solidFill>
-          <a:schemeClr val="bg1"/>
-        </a:solidFill>
-        <a:effectLst/>
-      </p:bgPr>
-    </p:bg>
-    <p:spTree>
-      <p:nvGrpSpPr>
-        <p:cNvPr id="1" name="">
-          <a:extLst>
-            <a:ext uri="{FF2B5EF4-FFF2-40B4-BE49-F238E27FC236}">
-              <a16:creationId xmlns:a16="http://schemas.microsoft.com/office/drawing/2014/main" id="{D6802A44-F202-3709-791F-AEAD0923A73A}"/>
-            </a:ext>
-          </a:extLst>
-        </p:cNvPr>
-        <p:cNvGrpSpPr/>
-        <p:nvPr/>
-      </p:nvGrpSpPr>
-      <p:grpSpPr>
-        <a:xfrm>
-          <a:off x="0" y="0"/>
-          <a:ext cx="0" cy="0"/>
-          <a:chOff x="0" y="0"/>
-          <a:chExt cx="0" cy="0"/>
-        </a:xfrm>
-      </p:grpSpPr>
-      <p:sp useBgFill="1">
-        <p:nvSpPr>
-          <p:cNvPr id="62" name="Rectangle 61">
-            <a:extLst>
-              <a:ext uri="{FF2B5EF4-FFF2-40B4-BE49-F238E27FC236}">
-                <a16:creationId xmlns:a16="http://schemas.microsoft.com/office/drawing/2014/main" id="{017517EF-BD4D-4055-BDB4-A322C53568AD}"/>
-              </a:ext>
-              <a:ext uri="{C183D7F6-B498-43B3-948B-1728B52AA6E4}">
-                <adec:decorative xmlns:adec="http://schemas.microsoft.com/office/drawing/2017/decorative" val="1"/>
-              </a:ext>
-            </a:extLst>
-          </p:cNvPr>
-          <p:cNvSpPr>
-            <a:spLocks noGrp="1" noRot="1" noChangeAspect="1" noMove="1" noResize="1" noEditPoints="1" noAdjustHandles="1" noChangeArrowheads="1" noChangeShapeType="1" noTextEdit="1"/>
-          </p:cNvSpPr>
-          <p:nvPr>
-            <p:extLst>
-              <p:ext uri="{386F3935-93C4-4BCD-93E2-E3B085C9AB24}">
-                <p16:designElem xmlns:p16="http://schemas.microsoft.com/office/powerpoint/2015/main" val="1"/>
-              </p:ext>
-            </p:extLst>
-          </p:nvPr>
-        </p:nvSpPr>
-        <p:spPr>
-          <a:xfrm>
-            <a:off x="0" y="0"/>
-            <a:ext cx="12192000" cy="6858000"/>
-          </a:xfrm>
-          <a:prstGeom prst="rect">
-            <a:avLst/>
-          </a:prstGeom>
-          <a:ln>
-            <a:noFill/>
-          </a:ln>
-        </p:spPr>
-        <p:style>
-          <a:lnRef idx="2">
-            <a:schemeClr val="accent1">
-              <a:shade val="50000"/>
-            </a:schemeClr>
-          </a:lnRef>
-          <a:fillRef idx="1">
-            <a:schemeClr val="accent1"/>
-          </a:fillRef>
-          <a:effectRef idx="0">
-            <a:schemeClr val="accent1"/>
-          </a:effectRef>
-          <a:fontRef idx="minor">
-            <a:schemeClr val="lt1"/>
-          </a:fontRef>
-        </p:style>
-        <p:txBody>
-          <a:bodyPr rtlCol="0" anchor="ctr"/>
-          <a:lstStyle/>
-          <a:p>
-            <a:pPr algn="ctr"/>
-            <a:endParaRPr lang="en-US"/>
-          </a:p>
-        </p:txBody>
-      </p:sp>
-      <p:sp useBgFill="1">
-        <p:nvSpPr>
-          <p:cNvPr id="64" name="Rectangle 63">
-            <a:extLst>
-              <a:ext uri="{FF2B5EF4-FFF2-40B4-BE49-F238E27FC236}">
-                <a16:creationId xmlns:a16="http://schemas.microsoft.com/office/drawing/2014/main" id="{0ADDB668-2CA4-4D2B-9C34-3487CA330BA8}"/>
-              </a:ext>
-              <a:ext uri="{C183D7F6-B498-43B3-948B-1728B52AA6E4}">
-                <adec:decorative xmlns:adec="http://schemas.microsoft.com/office/drawing/2017/decorative" val="1"/>
-              </a:ext>
-            </a:extLst>
-          </p:cNvPr>
-          <p:cNvSpPr>
-            <a:spLocks noGrp="1" noRot="1" noChangeAspect="1" noMove="1" noResize="1" noEditPoints="1" noAdjustHandles="1" noChangeArrowheads="1" noChangeShapeType="1" noTextEdit="1"/>
-          </p:cNvSpPr>
-          <p:nvPr>
-            <p:extLst>
-              <p:ext uri="{386F3935-93C4-4BCD-93E2-E3B085C9AB24}">
-                <p16:designElem xmlns:p16="http://schemas.microsoft.com/office/powerpoint/2015/main" val="1"/>
-              </p:ext>
-            </p:extLst>
-          </p:nvPr>
-        </p:nvSpPr>
-        <p:spPr>
-          <a:xfrm>
-            <a:off x="551553" y="304802"/>
-            <a:ext cx="11097349" cy="1573149"/>
-          </a:xfrm>
-          <a:prstGeom prst="rect">
-            <a:avLst/>
-          </a:prstGeom>
-          <a:ln w="12700">
-            <a:solidFill>
-              <a:srgbClr val="DEDEDE"/>
-            </a:solidFill>
-          </a:ln>
-          <a:effectLst>
-            <a:outerShdw blurRad="50800" dist="38100" dir="2700000" algn="tl" rotWithShape="0">
-              <a:schemeClr val="bg2">
-                <a:lumMod val="85000"/>
-                <a:alpha val="50000"/>
-              </a:schemeClr>
-            </a:outerShdw>
-          </a:effectLst>
-        </p:spPr>
-        <p:style>
-          <a:lnRef idx="2">
-            <a:schemeClr val="accent1">
-              <a:shade val="50000"/>
-            </a:schemeClr>
-          </a:lnRef>
-          <a:fillRef idx="1">
-            <a:schemeClr val="accent1"/>
-          </a:fillRef>
-          <a:effectRef idx="0">
-            <a:schemeClr val="accent1"/>
-          </a:effectRef>
-          <a:fontRef idx="minor">
-            <a:schemeClr val="lt1"/>
-          </a:fontRef>
-        </p:style>
-        <p:txBody>
-          <a:bodyPr rtlCol="0" anchor="ctr"/>
-          <a:lstStyle/>
-          <a:p>
-            <a:pPr marL="0" marR="0" lvl="0" indent="0" algn="ctr" defTabSz="914400" rtl="0" eaLnBrk="1" fontAlgn="auto" latinLnBrk="0" hangingPunct="1">
-              <a:lnSpc>
-                <a:spcPct val="100000"/>
-              </a:lnSpc>
-              <a:spcBef>
-                <a:spcPts val="0"/>
-              </a:spcBef>
-              <a:spcAft>
-                <a:spcPts val="0"/>
-              </a:spcAft>
-              <a:buClrTx/>
-              <a:buSzTx/>
-              <a:buFontTx/>
-              <a:buNone/>
-              <a:tabLst/>
-              <a:defRPr/>
-            </a:pPr>
-            <a:endParaRPr kumimoji="0" lang="en-US" sz="1800" b="0" i="0" u="none" strike="noStrike" kern="1200" cap="none" spc="0" normalizeH="0" baseline="0" noProof="0">
-              <a:ln>
-                <a:noFill/>
-              </a:ln>
-              <a:solidFill>
-                <a:prstClr val="white"/>
-              </a:solidFill>
-              <a:effectLst/>
-              <a:uLnTx/>
-              <a:uFillTx/>
-              <a:latin typeface="Calibri" panose="020F0502020204030204"/>
-              <a:ea typeface="+mn-ea"/>
-              <a:cs typeface="+mn-cs"/>
-            </a:endParaRPr>
-          </a:p>
-        </p:txBody>
-      </p:sp>
-      <p:sp>
-        <p:nvSpPr>
-          <p:cNvPr id="2" name="Título 1">
-            <a:extLst>
-              <a:ext uri="{FF2B5EF4-FFF2-40B4-BE49-F238E27FC236}">
-                <a16:creationId xmlns:a16="http://schemas.microsoft.com/office/drawing/2014/main" id="{67781C07-DAE7-3E8D-0792-9B957C526C5D}"/>
-              </a:ext>
-            </a:extLst>
-          </p:cNvPr>
-          <p:cNvSpPr>
-            <a:spLocks noGrp="1"/>
-          </p:cNvSpPr>
-          <p:nvPr>
-            <p:ph type="title"/>
-          </p:nvPr>
-        </p:nvSpPr>
-        <p:spPr>
-          <a:xfrm>
-            <a:off x="901690" y="405575"/>
-            <a:ext cx="6430414" cy="1371600"/>
-          </a:xfrm>
-        </p:spPr>
-        <p:txBody>
-          <a:bodyPr vert="horz" lIns="91440" tIns="45720" rIns="91440" bIns="45720" rtlCol="0" anchor="ctr">
-            <a:normAutofit/>
-          </a:bodyPr>
-          <a:lstStyle/>
-          <a:p>
-            <a:r>
-              <a:rPr lang="en-US" sz="4000" b="1" kern="1200">
-                <a:solidFill>
-                  <a:schemeClr val="tx1"/>
-                </a:solidFill>
-                <a:latin typeface="+mj-lt"/>
-                <a:ea typeface="+mj-ea"/>
-                <a:cs typeface="+mj-cs"/>
-              </a:rPr>
-              <a:t>DATAVIZ</a:t>
-            </a:r>
-          </a:p>
-        </p:txBody>
-      </p:sp>
-      <p:sp>
-        <p:nvSpPr>
-          <p:cNvPr id="66" name="Rectangle 65">
-            <a:extLst>
-              <a:ext uri="{FF2B5EF4-FFF2-40B4-BE49-F238E27FC236}">
-                <a16:creationId xmlns:a16="http://schemas.microsoft.com/office/drawing/2014/main" id="{2568BC19-F052-4108-93E1-6A3D1DEC072F}"/>
-              </a:ext>
-              <a:ext uri="{C183D7F6-B498-43B3-948B-1728B52AA6E4}">
-                <adec:decorative xmlns:adec="http://schemas.microsoft.com/office/drawing/2017/decorative" val="1"/>
-              </a:ext>
-            </a:extLst>
-          </p:cNvPr>
-          <p:cNvSpPr>
-            <a:spLocks noGrp="1" noRot="1" noChangeAspect="1" noMove="1" noResize="1" noEditPoints="1" noAdjustHandles="1" noChangeArrowheads="1" noChangeShapeType="1" noTextEdit="1"/>
-          </p:cNvSpPr>
-          <p:nvPr>
-            <p:extLst>
-              <p:ext uri="{386F3935-93C4-4BCD-93E2-E3B085C9AB24}">
-                <p16:designElem xmlns:p16="http://schemas.microsoft.com/office/powerpoint/2015/main" val="1"/>
-              </p:ext>
-            </p:extLst>
-          </p:nvPr>
-        </p:nvSpPr>
-        <p:spPr>
-          <a:xfrm>
-            <a:off x="494784" y="764424"/>
-            <a:ext cx="128016" cy="653903"/>
-          </a:xfrm>
-          <a:prstGeom prst="rect">
-            <a:avLst/>
-          </a:prstGeom>
-          <a:solidFill>
-            <a:schemeClr val="accent2"/>
-          </a:solidFill>
-          <a:ln>
-            <a:noFill/>
-          </a:ln>
-        </p:spPr>
-        <p:style>
-          <a:lnRef idx="2">
-            <a:schemeClr val="accent1">
-              <a:shade val="50000"/>
-            </a:schemeClr>
-          </a:lnRef>
-          <a:fillRef idx="1">
-            <a:schemeClr val="accent1"/>
-          </a:fillRef>
-          <a:effectRef idx="0">
-            <a:schemeClr val="accent1"/>
-          </a:effectRef>
-          <a:fontRef idx="minor">
-            <a:schemeClr val="lt1"/>
-          </a:fontRef>
-        </p:style>
-        <p:txBody>
-          <a:bodyPr rtlCol="0" anchor="ctr"/>
-          <a:lstStyle/>
-          <a:p>
-            <a:pPr algn="ctr"/>
-            <a:endParaRPr lang="en-US">
-              <a:solidFill>
-                <a:prstClr val="white"/>
-              </a:solidFill>
-              <a:latin typeface="Calibri" panose="020F0502020204030204"/>
-            </a:endParaRPr>
-          </a:p>
-        </p:txBody>
-      </p:sp>
-      <p:sp>
-        <p:nvSpPr>
-          <p:cNvPr id="68" name="Rectangle 67">
-            <a:extLst>
-              <a:ext uri="{FF2B5EF4-FFF2-40B4-BE49-F238E27FC236}">
-                <a16:creationId xmlns:a16="http://schemas.microsoft.com/office/drawing/2014/main" id="{D5FD337D-4D6B-4C8B-B6F5-121097E09881}"/>
-              </a:ext>
-              <a:ext uri="{C183D7F6-B498-43B3-948B-1728B52AA6E4}">
-                <adec:decorative xmlns:adec="http://schemas.microsoft.com/office/drawing/2017/decorative" val="1"/>
-              </a:ext>
-            </a:extLst>
-          </p:cNvPr>
-          <p:cNvSpPr>
-            <a:spLocks noGrp="1" noRot="1" noChangeAspect="1" noMove="1" noResize="1" noEditPoints="1" noAdjustHandles="1" noChangeArrowheads="1" noChangeShapeType="1" noTextEdit="1"/>
-          </p:cNvSpPr>
-          <p:nvPr>
-            <p:extLst>
-              <p:ext uri="{386F3935-93C4-4BCD-93E2-E3B085C9AB24}">
-                <p16:designElem xmlns:p16="http://schemas.microsoft.com/office/powerpoint/2015/main" val="1"/>
-              </p:ext>
-            </p:extLst>
-          </p:nvPr>
-        </p:nvSpPr>
-        <p:spPr>
-          <a:xfrm rot="5400000">
-            <a:off x="7126032" y="1067264"/>
-            <a:ext cx="1021458" cy="18288"/>
-          </a:xfrm>
-          <a:prstGeom prst="rect">
-            <a:avLst/>
-          </a:prstGeom>
-          <a:solidFill>
-            <a:srgbClr val="D5D5D5"/>
-          </a:solidFill>
-          <a:ln w="3175">
-            <a:noFill/>
-          </a:ln>
-          <a:effectLst/>
-        </p:spPr>
-        <p:style>
-          <a:lnRef idx="2">
-            <a:schemeClr val="accent1">
-              <a:shade val="50000"/>
-            </a:schemeClr>
-          </a:lnRef>
-          <a:fillRef idx="1">
-            <a:schemeClr val="accent1"/>
-          </a:fillRef>
-          <a:effectRef idx="0">
-            <a:schemeClr val="accent1"/>
-          </a:effectRef>
-          <a:fontRef idx="minor">
-            <a:schemeClr val="lt1"/>
-          </a:fontRef>
-        </p:style>
-        <p:txBody>
-          <a:bodyPr rtlCol="0" anchor="ctr"/>
-          <a:lstStyle/>
-          <a:p>
-            <a:pPr algn="ctr"/>
-            <a:endParaRPr lang="en-US">
-              <a:solidFill>
-                <a:prstClr val="white"/>
-              </a:solidFill>
-              <a:latin typeface="Calibri" panose="020F0502020204030204"/>
-            </a:endParaRPr>
-          </a:p>
-        </p:txBody>
-      </p:sp>
-      <p:pic>
-        <p:nvPicPr>
-          <p:cNvPr id="10" name="Imagem 9">
-            <a:extLst>
-              <a:ext uri="{FF2B5EF4-FFF2-40B4-BE49-F238E27FC236}">
-                <a16:creationId xmlns:a16="http://schemas.microsoft.com/office/drawing/2014/main" id="{26557A20-BBEA-4F89-F115-713428A2623E}"/>
-              </a:ext>
-            </a:extLst>
-          </p:cNvPr>
-          <p:cNvPicPr>
-            <a:picLocks noChangeAspect="1"/>
-          </p:cNvPicPr>
-          <p:nvPr/>
-        </p:nvPicPr>
-        <p:blipFill>
-          <a:blip r:embed="rId2"/>
-          <a:stretch>
-            <a:fillRect/>
-          </a:stretch>
-        </p:blipFill>
-        <p:spPr>
-          <a:xfrm>
-            <a:off x="1498994" y="2038052"/>
-            <a:ext cx="8856862" cy="4162585"/>
-          </a:xfrm>
-          <a:prstGeom prst="rect">
-            <a:avLst/>
-          </a:prstGeom>
-        </p:spPr>
-      </p:pic>
-      <p:sp>
-        <p:nvSpPr>
-          <p:cNvPr id="13" name="CaixaDeTexto 12">
-            <a:extLst>
-              <a:ext uri="{FF2B5EF4-FFF2-40B4-BE49-F238E27FC236}">
-                <a16:creationId xmlns:a16="http://schemas.microsoft.com/office/drawing/2014/main" id="{F149BD79-BC4B-044A-7343-242978A0F667}"/>
-              </a:ext>
-            </a:extLst>
-          </p:cNvPr>
-          <p:cNvSpPr txBox="1"/>
-          <p:nvPr/>
-        </p:nvSpPr>
-        <p:spPr>
-          <a:xfrm>
-            <a:off x="10444700" y="6316538"/>
-            <a:ext cx="6097836" cy="369332"/>
-          </a:xfrm>
-          <a:prstGeom prst="rect">
-            <a:avLst/>
-          </a:prstGeom>
-          <a:noFill/>
-        </p:spPr>
-        <p:txBody>
-          <a:bodyPr wrap="square">
-            <a:spAutoFit/>
-          </a:bodyPr>
-          <a:lstStyle/>
-          <a:p>
-            <a:r>
-              <a:rPr lang="pt-BR" dirty="0">
-                <a:hlinkClick r:id="rId3"/>
-              </a:rPr>
-              <a:t>SALES-TECH</a:t>
-            </a:r>
-            <a:endParaRPr lang="pt-BR" dirty="0"/>
-          </a:p>
-        </p:txBody>
-      </p:sp>
-    </p:spTree>
-    <p:extLst>
-      <p:ext uri="{BB962C8B-B14F-4D97-AF65-F5344CB8AC3E}">
-        <p14:creationId xmlns:p14="http://schemas.microsoft.com/office/powerpoint/2010/main" val="3905939845"/>
-      </p:ext>
-    </p:extLst>
-  </p:cSld>
-  <p:clrMapOvr>
-    <a:masterClrMapping/>
-  </p:clrMapOvr>
-</p:sld>
-</file>
-
-<file path=ppt/slides/slide13.xml><?xml version="1.0" encoding="utf-8"?>
-<p:sld xmlns:a="http://schemas.openxmlformats.org/drawingml/2006/main" xmlns:r="http://schemas.openxmlformats.org/officeDocument/2006/relationships" xmlns:p="http://schemas.openxmlformats.org/presentationml/2006/main">
-  <p:cSld>
-    <p:bg>
-      <p:bgPr>
-        <a:solidFill>
-          <a:schemeClr val="bg1"/>
-        </a:solidFill>
-        <a:effectLst/>
-      </p:bgPr>
-    </p:bg>
-    <p:spTree>
-      <p:nvGrpSpPr>
-        <p:cNvPr id="1" name=""/>
-        <p:cNvGrpSpPr/>
-        <p:nvPr/>
-      </p:nvGrpSpPr>
-      <p:grpSpPr>
-        <a:xfrm>
-          <a:off x="0" y="0"/>
-          <a:ext cx="0" cy="0"/>
-          <a:chOff x="0" y="0"/>
-          <a:chExt cx="0" cy="0"/>
-        </a:xfrm>
-      </p:grpSpPr>
-      <p:sp useBgFill="1">
-        <p:nvSpPr>
-          <p:cNvPr id="16" name="Rectangle 8">
-            <a:extLst>
-              <a:ext uri="{FF2B5EF4-FFF2-40B4-BE49-F238E27FC236}">
-                <a16:creationId xmlns:a16="http://schemas.microsoft.com/office/drawing/2014/main" id="{F1C4E306-BC28-4A7B-871B-1926F6FA6EF3}"/>
-              </a:ext>
-              <a:ext uri="{C183D7F6-B498-43B3-948B-1728B52AA6E4}">
-                <adec:decorative xmlns:adec="http://schemas.microsoft.com/office/drawing/2017/decorative" val="1"/>
-              </a:ext>
-            </a:extLst>
-          </p:cNvPr>
-          <p:cNvSpPr>
-            <a:spLocks noGrp="1" noRot="1" noChangeAspect="1" noMove="1" noResize="1" noEditPoints="1" noAdjustHandles="1" noChangeArrowheads="1" noChangeShapeType="1" noTextEdit="1"/>
-          </p:cNvSpPr>
-          <p:nvPr>
-            <p:extLst>
-              <p:ext uri="{386F3935-93C4-4BCD-93E2-E3B085C9AB24}">
-                <p16:designElem xmlns:p16="http://schemas.microsoft.com/office/powerpoint/2015/main" val="1"/>
-              </p:ext>
-            </p:extLst>
-          </p:nvPr>
-        </p:nvSpPr>
-        <p:spPr>
-          <a:xfrm>
-            <a:off x="0" y="0"/>
-            <a:ext cx="12192000" cy="6858000"/>
-          </a:xfrm>
-          <a:prstGeom prst="rect">
-            <a:avLst/>
-          </a:prstGeom>
-          <a:ln>
-            <a:noFill/>
-          </a:ln>
-        </p:spPr>
-        <p:style>
-          <a:lnRef idx="2">
-            <a:schemeClr val="accent1">
-              <a:shade val="50000"/>
-            </a:schemeClr>
-          </a:lnRef>
-          <a:fillRef idx="1">
-            <a:schemeClr val="accent1"/>
-          </a:fillRef>
-          <a:effectRef idx="0">
-            <a:schemeClr val="accent1"/>
-          </a:effectRef>
-          <a:fontRef idx="minor">
-            <a:schemeClr val="lt1"/>
-          </a:fontRef>
-        </p:style>
-        <p:txBody>
-          <a:bodyPr rtlCol="0" anchor="ctr"/>
-          <a:lstStyle/>
-          <a:p>
-            <a:pPr algn="ctr"/>
-            <a:endParaRPr lang="en-US"/>
-          </a:p>
-        </p:txBody>
-      </p:sp>
-      <p:sp useBgFill="1">
-        <p:nvSpPr>
-          <p:cNvPr id="17" name="Freeform: Shape 10">
-            <a:extLst>
-              <a:ext uri="{FF2B5EF4-FFF2-40B4-BE49-F238E27FC236}">
-                <a16:creationId xmlns:a16="http://schemas.microsoft.com/office/drawing/2014/main" id="{C3ECC9B4-989C-4F71-A6BC-DEBC1D9FD0BD}"/>
-              </a:ext>
-              <a:ext uri="{C183D7F6-B498-43B3-948B-1728B52AA6E4}">
-                <adec:decorative xmlns:adec="http://schemas.microsoft.com/office/drawing/2017/decorative" val="1"/>
-              </a:ext>
-            </a:extLst>
-          </p:cNvPr>
-          <p:cNvSpPr>
-            <a:spLocks noGrp="1" noRot="1" noChangeAspect="1" noMove="1" noResize="1" noEditPoints="1" noAdjustHandles="1" noChangeArrowheads="1" noChangeShapeType="1" noTextEdit="1"/>
-          </p:cNvSpPr>
-          <p:nvPr>
-            <p:extLst>
-              <p:ext uri="{386F3935-93C4-4BCD-93E2-E3B085C9AB24}">
-                <p16:designElem xmlns:p16="http://schemas.microsoft.com/office/powerpoint/2015/main" val="1"/>
-              </p:ext>
-            </p:extLst>
-          </p:nvPr>
-        </p:nvSpPr>
-        <p:spPr>
-          <a:xfrm>
-            <a:off x="0" y="0"/>
-            <a:ext cx="8452322" cy="6858000"/>
-          </a:xfrm>
-          <a:custGeom>
-            <a:avLst/>
-            <a:gdLst>
-              <a:gd name="connsiteX0" fmla="*/ 0 w 8452322"/>
-              <a:gd name="connsiteY0" fmla="*/ 0 h 6858000"/>
-              <a:gd name="connsiteX1" fmla="*/ 7447992 w 8452322"/>
-              <a:gd name="connsiteY1" fmla="*/ 0 h 6858000"/>
-              <a:gd name="connsiteX2" fmla="*/ 7501089 w 8452322"/>
-              <a:gd name="connsiteY2" fmla="*/ 79009 h 6858000"/>
-              <a:gd name="connsiteX3" fmla="*/ 8452322 w 8452322"/>
-              <a:gd name="connsiteY3" fmla="*/ 3429001 h 6858000"/>
-              <a:gd name="connsiteX4" fmla="*/ 7501089 w 8452322"/>
-              <a:gd name="connsiteY4" fmla="*/ 6778993 h 6858000"/>
-              <a:gd name="connsiteX5" fmla="*/ 7447994 w 8452322"/>
-              <a:gd name="connsiteY5" fmla="*/ 6858000 h 6858000"/>
-              <a:gd name="connsiteX6" fmla="*/ 0 w 8452322"/>
-              <a:gd name="connsiteY6" fmla="*/ 6858000 h 6858000"/>
-            </a:gdLst>
-            <a:ahLst/>
-            <a:cxnLst>
-              <a:cxn ang="0">
-                <a:pos x="connsiteX0" y="connsiteY0"/>
-              </a:cxn>
-              <a:cxn ang="0">
-                <a:pos x="connsiteX1" y="connsiteY1"/>
-              </a:cxn>
-              <a:cxn ang="0">
-                <a:pos x="connsiteX2" y="connsiteY2"/>
-              </a:cxn>
-              <a:cxn ang="0">
-                <a:pos x="connsiteX3" y="connsiteY3"/>
-              </a:cxn>
-              <a:cxn ang="0">
-                <a:pos x="connsiteX4" y="connsiteY4"/>
-              </a:cxn>
-              <a:cxn ang="0">
-                <a:pos x="connsiteX5" y="connsiteY5"/>
-              </a:cxn>
-              <a:cxn ang="0">
-                <a:pos x="connsiteX6" y="connsiteY6"/>
-              </a:cxn>
-            </a:cxnLst>
-            <a:rect l="l" t="t" r="r" b="b"/>
-            <a:pathLst>
-              <a:path w="8452322" h="6858000">
-                <a:moveTo>
-                  <a:pt x="0" y="0"/>
-                </a:moveTo>
-                <a:lnTo>
-                  <a:pt x="7447992" y="0"/>
-                </a:lnTo>
-                <a:lnTo>
-                  <a:pt x="7501089" y="79009"/>
-                </a:lnTo>
-                <a:cubicBezTo>
-                  <a:pt x="8098524" y="1013167"/>
-                  <a:pt x="8452322" y="2172770"/>
-                  <a:pt x="8452322" y="3429001"/>
-                </a:cubicBezTo>
-                <a:cubicBezTo>
-                  <a:pt x="8452322" y="4685233"/>
-                  <a:pt x="8098524" y="5844836"/>
-                  <a:pt x="7501089" y="6778993"/>
-                </a:cubicBezTo>
-                <a:lnTo>
-                  <a:pt x="7447994" y="6858000"/>
-                </a:lnTo>
-                <a:lnTo>
-                  <a:pt x="0" y="6858000"/>
-                </a:lnTo>
-                <a:close/>
-              </a:path>
-            </a:pathLst>
-          </a:custGeom>
-          <a:ln w="9525">
-            <a:solidFill>
-              <a:srgbClr val="EFEFEF"/>
-            </a:solidFill>
-          </a:ln>
-          <a:effectLst>
-            <a:outerShdw blurRad="50800" dist="38100" algn="l" rotWithShape="0">
-              <a:schemeClr val="bg1">
-                <a:lumMod val="85000"/>
-                <a:alpha val="50000"/>
-              </a:schemeClr>
-            </a:outerShdw>
-          </a:effectLst>
-        </p:spPr>
-        <p:style>
-          <a:lnRef idx="2">
-            <a:schemeClr val="accent1">
-              <a:shade val="50000"/>
-            </a:schemeClr>
-          </a:lnRef>
-          <a:fillRef idx="1">
-            <a:schemeClr val="accent1"/>
-          </a:fillRef>
-          <a:effectRef idx="0">
-            <a:schemeClr val="accent1"/>
-          </a:effectRef>
-          <a:fontRef idx="minor">
-            <a:schemeClr val="lt1"/>
-          </a:fontRef>
-        </p:style>
-        <p:txBody>
-          <a:bodyPr wrap="square" rtlCol="0" anchor="ctr">
-            <a:noAutofit/>
-          </a:bodyPr>
-          <a:lstStyle/>
-          <a:p>
-            <a:pPr marL="0" marR="0" lvl="0" indent="0" algn="ctr" defTabSz="914400" rtl="0" eaLnBrk="1" fontAlgn="auto" latinLnBrk="0" hangingPunct="1">
-              <a:lnSpc>
-                <a:spcPct val="100000"/>
-              </a:lnSpc>
-              <a:spcBef>
-                <a:spcPts val="0"/>
-              </a:spcBef>
-              <a:spcAft>
-                <a:spcPts val="0"/>
-              </a:spcAft>
-              <a:buClrTx/>
-              <a:buSzTx/>
-              <a:buFontTx/>
-              <a:buNone/>
-              <a:tabLst/>
-              <a:defRPr/>
-            </a:pPr>
-            <a:endParaRPr kumimoji="0" lang="en-US" sz="1800" b="0" i="0" u="none" strike="noStrike" kern="1200" cap="none" spc="0" normalizeH="0" baseline="0" noProof="0">
-              <a:ln>
-                <a:noFill/>
-              </a:ln>
-              <a:solidFill>
-                <a:prstClr val="white"/>
-              </a:solidFill>
-              <a:effectLst/>
-              <a:uLnTx/>
-              <a:uFillTx/>
-              <a:latin typeface="Calibri" panose="020F0502020204030204"/>
-              <a:ea typeface="+mn-ea"/>
-              <a:cs typeface="+mn-cs"/>
-            </a:endParaRPr>
-          </a:p>
-        </p:txBody>
-      </p:sp>
-      <p:sp useBgFill="1">
-        <p:nvSpPr>
-          <p:cNvPr id="18" name="Freeform: Shape 12">
-            <a:extLst>
-              <a:ext uri="{FF2B5EF4-FFF2-40B4-BE49-F238E27FC236}">
-                <a16:creationId xmlns:a16="http://schemas.microsoft.com/office/drawing/2014/main" id="{E20AF01B-D099-4710-BF18-E2832A9B61CF}"/>
-              </a:ext>
-              <a:ext uri="{C183D7F6-B498-43B3-948B-1728B52AA6E4}">
-                <adec:decorative xmlns:adec="http://schemas.microsoft.com/office/drawing/2017/decorative" val="1"/>
-              </a:ext>
-            </a:extLst>
-          </p:cNvPr>
-          <p:cNvSpPr>
-            <a:spLocks noGrp="1" noRot="1" noChangeAspect="1" noMove="1" noResize="1" noEditPoints="1" noAdjustHandles="1" noChangeArrowheads="1" noChangeShapeType="1" noTextEdit="1"/>
-          </p:cNvSpPr>
-          <p:nvPr>
-            <p:extLst>
-              <p:ext uri="{386F3935-93C4-4BCD-93E2-E3B085C9AB24}">
-                <p16:designElem xmlns:p16="http://schemas.microsoft.com/office/powerpoint/2015/main" val="1"/>
-              </p:ext>
-            </p:extLst>
-          </p:nvPr>
-        </p:nvSpPr>
-        <p:spPr>
-          <a:xfrm>
-            <a:off x="0" y="0"/>
-            <a:ext cx="8443572" cy="6858000"/>
-          </a:xfrm>
-          <a:custGeom>
-            <a:avLst/>
-            <a:gdLst>
-              <a:gd name="connsiteX0" fmla="*/ 0 w 8443572"/>
-              <a:gd name="connsiteY0" fmla="*/ 0 h 6858000"/>
-              <a:gd name="connsiteX1" fmla="*/ 7439242 w 8443572"/>
-              <a:gd name="connsiteY1" fmla="*/ 0 h 6858000"/>
-              <a:gd name="connsiteX2" fmla="*/ 7492339 w 8443572"/>
-              <a:gd name="connsiteY2" fmla="*/ 79009 h 6858000"/>
-              <a:gd name="connsiteX3" fmla="*/ 8443572 w 8443572"/>
-              <a:gd name="connsiteY3" fmla="*/ 3429001 h 6858000"/>
-              <a:gd name="connsiteX4" fmla="*/ 7492339 w 8443572"/>
-              <a:gd name="connsiteY4" fmla="*/ 6778993 h 6858000"/>
-              <a:gd name="connsiteX5" fmla="*/ 7439244 w 8443572"/>
-              <a:gd name="connsiteY5" fmla="*/ 6858000 h 6858000"/>
-              <a:gd name="connsiteX6" fmla="*/ 0 w 8443572"/>
-              <a:gd name="connsiteY6" fmla="*/ 6858000 h 6858000"/>
-            </a:gdLst>
-            <a:ahLst/>
-            <a:cxnLst>
-              <a:cxn ang="0">
-                <a:pos x="connsiteX0" y="connsiteY0"/>
-              </a:cxn>
-              <a:cxn ang="0">
-                <a:pos x="connsiteX1" y="connsiteY1"/>
-              </a:cxn>
-              <a:cxn ang="0">
-                <a:pos x="connsiteX2" y="connsiteY2"/>
-              </a:cxn>
-              <a:cxn ang="0">
-                <a:pos x="connsiteX3" y="connsiteY3"/>
-              </a:cxn>
-              <a:cxn ang="0">
-                <a:pos x="connsiteX4" y="connsiteY4"/>
-              </a:cxn>
-              <a:cxn ang="0">
-                <a:pos x="connsiteX5" y="connsiteY5"/>
-              </a:cxn>
-              <a:cxn ang="0">
-                <a:pos x="connsiteX6" y="connsiteY6"/>
-              </a:cxn>
-            </a:cxnLst>
-            <a:rect l="l" t="t" r="r" b="b"/>
-            <a:pathLst>
-              <a:path w="8443572" h="6858000">
-                <a:moveTo>
-                  <a:pt x="0" y="0"/>
-                </a:moveTo>
-                <a:lnTo>
-                  <a:pt x="7439242" y="0"/>
-                </a:lnTo>
-                <a:lnTo>
-                  <a:pt x="7492339" y="79009"/>
-                </a:lnTo>
-                <a:cubicBezTo>
-                  <a:pt x="8089774" y="1013167"/>
-                  <a:pt x="8443572" y="2172770"/>
-                  <a:pt x="8443572" y="3429001"/>
-                </a:cubicBezTo>
-                <a:cubicBezTo>
-                  <a:pt x="8443572" y="4685233"/>
-                  <a:pt x="8089774" y="5844836"/>
-                  <a:pt x="7492339" y="6778993"/>
-                </a:cubicBezTo>
-                <a:lnTo>
-                  <a:pt x="7439244" y="6858000"/>
-                </a:lnTo>
-                <a:lnTo>
-                  <a:pt x="0" y="6858000"/>
-                </a:lnTo>
-                <a:close/>
-              </a:path>
-            </a:pathLst>
-          </a:custGeom>
-          <a:ln w="9525">
-            <a:noFill/>
-          </a:ln>
-          <a:effectLst/>
-        </p:spPr>
-        <p:style>
-          <a:lnRef idx="2">
-            <a:schemeClr val="accent1">
-              <a:shade val="50000"/>
-            </a:schemeClr>
-          </a:lnRef>
-          <a:fillRef idx="1">
-            <a:schemeClr val="accent1"/>
-          </a:fillRef>
-          <a:effectRef idx="0">
-            <a:schemeClr val="accent1"/>
-          </a:effectRef>
-          <a:fontRef idx="minor">
-            <a:schemeClr val="lt1"/>
-          </a:fontRef>
-        </p:style>
-        <p:txBody>
-          <a:bodyPr wrap="square" rtlCol="0" anchor="ctr">
-            <a:noAutofit/>
-          </a:bodyPr>
-          <a:lstStyle/>
-          <a:p>
-            <a:pPr marL="0" marR="0" lvl="0" indent="0" algn="ctr" defTabSz="914400" rtl="0" eaLnBrk="1" fontAlgn="auto" latinLnBrk="0" hangingPunct="1">
-              <a:lnSpc>
-                <a:spcPct val="100000"/>
-              </a:lnSpc>
-              <a:spcBef>
-                <a:spcPts val="0"/>
-              </a:spcBef>
-              <a:spcAft>
-                <a:spcPts val="0"/>
-              </a:spcAft>
-              <a:buClrTx/>
-              <a:buSzTx/>
-              <a:buFontTx/>
-              <a:buNone/>
-              <a:tabLst/>
-              <a:defRPr/>
-            </a:pPr>
-            <a:endParaRPr kumimoji="0" lang="en-US" sz="1800" b="0" i="0" u="none" strike="noStrike" kern="1200" cap="none" spc="0" normalizeH="0" baseline="0" noProof="0">
-              <a:ln>
-                <a:noFill/>
-              </a:ln>
-              <a:solidFill>
-                <a:prstClr val="white"/>
-              </a:solidFill>
-              <a:effectLst/>
-              <a:uLnTx/>
-              <a:uFillTx/>
-              <a:latin typeface="Calibri" panose="020F0502020204030204"/>
-              <a:ea typeface="+mn-ea"/>
-              <a:cs typeface="+mn-cs"/>
-            </a:endParaRPr>
-          </a:p>
-        </p:txBody>
-      </p:sp>
-      <p:sp>
-        <p:nvSpPr>
-          <p:cNvPr id="4" name="Título 1">
-            <a:extLst>
-              <a:ext uri="{FF2B5EF4-FFF2-40B4-BE49-F238E27FC236}">
-                <a16:creationId xmlns:a16="http://schemas.microsoft.com/office/drawing/2014/main" id="{267EB39A-3EE3-E734-AA92-2DEE9BDD5B24}"/>
-              </a:ext>
-            </a:extLst>
-          </p:cNvPr>
-          <p:cNvSpPr txBox="1">
-            <a:spLocks/>
-          </p:cNvSpPr>
-          <p:nvPr/>
-        </p:nvSpPr>
-        <p:spPr>
-          <a:xfrm>
-            <a:off x="616893" y="1238250"/>
-            <a:ext cx="7003107" cy="4381500"/>
-          </a:xfrm>
-          <a:prstGeom prst="rect">
-            <a:avLst/>
-          </a:prstGeom>
-        </p:spPr>
-        <p:txBody>
-          <a:bodyPr vert="horz" lIns="91440" tIns="45720" rIns="91440" bIns="45720" rtlCol="0" anchor="ctr">
-            <a:normAutofit/>
-          </a:bodyPr>
-          <a:lstStyle>
-            <a:lvl1pPr algn="l" defTabSz="914400" rtl="0" eaLnBrk="1" latinLnBrk="0" hangingPunct="1">
-              <a:lnSpc>
-                <a:spcPct val="90000"/>
-              </a:lnSpc>
-              <a:spcBef>
-                <a:spcPct val="0"/>
-              </a:spcBef>
-              <a:buNone/>
-              <a:defRPr sz="4400" kern="1200">
-                <a:solidFill>
-                  <a:schemeClr val="tx1"/>
-                </a:solidFill>
-                <a:latin typeface="+mj-lt"/>
-                <a:ea typeface="+mj-ea"/>
-                <a:cs typeface="+mj-cs"/>
-              </a:defRPr>
-            </a:lvl1pPr>
-          </a:lstStyle>
-          <a:p>
-            <a:pPr>
-              <a:spcAft>
-                <a:spcPts val="600"/>
-              </a:spcAft>
-            </a:pPr>
-            <a:r>
-              <a:rPr lang="en-US" sz="7200" b="1" kern="1200">
-                <a:solidFill>
-                  <a:schemeClr val="tx1"/>
-                </a:solidFill>
-                <a:latin typeface="+mj-lt"/>
-                <a:ea typeface="+mj-ea"/>
-                <a:cs typeface="+mj-cs"/>
-              </a:rPr>
-              <a:t>FIM</a:t>
-            </a:r>
-          </a:p>
-          <a:p>
-            <a:pPr>
-              <a:spcAft>
-                <a:spcPts val="600"/>
-              </a:spcAft>
-            </a:pPr>
-            <a:endParaRPr lang="en-US" sz="7200" b="1" kern="1200">
-              <a:solidFill>
-                <a:schemeClr val="tx1"/>
-              </a:solidFill>
-              <a:latin typeface="+mj-lt"/>
-              <a:ea typeface="+mj-ea"/>
-              <a:cs typeface="+mj-cs"/>
-            </a:endParaRPr>
-          </a:p>
-        </p:txBody>
-      </p:sp>
-      <p:sp>
-        <p:nvSpPr>
-          <p:cNvPr id="15" name="Rectangle 14">
-            <a:extLst>
-              <a:ext uri="{FF2B5EF4-FFF2-40B4-BE49-F238E27FC236}">
-                <a16:creationId xmlns:a16="http://schemas.microsoft.com/office/drawing/2014/main" id="{B0E4BB4F-99AB-4C4E-A763-C5AC5273DF5D}"/>
-              </a:ext>
-              <a:ext uri="{C183D7F6-B498-43B3-948B-1728B52AA6E4}">
-                <adec:decorative xmlns:adec="http://schemas.microsoft.com/office/drawing/2017/decorative" val="1"/>
-              </a:ext>
-            </a:extLst>
-          </p:cNvPr>
-          <p:cNvSpPr>
-            <a:spLocks noGrp="1" noRot="1" noChangeAspect="1" noMove="1" noResize="1" noEditPoints="1" noAdjustHandles="1" noChangeArrowheads="1" noChangeShapeType="1" noTextEdit="1"/>
-          </p:cNvSpPr>
-          <p:nvPr>
-            <p:extLst>
-              <p:ext uri="{386F3935-93C4-4BCD-93E2-E3B085C9AB24}">
-                <p16:designElem xmlns:p16="http://schemas.microsoft.com/office/powerpoint/2015/main" val="1"/>
-              </p:ext>
-            </p:extLst>
-          </p:nvPr>
-        </p:nvSpPr>
-        <p:spPr>
-          <a:xfrm>
-            <a:off x="0" y="2827916"/>
-            <a:ext cx="128016" cy="1188720"/>
-          </a:xfrm>
-          <a:prstGeom prst="rect">
-            <a:avLst/>
-          </a:prstGeom>
-          <a:solidFill>
-            <a:schemeClr val="accent2"/>
-          </a:solidFill>
-          <a:ln>
-            <a:noFill/>
-          </a:ln>
-        </p:spPr>
-        <p:style>
-          <a:lnRef idx="2">
-            <a:schemeClr val="accent1">
-              <a:shade val="50000"/>
-            </a:schemeClr>
-          </a:lnRef>
-          <a:fillRef idx="1">
-            <a:schemeClr val="accent1"/>
-          </a:fillRef>
-          <a:effectRef idx="0">
-            <a:schemeClr val="accent1"/>
-          </a:effectRef>
-          <a:fontRef idx="minor">
-            <a:schemeClr val="lt1"/>
-          </a:fontRef>
-        </p:style>
-        <p:txBody>
-          <a:bodyPr rtlCol="0" anchor="ctr"/>
-          <a:lstStyle/>
-          <a:p>
-            <a:pPr marL="0" marR="0" lvl="0" indent="0" algn="ctr" defTabSz="914400" rtl="0" eaLnBrk="1" fontAlgn="auto" latinLnBrk="0" hangingPunct="1">
-              <a:lnSpc>
-                <a:spcPct val="100000"/>
-              </a:lnSpc>
-              <a:spcBef>
-                <a:spcPts val="0"/>
-              </a:spcBef>
-              <a:spcAft>
-                <a:spcPts val="0"/>
-              </a:spcAft>
-              <a:buClrTx/>
-              <a:buSzTx/>
-              <a:buFontTx/>
-              <a:buNone/>
-              <a:tabLst/>
-              <a:defRPr/>
-            </a:pPr>
-            <a:endParaRPr kumimoji="0" lang="en-US" sz="1800" b="0" i="0" u="none" strike="noStrike" kern="1200" cap="none" spc="0" normalizeH="0" baseline="0" noProof="0">
-              <a:ln>
-                <a:noFill/>
-              </a:ln>
-              <a:solidFill>
-                <a:prstClr val="white"/>
-              </a:solidFill>
-              <a:effectLst/>
-              <a:uLnTx/>
-              <a:uFillTx/>
-              <a:latin typeface="Calibri" panose="020F0502020204030204"/>
-              <a:ea typeface="+mn-ea"/>
-              <a:cs typeface="+mn-cs"/>
-            </a:endParaRPr>
-          </a:p>
-        </p:txBody>
-      </p:sp>
-    </p:spTree>
-    <p:extLst>
-      <p:ext uri="{BB962C8B-B14F-4D97-AF65-F5344CB8AC3E}">
-        <p14:creationId xmlns:p14="http://schemas.microsoft.com/office/powerpoint/2010/main" val="2369470136"/>
-      </p:ext>
-    </p:extLst>
-  </p:cSld>
-  <p:clrMapOvr>
-    <a:masterClrMapping/>
-  </p:clrMapOvr>
-</p:sld>
-</file>
-
-<file path=ppt/slides/slide2.xml><?xml version="1.0" encoding="utf-8"?>
-<p:sld xmlns:a="http://schemas.openxmlformats.org/drawingml/2006/main" xmlns:r="http://schemas.openxmlformats.org/officeDocument/2006/relationships" xmlns:p="http://schemas.openxmlformats.org/presentationml/2006/main">
-  <p:cSld>
-    <p:bg>
-      <p:bgPr>
-        <a:solidFill>
-          <a:schemeClr val="bg1"/>
-        </a:solidFill>
-        <a:effectLst/>
-      </p:bgPr>
-    </p:bg>
-    <p:spTree>
-      <p:nvGrpSpPr>
-        <p:cNvPr id="1" name=""/>
-        <p:cNvGrpSpPr/>
-        <p:nvPr/>
-      </p:nvGrpSpPr>
-      <p:grpSpPr>
-        <a:xfrm>
-          <a:off x="0" y="0"/>
-          <a:ext cx="0" cy="0"/>
-          <a:chOff x="0" y="0"/>
-          <a:chExt cx="0" cy="0"/>
-        </a:xfrm>
-      </p:grpSpPr>
-      <p:sp useBgFill="1">
-        <p:nvSpPr>
-          <p:cNvPr id="8" name="Rectangle 7">
-            <a:extLst>
-              <a:ext uri="{FF2B5EF4-FFF2-40B4-BE49-F238E27FC236}">
-                <a16:creationId xmlns:a16="http://schemas.microsoft.com/office/drawing/2014/main" id="{C2554CA6-288E-4202-BC52-2E5A8F0C0AED}"/>
-              </a:ext>
-              <a:ext uri="{C183D7F6-B498-43B3-948B-1728B52AA6E4}">
-                <adec:decorative xmlns:adec="http://schemas.microsoft.com/office/drawing/2017/decorative" val="1"/>
-              </a:ext>
-            </a:extLst>
-          </p:cNvPr>
-          <p:cNvSpPr>
-            <a:spLocks noGrp="1" noRot="1" noChangeAspect="1" noMove="1" noResize="1" noEditPoints="1" noAdjustHandles="1" noChangeArrowheads="1" noChangeShapeType="1" noTextEdit="1"/>
-          </p:cNvSpPr>
-          <p:nvPr>
-            <p:extLst>
-              <p:ext uri="{386F3935-93C4-4BCD-93E2-E3B085C9AB24}">
-                <p16:designElem xmlns:p16="http://schemas.microsoft.com/office/powerpoint/2015/main" val="1"/>
-              </p:ext>
-            </p:extLst>
-          </p:nvPr>
-        </p:nvSpPr>
-        <p:spPr>
-          <a:xfrm>
-            <a:off x="3048" y="0"/>
-            <a:ext cx="12188952" cy="6858000"/>
-          </a:xfrm>
-          <a:prstGeom prst="rect">
-            <a:avLst/>
-          </a:prstGeom>
-          <a:ln>
-            <a:noFill/>
-          </a:ln>
-        </p:spPr>
-        <p:style>
-          <a:lnRef idx="2">
-            <a:schemeClr val="accent1">
-              <a:shade val="50000"/>
-            </a:schemeClr>
-          </a:lnRef>
-          <a:fillRef idx="1">
-            <a:schemeClr val="accent1"/>
-          </a:fillRef>
-          <a:effectRef idx="0">
-            <a:schemeClr val="accent1"/>
-          </a:effectRef>
-          <a:fontRef idx="minor">
-            <a:schemeClr val="lt1"/>
-          </a:fontRef>
-        </p:style>
-        <p:txBody>
-          <a:bodyPr rtlCol="0" anchor="ctr"/>
-          <a:lstStyle/>
-          <a:p>
-            <a:pPr algn="ctr"/>
-            <a:endParaRPr lang="en-US"/>
-          </a:p>
-        </p:txBody>
-      </p:sp>
-      <p:sp>
-        <p:nvSpPr>
-          <p:cNvPr id="10" name="Oval 9">
-            <a:extLst>
-              <a:ext uri="{FF2B5EF4-FFF2-40B4-BE49-F238E27FC236}">
-                <a16:creationId xmlns:a16="http://schemas.microsoft.com/office/drawing/2014/main" id="{B10BB131-AC8E-4A8E-A5D1-36260F720C3B}"/>
-              </a:ext>
-              <a:ext uri="{C183D7F6-B498-43B3-948B-1728B52AA6E4}">
-                <adec:decorative xmlns:adec="http://schemas.microsoft.com/office/drawing/2017/decorative" val="1"/>
-              </a:ext>
-            </a:extLst>
-          </p:cNvPr>
-          <p:cNvSpPr>
-            <a:spLocks noGrp="1" noRot="1" noChangeAspect="1" noMove="1" noResize="1" noEditPoints="1" noAdjustHandles="1" noChangeArrowheads="1" noChangeShapeType="1" noTextEdit="1"/>
-          </p:cNvSpPr>
-          <p:nvPr>
-            <p:extLst>
-              <p:ext uri="{386F3935-93C4-4BCD-93E2-E3B085C9AB24}">
-                <p16:designElem xmlns:p16="http://schemas.microsoft.com/office/powerpoint/2015/main" val="1"/>
-              </p:ext>
-            </p:extLst>
-          </p:nvPr>
-        </p:nvSpPr>
-        <p:spPr>
-          <a:xfrm>
-            <a:off x="489189" y="1119031"/>
-            <a:ext cx="4619938" cy="4619938"/>
-          </a:xfrm>
-          <a:prstGeom prst="ellipse">
-            <a:avLst/>
-          </a:prstGeom>
-          <a:solidFill>
-            <a:schemeClr val="accent2"/>
-          </a:solidFill>
-          <a:ln>
-            <a:noFill/>
-          </a:ln>
-        </p:spPr>
-        <p:style>
-          <a:lnRef idx="2">
-            <a:schemeClr val="accent1">
-              <a:shade val="50000"/>
-            </a:schemeClr>
-          </a:lnRef>
-          <a:fillRef idx="1">
-            <a:schemeClr val="accent1"/>
-          </a:fillRef>
-          <a:effectRef idx="0">
-            <a:schemeClr val="accent1"/>
-          </a:effectRef>
-          <a:fontRef idx="minor">
-            <a:schemeClr val="lt1"/>
-          </a:fontRef>
-        </p:style>
-        <p:txBody>
-          <a:bodyPr rtlCol="0" anchor="ctr"/>
-          <a:lstStyle/>
-          <a:p>
-            <a:pPr algn="ctr"/>
-            <a:endParaRPr lang="en-US"/>
-          </a:p>
-        </p:txBody>
-      </p:sp>
-      <p:sp>
-        <p:nvSpPr>
-          <p:cNvPr id="2" name="Título 1">
-            <a:extLst>
-              <a:ext uri="{FF2B5EF4-FFF2-40B4-BE49-F238E27FC236}">
-                <a16:creationId xmlns:a16="http://schemas.microsoft.com/office/drawing/2014/main" id="{F2DEAC58-31B1-29B6-B8C9-305D4E81E423}"/>
-              </a:ext>
-            </a:extLst>
-          </p:cNvPr>
-          <p:cNvSpPr>
-            <a:spLocks noGrp="1"/>
-          </p:cNvSpPr>
-          <p:nvPr>
-            <p:ph type="title"/>
-          </p:nvPr>
-        </p:nvSpPr>
-        <p:spPr>
-          <a:xfrm>
-            <a:off x="1456148" y="1396686"/>
-            <a:ext cx="3240506" cy="4064628"/>
-          </a:xfrm>
-        </p:spPr>
-        <p:txBody>
-          <a:bodyPr>
-            <a:normAutofit/>
-          </a:bodyPr>
-          <a:lstStyle/>
-          <a:p>
-            <a:r>
-              <a:rPr lang="pt-BR" dirty="0">
-                <a:solidFill>
-                  <a:srgbClr val="FFFFFF"/>
-                </a:solidFill>
-              </a:rPr>
-              <a:t>MERCADO</a:t>
-            </a:r>
-          </a:p>
-        </p:txBody>
-      </p:sp>
-      <p:sp>
-        <p:nvSpPr>
-          <p:cNvPr id="12" name="Arc 11">
-            <a:extLst>
-              <a:ext uri="{FF2B5EF4-FFF2-40B4-BE49-F238E27FC236}">
-                <a16:creationId xmlns:a16="http://schemas.microsoft.com/office/drawing/2014/main" id="{5B7778FC-632E-4DCA-A7CB-0D7731CCF970}"/>
-              </a:ext>
-              <a:ext uri="{C183D7F6-B498-43B3-948B-1728B52AA6E4}">
-                <adec:decorative xmlns:adec="http://schemas.microsoft.com/office/drawing/2017/decorative" val="1"/>
-              </a:ext>
-            </a:extLst>
-          </p:cNvPr>
-          <p:cNvSpPr>
-            <a:spLocks noGrp="1" noRot="1" noChangeAspect="1" noMove="1" noResize="1" noEditPoints="1" noAdjustHandles="1" noChangeArrowheads="1" noChangeShapeType="1" noTextEdit="1"/>
-          </p:cNvSpPr>
-          <p:nvPr>
-            <p:extLst>
-              <p:ext uri="{386F3935-93C4-4BCD-93E2-E3B085C9AB24}">
-                <p16:designElem xmlns:p16="http://schemas.microsoft.com/office/powerpoint/2015/main" val="1"/>
-              </p:ext>
-            </p:extLst>
-          </p:nvPr>
-        </p:nvSpPr>
-        <p:spPr>
-          <a:xfrm rot="19809111">
-            <a:off x="8683720" y="941148"/>
-            <a:ext cx="2987899" cy="2987899"/>
-          </a:xfrm>
-          <a:prstGeom prst="arc">
-            <a:avLst>
-              <a:gd name="adj1" fmla="val 15817365"/>
-              <a:gd name="adj2" fmla="val 1781380"/>
-            </a:avLst>
-          </a:prstGeom>
-          <a:ln w="127000" cap="rnd">
-            <a:solidFill>
-              <a:schemeClr val="accent4"/>
-            </a:solidFill>
-            <a:prstDash val="dash"/>
-            <a:miter lim="800000"/>
-          </a:ln>
-        </p:spPr>
-        <p:style>
-          <a:lnRef idx="1">
-            <a:schemeClr val="accent1"/>
-          </a:lnRef>
-          <a:fillRef idx="0">
-            <a:schemeClr val="accent1"/>
-          </a:fillRef>
-          <a:effectRef idx="0">
-            <a:schemeClr val="accent1"/>
-          </a:effectRef>
-          <a:fontRef idx="minor">
-            <a:schemeClr val="tx1"/>
-          </a:fontRef>
-        </p:style>
-        <p:txBody>
-          <a:bodyPr rtlCol="0" anchor="ctr"/>
-          <a:lstStyle/>
-          <a:p>
-            <a:pPr marL="0" marR="0" lvl="0" indent="0" algn="ctr" defTabSz="914400" rtl="0" eaLnBrk="1" fontAlgn="auto" latinLnBrk="0" hangingPunct="1">
-              <a:lnSpc>
-                <a:spcPct val="100000"/>
-              </a:lnSpc>
-              <a:spcBef>
-                <a:spcPts val="0"/>
-              </a:spcBef>
-              <a:spcAft>
-                <a:spcPts val="0"/>
-              </a:spcAft>
-              <a:buClrTx/>
-              <a:buSzTx/>
-              <a:buFontTx/>
-              <a:buNone/>
-              <a:tabLst/>
-              <a:defRPr/>
-            </a:pPr>
-            <a:endParaRPr kumimoji="0" lang="en-US" sz="1800" b="0" i="0" u="none" strike="noStrike" kern="1200" cap="none" spc="0" normalizeH="0" baseline="0" noProof="0">
-              <a:ln>
-                <a:noFill/>
-              </a:ln>
-              <a:solidFill>
-                <a:srgbClr val="000000"/>
-              </a:solidFill>
-              <a:effectLst/>
-              <a:uLnTx/>
-              <a:uFillTx/>
-              <a:latin typeface="Calibri" panose="020F0502020204030204"/>
-              <a:ea typeface="+mn-ea"/>
-              <a:cs typeface="+mn-cs"/>
-            </a:endParaRPr>
-          </a:p>
-        </p:txBody>
-      </p:sp>
-      <p:sp>
-        <p:nvSpPr>
-          <p:cNvPr id="14" name="Oval 13">
-            <a:extLst>
-              <a:ext uri="{FF2B5EF4-FFF2-40B4-BE49-F238E27FC236}">
-                <a16:creationId xmlns:a16="http://schemas.microsoft.com/office/drawing/2014/main" id="{FA23A907-97FB-4A8F-880A-DD77401C4296}"/>
-              </a:ext>
-              <a:ext uri="{C183D7F6-B498-43B3-948B-1728B52AA6E4}">
-                <adec:decorative xmlns:adec="http://schemas.microsoft.com/office/drawing/2017/decorative" val="1"/>
-              </a:ext>
-            </a:extLst>
-          </p:cNvPr>
-          <p:cNvSpPr>
-            <a:spLocks noGrp="1" noRot="1" noChangeAspect="1" noMove="1" noResize="1" noEditPoints="1" noAdjustHandles="1" noChangeArrowheads="1" noChangeShapeType="1" noTextEdit="1"/>
-          </p:cNvSpPr>
-          <p:nvPr>
-            <p:extLst>
-              <p:ext uri="{386F3935-93C4-4BCD-93E2-E3B085C9AB24}">
-                <p16:designElem xmlns:p16="http://schemas.microsoft.com/office/powerpoint/2015/main" val="1"/>
-              </p:ext>
-            </p:extLst>
-          </p:nvPr>
-        </p:nvSpPr>
-        <p:spPr>
-          <a:xfrm>
-            <a:off x="910048" y="4780992"/>
-            <a:ext cx="546100" cy="546100"/>
-          </a:xfrm>
-          <a:prstGeom prst="ellipse">
-            <a:avLst/>
-          </a:prstGeom>
-          <a:solidFill>
-            <a:schemeClr val="accent5"/>
-          </a:solidFill>
-          <a:ln>
-            <a:noFill/>
-          </a:ln>
-        </p:spPr>
-        <p:style>
-          <a:lnRef idx="2">
-            <a:schemeClr val="accent1">
-              <a:shade val="50000"/>
-            </a:schemeClr>
-          </a:lnRef>
-          <a:fillRef idx="1">
-            <a:schemeClr val="accent1"/>
-          </a:fillRef>
-          <a:effectRef idx="0">
-            <a:schemeClr val="accent1"/>
-          </a:effectRef>
-          <a:fontRef idx="minor">
-            <a:schemeClr val="lt1"/>
-          </a:fontRef>
-        </p:style>
-        <p:txBody>
-          <a:bodyPr rtlCol="0" anchor="ctr"/>
-          <a:lstStyle/>
-          <a:p>
-            <a:pPr marL="0" marR="0" lvl="0" indent="0" algn="ctr" defTabSz="914400" rtl="0" eaLnBrk="1" fontAlgn="auto" latinLnBrk="0" hangingPunct="1">
-              <a:lnSpc>
-                <a:spcPct val="100000"/>
-              </a:lnSpc>
-              <a:spcBef>
-                <a:spcPts val="0"/>
-              </a:spcBef>
-              <a:spcAft>
-                <a:spcPts val="0"/>
-              </a:spcAft>
-              <a:buClrTx/>
-              <a:buSzTx/>
-              <a:buFontTx/>
-              <a:buNone/>
-              <a:tabLst/>
-              <a:defRPr/>
-            </a:pPr>
-            <a:endParaRPr kumimoji="0" lang="en-US" sz="1800" b="0" i="0" u="none" strike="noStrike" kern="1200" cap="none" spc="0" normalizeH="0" baseline="0" noProof="0">
-              <a:ln>
-                <a:noFill/>
-              </a:ln>
-              <a:solidFill>
-                <a:srgbClr val="FFFFFF"/>
-              </a:solidFill>
-              <a:effectLst/>
-              <a:uLnTx/>
-              <a:uFillTx/>
-              <a:latin typeface="Calibri" panose="020F0502020204030204"/>
-              <a:ea typeface="+mn-ea"/>
-              <a:cs typeface="+mn-cs"/>
-            </a:endParaRPr>
-          </a:p>
-        </p:txBody>
-      </p:sp>
-      <p:sp>
-        <p:nvSpPr>
-          <p:cNvPr id="3" name="Espaço Reservado para Conteúdo 2">
-            <a:extLst>
-              <a:ext uri="{FF2B5EF4-FFF2-40B4-BE49-F238E27FC236}">
-                <a16:creationId xmlns:a16="http://schemas.microsoft.com/office/drawing/2014/main" id="{CA04B218-8252-59AF-232C-17C83AF910E4}"/>
-              </a:ext>
-            </a:extLst>
-          </p:cNvPr>
-          <p:cNvSpPr>
-            <a:spLocks noGrp="1"/>
-          </p:cNvSpPr>
-          <p:nvPr>
-            <p:ph idx="1"/>
-          </p:nvPr>
-        </p:nvSpPr>
-        <p:spPr>
-          <a:xfrm>
-            <a:off x="5402017" y="1954809"/>
-            <a:ext cx="5536397" cy="2948382"/>
-          </a:xfrm>
-        </p:spPr>
-        <p:txBody>
-          <a:bodyPr>
-            <a:normAutofit/>
-          </a:bodyPr>
-          <a:lstStyle/>
-          <a:p>
-            <a:pPr marL="0" indent="0">
-              <a:buNone/>
-            </a:pPr>
-            <a:r>
-              <a:rPr lang="pt-BR" dirty="0"/>
-              <a:t>O mercado proposto é o de vendas de produtos de tech. Esse é um mercado que atende tanto empresas quanto consumidores finais que necessitam desses produtos para trabalho, estudo ou uso pessoal.</a:t>
-            </a:r>
-          </a:p>
-        </p:txBody>
-      </p:sp>
-    </p:spTree>
-    <p:extLst>
-      <p:ext uri="{BB962C8B-B14F-4D97-AF65-F5344CB8AC3E}">
-        <p14:creationId xmlns:p14="http://schemas.microsoft.com/office/powerpoint/2010/main" val="3371705994"/>
-      </p:ext>
-    </p:extLst>
-  </p:cSld>
-  <p:clrMapOvr>
-    <a:masterClrMapping/>
-  </p:clrMapOvr>
-</p:sld>
-</file>
-
-<file path=ppt/slides/slide3.xml><?xml version="1.0" encoding="utf-8"?>
-<p:sld xmlns:a="http://schemas.openxmlformats.org/drawingml/2006/main" xmlns:r="http://schemas.openxmlformats.org/officeDocument/2006/relationships" xmlns:p="http://schemas.openxmlformats.org/presentationml/2006/main">
-  <p:cSld>
-    <p:bg>
-      <p:bgPr>
-        <a:solidFill>
-          <a:schemeClr val="bg1"/>
-        </a:solidFill>
-        <a:effectLst/>
-      </p:bgPr>
-    </p:bg>
-    <p:spTree>
-      <p:nvGrpSpPr>
-        <p:cNvPr id="1" name="">
-          <a:extLst>
-            <a:ext uri="{FF2B5EF4-FFF2-40B4-BE49-F238E27FC236}">
-              <a16:creationId xmlns:a16="http://schemas.microsoft.com/office/drawing/2014/main" id="{19C20CC4-0394-11EC-0A5E-E7CE9144AA17}"/>
-            </a:ext>
-          </a:extLst>
-        </p:cNvPr>
-        <p:cNvGrpSpPr/>
-        <p:nvPr/>
-      </p:nvGrpSpPr>
-      <p:grpSpPr>
-        <a:xfrm>
-          <a:off x="0" y="0"/>
-          <a:ext cx="0" cy="0"/>
-          <a:chOff x="0" y="0"/>
-          <a:chExt cx="0" cy="0"/>
-        </a:xfrm>
-      </p:grpSpPr>
-      <p:sp useBgFill="1">
-        <p:nvSpPr>
-          <p:cNvPr id="39" name="Rectangle 38">
-            <a:extLst>
-              <a:ext uri="{FF2B5EF4-FFF2-40B4-BE49-F238E27FC236}">
-                <a16:creationId xmlns:a16="http://schemas.microsoft.com/office/drawing/2014/main" id="{D21AE37A-A312-2FF3-EECF-B8F6F089E6C8}"/>
-              </a:ext>
-              <a:ext uri="{C183D7F6-B498-43B3-948B-1728B52AA6E4}">
-                <adec:decorative xmlns:adec="http://schemas.microsoft.com/office/drawing/2017/decorative" val="1"/>
-              </a:ext>
-            </a:extLst>
-          </p:cNvPr>
-          <p:cNvSpPr>
-            <a:spLocks noGrp="1" noRot="1" noChangeAspect="1" noMove="1" noResize="1" noEditPoints="1" noAdjustHandles="1" noChangeArrowheads="1" noChangeShapeType="1" noTextEdit="1"/>
-          </p:cNvSpPr>
-          <p:nvPr>
-            <p:extLst>
-              <p:ext uri="{386F3935-93C4-4BCD-93E2-E3B085C9AB24}">
-                <p16:designElem xmlns:p16="http://schemas.microsoft.com/office/powerpoint/2015/main" val="1"/>
-              </p:ext>
-            </p:extLst>
-          </p:nvPr>
-        </p:nvSpPr>
-        <p:spPr>
-          <a:xfrm>
-            <a:off x="0" y="0"/>
-            <a:ext cx="12192000" cy="6858000"/>
-          </a:xfrm>
-          <a:prstGeom prst="rect">
-            <a:avLst/>
-          </a:prstGeom>
-          <a:ln>
-            <a:noFill/>
-          </a:ln>
-        </p:spPr>
-        <p:style>
-          <a:lnRef idx="2">
-            <a:schemeClr val="accent1">
-              <a:shade val="50000"/>
-            </a:schemeClr>
-          </a:lnRef>
-          <a:fillRef idx="1">
-            <a:schemeClr val="accent1"/>
-          </a:fillRef>
-          <a:effectRef idx="0">
-            <a:schemeClr val="accent1"/>
-          </a:effectRef>
-          <a:fontRef idx="minor">
-            <a:schemeClr val="lt1"/>
-          </a:fontRef>
-        </p:style>
-        <p:txBody>
-          <a:bodyPr rtlCol="0" anchor="ctr"/>
-          <a:lstStyle/>
-          <a:p>
-            <a:pPr algn="ctr"/>
-            <a:endParaRPr lang="en-US"/>
-          </a:p>
-        </p:txBody>
-      </p:sp>
-      <p:sp useBgFill="1">
-        <p:nvSpPr>
-          <p:cNvPr id="41" name="Rectangle 40">
-            <a:extLst>
-              <a:ext uri="{FF2B5EF4-FFF2-40B4-BE49-F238E27FC236}">
-                <a16:creationId xmlns:a16="http://schemas.microsoft.com/office/drawing/2014/main" id="{A8899F5E-E4FE-3BC4-4C39-6C9824678972}"/>
+          <p:cNvPr id="46" name="Rectangle 45">
+            <a:extLst>
+              <a:ext uri="{FF2B5EF4-FFF2-40B4-BE49-F238E27FC236}">
+                <a16:creationId xmlns:a16="http://schemas.microsoft.com/office/drawing/2014/main" id="{A3473CF9-37EB-43E7-89EF-D2D1C53D1DAC}"/>
               </a:ext>
               <a:ext uri="{C183D7F6-B498-43B3-948B-1728B52AA6E4}">
                 <adec:decorative xmlns:adec="http://schemas.microsoft.com/office/drawing/2017/decorative" val="1"/>
@@ -7651,7 +8921,7 @@
           <p:cNvPr id="2" name="Título 1">
             <a:extLst>
               <a:ext uri="{FF2B5EF4-FFF2-40B4-BE49-F238E27FC236}">
-                <a16:creationId xmlns:a16="http://schemas.microsoft.com/office/drawing/2014/main" id="{50F8BCB0-0982-47AD-E133-164A321FAB41}"/>
+                <a16:creationId xmlns:a16="http://schemas.microsoft.com/office/drawing/2014/main" id="{6DB32292-C623-EEAB-F99A-1A318F82B6CE}"/>
               </a:ext>
             </a:extLst>
           </p:cNvPr>
@@ -7684,17 +8954,17 @@
                 <a:ea typeface="+mj-ea"/>
                 <a:cs typeface="+mj-cs"/>
               </a:rPr>
-              <a:t>PROBLEMA x SOLUÇÃO</a:t>
+              <a:t>ARQUITETURA</a:t>
             </a:r>
           </a:p>
         </p:txBody>
       </p:sp>
       <p:sp>
         <p:nvSpPr>
-          <p:cNvPr id="43" name="Rectangle: Rounded Corners 42">
-            <a:extLst>
-              <a:ext uri="{FF2B5EF4-FFF2-40B4-BE49-F238E27FC236}">
-                <a16:creationId xmlns:a16="http://schemas.microsoft.com/office/drawing/2014/main" id="{D6F0E1B5-B7DA-12CE-7C33-A9DA70E2C68D}"/>
+          <p:cNvPr id="48" name="Rectangle: Rounded Corners 47">
+            <a:extLst>
+              <a:ext uri="{FF2B5EF4-FFF2-40B4-BE49-F238E27FC236}">
+                <a16:creationId xmlns:a16="http://schemas.microsoft.com/office/drawing/2014/main" id="{586B4EF9-43BA-4655-A6FF-1D8E21574C95}"/>
               </a:ext>
               <a:ext uri="{C183D7F6-B498-43B3-948B-1728B52AA6E4}">
                 <adec:decorative xmlns:adec="http://schemas.microsoft.com/office/drawing/2017/decorative" val="1"/>
@@ -7759,855 +9029,6 @@
           </a:p>
         </p:txBody>
       </p:sp>
-      <p:sp>
-        <p:nvSpPr>
-          <p:cNvPr id="3" name="Espaço Reservado para Conteúdo 2">
-            <a:extLst>
-              <a:ext uri="{FF2B5EF4-FFF2-40B4-BE49-F238E27FC236}">
-                <a16:creationId xmlns:a16="http://schemas.microsoft.com/office/drawing/2014/main" id="{149AA2D2-3DB9-1668-FF19-ECE9E11F5CBF}"/>
-              </a:ext>
-            </a:extLst>
-          </p:cNvPr>
-          <p:cNvSpPr>
-            <a:spLocks noGrp="1"/>
-          </p:cNvSpPr>
-          <p:nvPr>
-            <p:ph idx="1"/>
-          </p:nvPr>
-        </p:nvSpPr>
-        <p:spPr>
-          <a:xfrm>
-            <a:off x="1041723" y="2569748"/>
-            <a:ext cx="10590834" cy="3615710"/>
-          </a:xfrm>
-        </p:spPr>
-        <p:txBody>
-          <a:bodyPr>
-            <a:normAutofit lnSpcReduction="10000"/>
-          </a:bodyPr>
-          <a:lstStyle/>
-          <a:p>
-            <a:pPr marL="0" indent="0">
-              <a:buNone/>
-            </a:pPr>
-            <a:r>
-              <a:rPr lang="pt-BR" dirty="0">
-                <a:solidFill>
-                  <a:srgbClr val="1F2328"/>
-                </a:solidFill>
-                <a:latin typeface="-apple-system"/>
-              </a:rPr>
-              <a:t>Problema:</a:t>
-            </a:r>
-          </a:p>
-          <a:p>
-            <a:pPr marL="0" indent="0">
-              <a:buNone/>
-            </a:pPr>
-            <a:r>
-              <a:rPr lang="pt-BR" dirty="0">
-                <a:solidFill>
-                  <a:srgbClr val="1F2328"/>
-                </a:solidFill>
-                <a:latin typeface="-apple-system"/>
-              </a:rPr>
-              <a:t>F</a:t>
-            </a:r>
-            <a:r>
-              <a:rPr lang="pt-BR" b="0" i="0" dirty="0">
-                <a:solidFill>
-                  <a:srgbClr val="1F2328"/>
-                </a:solidFill>
-                <a:effectLst/>
-                <a:latin typeface="-apple-system"/>
-              </a:rPr>
-              <a:t>alta de visibilidade e análise eficiente sobre as vendas dos produtos. </a:t>
-            </a:r>
-          </a:p>
-          <a:p>
-            <a:pPr marL="0" indent="0">
-              <a:buNone/>
-            </a:pPr>
-            <a:endParaRPr lang="pt-BR" b="0" i="0" dirty="0">
-              <a:solidFill>
-                <a:srgbClr val="1F2328"/>
-              </a:solidFill>
-              <a:effectLst/>
-              <a:latin typeface="-apple-system"/>
-            </a:endParaRPr>
-          </a:p>
-          <a:p>
-            <a:pPr marL="0" indent="0">
-              <a:buNone/>
-            </a:pPr>
-            <a:r>
-              <a:rPr lang="pt-BR" b="0" i="0" dirty="0">
-                <a:solidFill>
-                  <a:srgbClr val="1F2328"/>
-                </a:solidFill>
-                <a:effectLst/>
-                <a:latin typeface="-apple-system"/>
-              </a:rPr>
-              <a:t>Solução:</a:t>
-            </a:r>
-          </a:p>
-          <a:p>
-            <a:pPr marL="0" indent="0">
-              <a:buNone/>
-            </a:pPr>
-            <a:r>
-              <a:rPr lang="pt-BR" b="0" i="0">
-                <a:solidFill>
-                  <a:srgbClr val="1F2328"/>
-                </a:solidFill>
-                <a:effectLst/>
-                <a:latin typeface="-apple-system"/>
-              </a:rPr>
-              <a:t>Criação de Pipeline </a:t>
-            </a:r>
-            <a:r>
-              <a:rPr lang="pt-BR" b="0" i="0" dirty="0">
-                <a:solidFill>
-                  <a:srgbClr val="1F2328"/>
-                </a:solidFill>
-                <a:effectLst/>
-                <a:latin typeface="-apple-system"/>
-              </a:rPr>
-              <a:t>de dados e dashboards:</a:t>
-            </a:r>
-          </a:p>
-          <a:p>
-            <a:pPr lvl="1"/>
-            <a:r>
-              <a:rPr lang="pt-BR" b="0" i="0" dirty="0">
-                <a:solidFill>
-                  <a:srgbClr val="1F2328"/>
-                </a:solidFill>
-                <a:effectLst/>
-                <a:latin typeface="-apple-system"/>
-              </a:rPr>
-              <a:t>Quais produtos estão performando melhor?</a:t>
-            </a:r>
-          </a:p>
-          <a:p>
-            <a:pPr lvl="1"/>
-            <a:r>
-              <a:rPr lang="pt-BR" dirty="0">
-                <a:solidFill>
-                  <a:srgbClr val="1F2328"/>
-                </a:solidFill>
-                <a:latin typeface="-apple-system"/>
-              </a:rPr>
-              <a:t>I</a:t>
-            </a:r>
-            <a:r>
-              <a:rPr lang="pt-BR" b="0" i="0" dirty="0">
-                <a:solidFill>
-                  <a:srgbClr val="1F2328"/>
-                </a:solidFill>
-                <a:effectLst/>
-                <a:latin typeface="-apple-system"/>
-              </a:rPr>
-              <a:t>dentificar tendências de vendas</a:t>
-            </a:r>
-          </a:p>
-          <a:p>
-            <a:pPr lvl="1"/>
-            <a:r>
-              <a:rPr lang="pt-BR" dirty="0">
-                <a:solidFill>
-                  <a:srgbClr val="1F2328"/>
-                </a:solidFill>
-                <a:latin typeface="-apple-system"/>
-              </a:rPr>
-              <a:t>O</a:t>
-            </a:r>
-            <a:r>
-              <a:rPr lang="pt-BR" b="0" i="0" dirty="0">
-                <a:solidFill>
-                  <a:srgbClr val="1F2328"/>
-                </a:solidFill>
-                <a:effectLst/>
-                <a:latin typeface="-apple-system"/>
-              </a:rPr>
-              <a:t>timizar estoques, e melhorar a tomada de decisões</a:t>
-            </a:r>
-            <a:endParaRPr lang="pt-BR" dirty="0"/>
-          </a:p>
-        </p:txBody>
-      </p:sp>
-    </p:spTree>
-    <p:extLst>
-      <p:ext uri="{BB962C8B-B14F-4D97-AF65-F5344CB8AC3E}">
-        <p14:creationId xmlns:p14="http://schemas.microsoft.com/office/powerpoint/2010/main" val="1659952087"/>
-      </p:ext>
-    </p:extLst>
-  </p:cSld>
-  <p:clrMapOvr>
-    <a:masterClrMapping/>
-  </p:clrMapOvr>
-</p:sld>
-</file>
-
-<file path=ppt/slides/slide4.xml><?xml version="1.0" encoding="utf-8"?>
-<p:sld xmlns:a="http://schemas.openxmlformats.org/drawingml/2006/main" xmlns:r="http://schemas.openxmlformats.org/officeDocument/2006/relationships" xmlns:p="http://schemas.openxmlformats.org/presentationml/2006/main">
-  <p:cSld>
-    <p:bg>
-      <p:bgPr>
-        <a:solidFill>
-          <a:schemeClr val="bg1"/>
-        </a:solidFill>
-        <a:effectLst/>
-      </p:bgPr>
-    </p:bg>
-    <p:spTree>
-      <p:nvGrpSpPr>
-        <p:cNvPr id="1" name="">
-          <a:extLst>
-            <a:ext uri="{FF2B5EF4-FFF2-40B4-BE49-F238E27FC236}">
-              <a16:creationId xmlns:a16="http://schemas.microsoft.com/office/drawing/2014/main" id="{7FC69E35-EA79-1F3E-221B-5F48CFCC1426}"/>
-            </a:ext>
-          </a:extLst>
-        </p:cNvPr>
-        <p:cNvGrpSpPr/>
-        <p:nvPr/>
-      </p:nvGrpSpPr>
-      <p:grpSpPr>
-        <a:xfrm>
-          <a:off x="0" y="0"/>
-          <a:ext cx="0" cy="0"/>
-          <a:chOff x="0" y="0"/>
-          <a:chExt cx="0" cy="0"/>
-        </a:xfrm>
-      </p:grpSpPr>
-      <p:sp useBgFill="1">
-        <p:nvSpPr>
-          <p:cNvPr id="39" name="Rectangle 38">
-            <a:extLst>
-              <a:ext uri="{FF2B5EF4-FFF2-40B4-BE49-F238E27FC236}">
-                <a16:creationId xmlns:a16="http://schemas.microsoft.com/office/drawing/2014/main" id="{C1A1C5D3-C053-4EE9-BE1A-419B6E27CCAE}"/>
-              </a:ext>
-              <a:ext uri="{C183D7F6-B498-43B3-948B-1728B52AA6E4}">
-                <adec:decorative xmlns:adec="http://schemas.microsoft.com/office/drawing/2017/decorative" val="1"/>
-              </a:ext>
-            </a:extLst>
-          </p:cNvPr>
-          <p:cNvSpPr>
-            <a:spLocks noGrp="1" noRot="1" noChangeAspect="1" noMove="1" noResize="1" noEditPoints="1" noAdjustHandles="1" noChangeArrowheads="1" noChangeShapeType="1" noTextEdit="1"/>
-          </p:cNvSpPr>
-          <p:nvPr>
-            <p:extLst>
-              <p:ext uri="{386F3935-93C4-4BCD-93E2-E3B085C9AB24}">
-                <p16:designElem xmlns:p16="http://schemas.microsoft.com/office/powerpoint/2015/main" val="1"/>
-              </p:ext>
-            </p:extLst>
-          </p:nvPr>
-        </p:nvSpPr>
-        <p:spPr>
-          <a:xfrm>
-            <a:off x="0" y="0"/>
-            <a:ext cx="12192000" cy="6858000"/>
-          </a:xfrm>
-          <a:prstGeom prst="rect">
-            <a:avLst/>
-          </a:prstGeom>
-          <a:ln>
-            <a:noFill/>
-          </a:ln>
-        </p:spPr>
-        <p:style>
-          <a:lnRef idx="2">
-            <a:schemeClr val="accent1">
-              <a:shade val="50000"/>
-            </a:schemeClr>
-          </a:lnRef>
-          <a:fillRef idx="1">
-            <a:schemeClr val="accent1"/>
-          </a:fillRef>
-          <a:effectRef idx="0">
-            <a:schemeClr val="accent1"/>
-          </a:effectRef>
-          <a:fontRef idx="minor">
-            <a:schemeClr val="lt1"/>
-          </a:fontRef>
-        </p:style>
-        <p:txBody>
-          <a:bodyPr rtlCol="0" anchor="ctr"/>
-          <a:lstStyle/>
-          <a:p>
-            <a:pPr algn="ctr"/>
-            <a:endParaRPr lang="en-US"/>
-          </a:p>
-        </p:txBody>
-      </p:sp>
-      <p:sp useBgFill="1">
-        <p:nvSpPr>
-          <p:cNvPr id="41" name="Rectangle 40">
-            <a:extLst>
-              <a:ext uri="{FF2B5EF4-FFF2-40B4-BE49-F238E27FC236}">
-                <a16:creationId xmlns:a16="http://schemas.microsoft.com/office/drawing/2014/main" id="{A3473CF9-37EB-43E7-89EF-D2D1C53D1DAC}"/>
-              </a:ext>
-              <a:ext uri="{C183D7F6-B498-43B3-948B-1728B52AA6E4}">
-                <adec:decorative xmlns:adec="http://schemas.microsoft.com/office/drawing/2017/decorative" val="1"/>
-              </a:ext>
-            </a:extLst>
-          </p:cNvPr>
-          <p:cNvSpPr>
-            <a:spLocks noGrp="1" noRot="1" noChangeAspect="1" noMove="1" noResize="1" noEditPoints="1" noAdjustHandles="1" noChangeArrowheads="1" noChangeShapeType="1" noTextEdit="1"/>
-          </p:cNvSpPr>
-          <p:nvPr>
-            <p:extLst>
-              <p:ext uri="{386F3935-93C4-4BCD-93E2-E3B085C9AB24}">
-                <p16:designElem xmlns:p16="http://schemas.microsoft.com/office/powerpoint/2015/main" val="1"/>
-              </p:ext>
-            </p:extLst>
-          </p:nvPr>
-        </p:nvSpPr>
-        <p:spPr>
-          <a:xfrm>
-            <a:off x="1903615" y="221673"/>
-            <a:ext cx="8384770" cy="1332634"/>
-          </a:xfrm>
-          <a:prstGeom prst="rect">
-            <a:avLst/>
-          </a:prstGeom>
-          <a:ln w="12700">
-            <a:solidFill>
-              <a:srgbClr val="E1E1E1"/>
-            </a:solidFill>
-          </a:ln>
-          <a:effectLst>
-            <a:outerShdw blurRad="50800" dist="38100" dir="2700000" algn="tl" rotWithShape="0">
-              <a:schemeClr val="bg2">
-                <a:lumMod val="85000"/>
-                <a:alpha val="50000"/>
-              </a:schemeClr>
-            </a:outerShdw>
-          </a:effectLst>
-        </p:spPr>
-        <p:style>
-          <a:lnRef idx="2">
-            <a:schemeClr val="accent1">
-              <a:shade val="50000"/>
-            </a:schemeClr>
-          </a:lnRef>
-          <a:fillRef idx="1">
-            <a:schemeClr val="accent1"/>
-          </a:fillRef>
-          <a:effectRef idx="0">
-            <a:schemeClr val="accent1"/>
-          </a:effectRef>
-          <a:fontRef idx="minor">
-            <a:schemeClr val="lt1"/>
-          </a:fontRef>
-        </p:style>
-        <p:txBody>
-          <a:bodyPr rtlCol="0" anchor="ctr"/>
-          <a:lstStyle/>
-          <a:p>
-            <a:pPr marL="0" marR="0" lvl="0" indent="0" algn="ctr" defTabSz="914400" rtl="0" eaLnBrk="1" fontAlgn="auto" latinLnBrk="0" hangingPunct="1">
-              <a:lnSpc>
-                <a:spcPct val="100000"/>
-              </a:lnSpc>
-              <a:spcBef>
-                <a:spcPts val="0"/>
-              </a:spcBef>
-              <a:spcAft>
-                <a:spcPts val="0"/>
-              </a:spcAft>
-              <a:buClrTx/>
-              <a:buSzTx/>
-              <a:buFontTx/>
-              <a:buNone/>
-              <a:tabLst/>
-              <a:defRPr/>
-            </a:pPr>
-            <a:endParaRPr kumimoji="0" lang="en-US" sz="1800" b="0" i="0" u="none" strike="noStrike" kern="1200" cap="none" spc="0" normalizeH="0" baseline="0" noProof="0">
-              <a:ln>
-                <a:noFill/>
-              </a:ln>
-              <a:solidFill>
-                <a:prstClr val="white"/>
-              </a:solidFill>
-              <a:effectLst/>
-              <a:uLnTx/>
-              <a:uFillTx/>
-              <a:latin typeface="Calibri" panose="020F0502020204030204"/>
-              <a:ea typeface="+mn-ea"/>
-              <a:cs typeface="+mn-cs"/>
-            </a:endParaRPr>
-          </a:p>
-        </p:txBody>
-      </p:sp>
-      <p:sp>
-        <p:nvSpPr>
-          <p:cNvPr id="2" name="Título 1">
-            <a:extLst>
-              <a:ext uri="{FF2B5EF4-FFF2-40B4-BE49-F238E27FC236}">
-                <a16:creationId xmlns:a16="http://schemas.microsoft.com/office/drawing/2014/main" id="{4A53E4A6-8A78-D98E-B3FA-E50EEA9B8BBB}"/>
-              </a:ext>
-            </a:extLst>
-          </p:cNvPr>
-          <p:cNvSpPr>
-            <a:spLocks noGrp="1"/>
-          </p:cNvSpPr>
-          <p:nvPr>
-            <p:ph type="title"/>
-          </p:nvPr>
-        </p:nvSpPr>
-        <p:spPr>
-          <a:xfrm>
-            <a:off x="2103121" y="310343"/>
-            <a:ext cx="7985759" cy="868823"/>
-          </a:xfrm>
-        </p:spPr>
-        <p:txBody>
-          <a:bodyPr vert="horz" lIns="91440" tIns="45720" rIns="91440" bIns="45720" rtlCol="0" anchor="ctr">
-            <a:normAutofit/>
-          </a:bodyPr>
-          <a:lstStyle/>
-          <a:p>
-            <a:pPr algn="ctr"/>
-            <a:r>
-              <a:rPr lang="en-US" sz="4000" kern="1200" dirty="0">
-                <a:solidFill>
-                  <a:schemeClr val="tx1"/>
-                </a:solidFill>
-                <a:latin typeface="+mj-lt"/>
-                <a:ea typeface="+mj-ea"/>
-                <a:cs typeface="+mj-cs"/>
-              </a:rPr>
-              <a:t>PLANEJAMENTO</a:t>
-            </a:r>
-          </a:p>
-        </p:txBody>
-      </p:sp>
-      <p:sp>
-        <p:nvSpPr>
-          <p:cNvPr id="43" name="Rectangle: Rounded Corners 42">
-            <a:extLst>
-              <a:ext uri="{FF2B5EF4-FFF2-40B4-BE49-F238E27FC236}">
-                <a16:creationId xmlns:a16="http://schemas.microsoft.com/office/drawing/2014/main" id="{586B4EF9-43BA-4655-A6FF-1D8E21574C95}"/>
-              </a:ext>
-              <a:ext uri="{C183D7F6-B498-43B3-948B-1728B52AA6E4}">
-                <adec:decorative xmlns:adec="http://schemas.microsoft.com/office/drawing/2017/decorative" val="1"/>
-              </a:ext>
-            </a:extLst>
-          </p:cNvPr>
-          <p:cNvSpPr>
-            <a:spLocks noGrp="1" noRot="1" noChangeAspect="1" noMove="1" noResize="1" noEditPoints="1" noAdjustHandles="1" noChangeArrowheads="1" noChangeShapeType="1" noTextEdit="1"/>
-          </p:cNvSpPr>
-          <p:nvPr>
-            <p:extLst>
-              <p:ext uri="{386F3935-93C4-4BCD-93E2-E3B085C9AB24}">
-                <p16:designElem xmlns:p16="http://schemas.microsoft.com/office/powerpoint/2015/main" val="1"/>
-              </p:ext>
-            </p:extLst>
-          </p:nvPr>
-        </p:nvSpPr>
-        <p:spPr>
-          <a:xfrm>
-            <a:off x="2483110" y="1211407"/>
-            <a:ext cx="7225780" cy="685800"/>
-          </a:xfrm>
-          <a:prstGeom prst="roundRect">
-            <a:avLst>
-              <a:gd name="adj" fmla="val 0"/>
-            </a:avLst>
-          </a:prstGeom>
-          <a:solidFill>
-            <a:schemeClr val="accent2"/>
-          </a:solidFill>
-          <a:ln>
-            <a:noFill/>
-          </a:ln>
-        </p:spPr>
-        <p:style>
-          <a:lnRef idx="2">
-            <a:schemeClr val="accent1">
-              <a:shade val="50000"/>
-            </a:schemeClr>
-          </a:lnRef>
-          <a:fillRef idx="1">
-            <a:schemeClr val="accent1"/>
-          </a:fillRef>
-          <a:effectRef idx="0">
-            <a:schemeClr val="accent1"/>
-          </a:effectRef>
-          <a:fontRef idx="minor">
-            <a:schemeClr val="lt1"/>
-          </a:fontRef>
-        </p:style>
-        <p:txBody>
-          <a:bodyPr rtlCol="0" anchor="ctr"/>
-          <a:lstStyle/>
-          <a:p>
-            <a:pPr algn="ctr"/>
-            <a:endParaRPr lang="en-US">
-              <a:solidFill>
-                <a:prstClr val="white"/>
-              </a:solidFill>
-              <a:latin typeface="Calibri" panose="020F0502020204030204"/>
-            </a:endParaRPr>
-          </a:p>
-        </p:txBody>
-      </p:sp>
-      <p:pic>
-        <p:nvPicPr>
-          <p:cNvPr id="7" name="Imagem 6">
-            <a:extLst>
-              <a:ext uri="{FF2B5EF4-FFF2-40B4-BE49-F238E27FC236}">
-                <a16:creationId xmlns:a16="http://schemas.microsoft.com/office/drawing/2014/main" id="{C33FAF5A-703F-0C28-17B8-3BA1B1CB2605}"/>
-              </a:ext>
-            </a:extLst>
-          </p:cNvPr>
-          <p:cNvPicPr>
-            <a:picLocks noChangeAspect="1"/>
-          </p:cNvPicPr>
-          <p:nvPr/>
-        </p:nvPicPr>
-        <p:blipFill>
-          <a:blip r:embed="rId2"/>
-          <a:stretch>
-            <a:fillRect/>
-          </a:stretch>
-        </p:blipFill>
-        <p:spPr>
-          <a:xfrm>
-            <a:off x="880053" y="2110074"/>
-            <a:ext cx="10277657" cy="4526253"/>
-          </a:xfrm>
-          <a:prstGeom prst="rect">
-            <a:avLst/>
-          </a:prstGeom>
-          <a:ln>
-            <a:noFill/>
-          </a:ln>
-          <a:effectLst>
-            <a:outerShdw blurRad="292100" dist="139700" dir="2700000" algn="tl" rotWithShape="0">
-              <a:srgbClr val="333333">
-                <a:alpha val="65000"/>
-              </a:srgbClr>
-            </a:outerShdw>
-          </a:effectLst>
-        </p:spPr>
-      </p:pic>
-    </p:spTree>
-    <p:extLst>
-      <p:ext uri="{BB962C8B-B14F-4D97-AF65-F5344CB8AC3E}">
-        <p14:creationId xmlns:p14="http://schemas.microsoft.com/office/powerpoint/2010/main" val="2341105583"/>
-      </p:ext>
-    </p:extLst>
-  </p:cSld>
-  <p:clrMapOvr>
-    <a:masterClrMapping/>
-  </p:clrMapOvr>
-</p:sld>
-</file>
-
-<file path=ppt/slides/slide5.xml><?xml version="1.0" encoding="utf-8"?>
-<p:sld xmlns:a="http://schemas.openxmlformats.org/drawingml/2006/main" xmlns:r="http://schemas.openxmlformats.org/officeDocument/2006/relationships" xmlns:p="http://schemas.openxmlformats.org/presentationml/2006/main">
-  <p:cSld>
-    <p:bg>
-      <p:bgPr>
-        <a:solidFill>
-          <a:schemeClr val="bg1"/>
-        </a:solidFill>
-        <a:effectLst/>
-      </p:bgPr>
-    </p:bg>
-    <p:spTree>
-      <p:nvGrpSpPr>
-        <p:cNvPr id="1" name="">
-          <a:extLst>
-            <a:ext uri="{FF2B5EF4-FFF2-40B4-BE49-F238E27FC236}">
-              <a16:creationId xmlns:a16="http://schemas.microsoft.com/office/drawing/2014/main" id="{49B43A9F-694C-891C-EB8B-74A26016BDBC}"/>
-            </a:ext>
-          </a:extLst>
-        </p:cNvPr>
-        <p:cNvGrpSpPr/>
-        <p:nvPr/>
-      </p:nvGrpSpPr>
-      <p:grpSpPr>
-        <a:xfrm>
-          <a:off x="0" y="0"/>
-          <a:ext cx="0" cy="0"/>
-          <a:chOff x="0" y="0"/>
-          <a:chExt cx="0" cy="0"/>
-        </a:xfrm>
-      </p:grpSpPr>
-      <p:sp useBgFill="1">
-        <p:nvSpPr>
-          <p:cNvPr id="44" name="Rectangle 43">
-            <a:extLst>
-              <a:ext uri="{FF2B5EF4-FFF2-40B4-BE49-F238E27FC236}">
-                <a16:creationId xmlns:a16="http://schemas.microsoft.com/office/drawing/2014/main" id="{C1A1C5D3-C053-4EE9-BE1A-419B6E27CCAE}"/>
-              </a:ext>
-              <a:ext uri="{C183D7F6-B498-43B3-948B-1728B52AA6E4}">
-                <adec:decorative xmlns:adec="http://schemas.microsoft.com/office/drawing/2017/decorative" val="1"/>
-              </a:ext>
-            </a:extLst>
-          </p:cNvPr>
-          <p:cNvSpPr>
-            <a:spLocks noGrp="1" noRot="1" noChangeAspect="1" noMove="1" noResize="1" noEditPoints="1" noAdjustHandles="1" noChangeArrowheads="1" noChangeShapeType="1" noTextEdit="1"/>
-          </p:cNvSpPr>
-          <p:nvPr>
-            <p:extLst>
-              <p:ext uri="{386F3935-93C4-4BCD-93E2-E3B085C9AB24}">
-                <p16:designElem xmlns:p16="http://schemas.microsoft.com/office/powerpoint/2015/main" val="1"/>
-              </p:ext>
-            </p:extLst>
-          </p:nvPr>
-        </p:nvSpPr>
-        <p:spPr>
-          <a:xfrm>
-            <a:off x="0" y="0"/>
-            <a:ext cx="12192000" cy="6858000"/>
-          </a:xfrm>
-          <a:prstGeom prst="rect">
-            <a:avLst/>
-          </a:prstGeom>
-          <a:ln>
-            <a:noFill/>
-          </a:ln>
-        </p:spPr>
-        <p:style>
-          <a:lnRef idx="2">
-            <a:schemeClr val="accent1">
-              <a:shade val="50000"/>
-            </a:schemeClr>
-          </a:lnRef>
-          <a:fillRef idx="1">
-            <a:schemeClr val="accent1"/>
-          </a:fillRef>
-          <a:effectRef idx="0">
-            <a:schemeClr val="accent1"/>
-          </a:effectRef>
-          <a:fontRef idx="minor">
-            <a:schemeClr val="lt1"/>
-          </a:fontRef>
-        </p:style>
-        <p:txBody>
-          <a:bodyPr rtlCol="0" anchor="ctr"/>
-          <a:lstStyle/>
-          <a:p>
-            <a:pPr algn="ctr"/>
-            <a:endParaRPr lang="en-US"/>
-          </a:p>
-        </p:txBody>
-      </p:sp>
-      <p:sp useBgFill="1">
-        <p:nvSpPr>
-          <p:cNvPr id="46" name="Rectangle 45">
-            <a:extLst>
-              <a:ext uri="{FF2B5EF4-FFF2-40B4-BE49-F238E27FC236}">
-                <a16:creationId xmlns:a16="http://schemas.microsoft.com/office/drawing/2014/main" id="{A3473CF9-37EB-43E7-89EF-D2D1C53D1DAC}"/>
-              </a:ext>
-              <a:ext uri="{C183D7F6-B498-43B3-948B-1728B52AA6E4}">
-                <adec:decorative xmlns:adec="http://schemas.microsoft.com/office/drawing/2017/decorative" val="1"/>
-              </a:ext>
-            </a:extLst>
-          </p:cNvPr>
-          <p:cNvSpPr>
-            <a:spLocks noGrp="1" noRot="1" noChangeAspect="1" noMove="1" noResize="1" noEditPoints="1" noAdjustHandles="1" noChangeArrowheads="1" noChangeShapeType="1" noTextEdit="1"/>
-          </p:cNvSpPr>
-          <p:nvPr>
-            <p:extLst>
-              <p:ext uri="{386F3935-93C4-4BCD-93E2-E3B085C9AB24}">
-                <p16:designElem xmlns:p16="http://schemas.microsoft.com/office/powerpoint/2015/main" val="1"/>
-              </p:ext>
-            </p:extLst>
-          </p:nvPr>
-        </p:nvSpPr>
-        <p:spPr>
-          <a:xfrm>
-            <a:off x="1903615" y="221673"/>
-            <a:ext cx="8384770" cy="1332634"/>
-          </a:xfrm>
-          <a:prstGeom prst="rect">
-            <a:avLst/>
-          </a:prstGeom>
-          <a:ln w="12700">
-            <a:solidFill>
-              <a:srgbClr val="E1E1E1"/>
-            </a:solidFill>
-          </a:ln>
-          <a:effectLst>
-            <a:outerShdw blurRad="50800" dist="38100" dir="2700000" algn="tl" rotWithShape="0">
-              <a:schemeClr val="bg2">
-                <a:lumMod val="85000"/>
-                <a:alpha val="50000"/>
-              </a:schemeClr>
-            </a:outerShdw>
-          </a:effectLst>
-        </p:spPr>
-        <p:style>
-          <a:lnRef idx="2">
-            <a:schemeClr val="accent1">
-              <a:shade val="50000"/>
-            </a:schemeClr>
-          </a:lnRef>
-          <a:fillRef idx="1">
-            <a:schemeClr val="accent1"/>
-          </a:fillRef>
-          <a:effectRef idx="0">
-            <a:schemeClr val="accent1"/>
-          </a:effectRef>
-          <a:fontRef idx="minor">
-            <a:schemeClr val="lt1"/>
-          </a:fontRef>
-        </p:style>
-        <p:txBody>
-          <a:bodyPr rtlCol="0" anchor="ctr"/>
-          <a:lstStyle/>
-          <a:p>
-            <a:pPr marL="0" marR="0" lvl="0" indent="0" algn="ctr" defTabSz="914400" rtl="0" eaLnBrk="1" fontAlgn="auto" latinLnBrk="0" hangingPunct="1">
-              <a:lnSpc>
-                <a:spcPct val="100000"/>
-              </a:lnSpc>
-              <a:spcBef>
-                <a:spcPts val="0"/>
-              </a:spcBef>
-              <a:spcAft>
-                <a:spcPts val="0"/>
-              </a:spcAft>
-              <a:buClrTx/>
-              <a:buSzTx/>
-              <a:buFontTx/>
-              <a:buNone/>
-              <a:tabLst/>
-              <a:defRPr/>
-            </a:pPr>
-            <a:endParaRPr kumimoji="0" lang="en-US" sz="1800" b="0" i="0" u="none" strike="noStrike" kern="1200" cap="none" spc="0" normalizeH="0" baseline="0" noProof="0">
-              <a:ln>
-                <a:noFill/>
-              </a:ln>
-              <a:solidFill>
-                <a:prstClr val="white"/>
-              </a:solidFill>
-              <a:effectLst/>
-              <a:uLnTx/>
-              <a:uFillTx/>
-              <a:latin typeface="Calibri" panose="020F0502020204030204"/>
-              <a:ea typeface="+mn-ea"/>
-              <a:cs typeface="+mn-cs"/>
-            </a:endParaRPr>
-          </a:p>
-        </p:txBody>
-      </p:sp>
-      <p:sp>
-        <p:nvSpPr>
-          <p:cNvPr id="2" name="Título 1">
-            <a:extLst>
-              <a:ext uri="{FF2B5EF4-FFF2-40B4-BE49-F238E27FC236}">
-                <a16:creationId xmlns:a16="http://schemas.microsoft.com/office/drawing/2014/main" id="{6DB32292-C623-EEAB-F99A-1A318F82B6CE}"/>
-              </a:ext>
-            </a:extLst>
-          </p:cNvPr>
-          <p:cNvSpPr>
-            <a:spLocks noGrp="1"/>
-          </p:cNvSpPr>
-          <p:nvPr>
-            <p:ph type="title"/>
-          </p:nvPr>
-        </p:nvSpPr>
-        <p:spPr>
-          <a:xfrm>
-            <a:off x="2103121" y="310343"/>
-            <a:ext cx="7985759" cy="868823"/>
-          </a:xfrm>
-        </p:spPr>
-        <p:txBody>
-          <a:bodyPr vert="horz" lIns="91440" tIns="45720" rIns="91440" bIns="45720" rtlCol="0" anchor="ctr">
-            <a:normAutofit/>
-          </a:bodyPr>
-          <a:lstStyle/>
-          <a:p>
-            <a:pPr algn="ctr"/>
-            <a:r>
-              <a:rPr lang="en-US" sz="4000" kern="1200" dirty="0">
-                <a:solidFill>
-                  <a:schemeClr val="tx1"/>
-                </a:solidFill>
-                <a:latin typeface="+mj-lt"/>
-                <a:ea typeface="+mj-ea"/>
-                <a:cs typeface="+mj-cs"/>
-              </a:rPr>
-              <a:t>ARQUITETURA</a:t>
-            </a:r>
-          </a:p>
-        </p:txBody>
-      </p:sp>
-      <p:sp>
-        <p:nvSpPr>
-          <p:cNvPr id="48" name="Rectangle: Rounded Corners 47">
-            <a:extLst>
-              <a:ext uri="{FF2B5EF4-FFF2-40B4-BE49-F238E27FC236}">
-                <a16:creationId xmlns:a16="http://schemas.microsoft.com/office/drawing/2014/main" id="{586B4EF9-43BA-4655-A6FF-1D8E21574C95}"/>
-              </a:ext>
-              <a:ext uri="{C183D7F6-B498-43B3-948B-1728B52AA6E4}">
-                <adec:decorative xmlns:adec="http://schemas.microsoft.com/office/drawing/2017/decorative" val="1"/>
-              </a:ext>
-            </a:extLst>
-          </p:cNvPr>
-          <p:cNvSpPr>
-            <a:spLocks noGrp="1" noRot="1" noChangeAspect="1" noMove="1" noResize="1" noEditPoints="1" noAdjustHandles="1" noChangeArrowheads="1" noChangeShapeType="1" noTextEdit="1"/>
-          </p:cNvSpPr>
-          <p:nvPr>
-            <p:extLst>
-              <p:ext uri="{386F3935-93C4-4BCD-93E2-E3B085C9AB24}">
-                <p16:designElem xmlns:p16="http://schemas.microsoft.com/office/powerpoint/2015/main" val="1"/>
-              </p:ext>
-            </p:extLst>
-          </p:nvPr>
-        </p:nvSpPr>
-        <p:spPr>
-          <a:xfrm>
-            <a:off x="2483110" y="1211407"/>
-            <a:ext cx="7225780" cy="685800"/>
-          </a:xfrm>
-          <a:prstGeom prst="roundRect">
-            <a:avLst>
-              <a:gd name="adj" fmla="val 0"/>
-            </a:avLst>
-          </a:prstGeom>
-          <a:solidFill>
-            <a:schemeClr val="accent2"/>
-          </a:solidFill>
-          <a:ln>
-            <a:noFill/>
-          </a:ln>
-        </p:spPr>
-        <p:style>
-          <a:lnRef idx="2">
-            <a:schemeClr val="accent1">
-              <a:shade val="50000"/>
-            </a:schemeClr>
-          </a:lnRef>
-          <a:fillRef idx="1">
-            <a:schemeClr val="accent1"/>
-          </a:fillRef>
-          <a:effectRef idx="0">
-            <a:schemeClr val="accent1"/>
-          </a:effectRef>
-          <a:fontRef idx="minor">
-            <a:schemeClr val="lt1"/>
-          </a:fontRef>
-        </p:style>
-        <p:txBody>
-          <a:bodyPr rtlCol="0" anchor="ctr"/>
-          <a:lstStyle/>
-          <a:p>
-            <a:pPr algn="ctr"/>
-            <a:endParaRPr lang="en-US">
-              <a:solidFill>
-                <a:prstClr val="white"/>
-              </a:solidFill>
-              <a:latin typeface="Calibri" panose="020F0502020204030204"/>
-            </a:endParaRPr>
-          </a:p>
-        </p:txBody>
-      </p:sp>
       <p:pic>
         <p:nvPicPr>
           <p:cNvPr id="6" name="Imagem 5" descr="Diagrama&#10;&#10;Descrição gerada automaticamente">
@@ -8711,7 +9132,7 @@
 </p:sld>
 </file>
 
-<file path=ppt/slides/slide6.xml><?xml version="1.0" encoding="utf-8"?>
+<file path=ppt/slides/slide7.xml><?xml version="1.0" encoding="utf-8"?>
 <p:sld xmlns:a="http://schemas.openxmlformats.org/drawingml/2006/main" xmlns:r="http://schemas.openxmlformats.org/officeDocument/2006/relationships" xmlns:p="http://schemas.openxmlformats.org/presentationml/2006/main">
   <p:cSld>
     <p:bg>
@@ -9212,7 +9633,7 @@
 </p:sld>
 </file>
 
-<file path=ppt/slides/slide7.xml><?xml version="1.0" encoding="utf-8"?>
+<file path=ppt/slides/slide8.xml><?xml version="1.0" encoding="utf-8"?>
 <p:sld xmlns:a="http://schemas.openxmlformats.org/drawingml/2006/main" xmlns:r="http://schemas.openxmlformats.org/officeDocument/2006/relationships" xmlns:p="http://schemas.openxmlformats.org/presentationml/2006/main">
   <p:cSld>
     <p:bg>
@@ -9634,7 +10055,7 @@
 </p:sld>
 </file>
 
-<file path=ppt/slides/slide8.xml><?xml version="1.0" encoding="utf-8"?>
+<file path=ppt/slides/slide9.xml><?xml version="1.0" encoding="utf-8"?>
 <p:sld xmlns:a="http://schemas.openxmlformats.org/drawingml/2006/main" xmlns:r="http://schemas.openxmlformats.org/officeDocument/2006/relationships" xmlns:p="http://schemas.openxmlformats.org/presentationml/2006/main">
   <p:cSld>
     <p:bg>
@@ -10047,427 +10468,6 @@
     <p:extLst>
       <p:ext uri="{BB962C8B-B14F-4D97-AF65-F5344CB8AC3E}">
         <p14:creationId xmlns:p14="http://schemas.microsoft.com/office/powerpoint/2010/main" val="2336132087"/>
-      </p:ext>
-    </p:extLst>
-  </p:cSld>
-  <p:clrMapOvr>
-    <a:masterClrMapping/>
-  </p:clrMapOvr>
-</p:sld>
-</file>
-
-<file path=ppt/slides/slide9.xml><?xml version="1.0" encoding="utf-8"?>
-<p:sld xmlns:a="http://schemas.openxmlformats.org/drawingml/2006/main" xmlns:r="http://schemas.openxmlformats.org/officeDocument/2006/relationships" xmlns:p="http://schemas.openxmlformats.org/presentationml/2006/main">
-  <p:cSld>
-    <p:bg>
-      <p:bgPr>
-        <a:solidFill>
-          <a:schemeClr val="bg1"/>
-        </a:solidFill>
-        <a:effectLst/>
-      </p:bgPr>
-    </p:bg>
-    <p:spTree>
-      <p:nvGrpSpPr>
-        <p:cNvPr id="1" name="">
-          <a:extLst>
-            <a:ext uri="{FF2B5EF4-FFF2-40B4-BE49-F238E27FC236}">
-              <a16:creationId xmlns:a16="http://schemas.microsoft.com/office/drawing/2014/main" id="{8DF9607E-3E12-7737-68A7-DA7DA6ABC22E}"/>
-            </a:ext>
-          </a:extLst>
-        </p:cNvPr>
-        <p:cNvGrpSpPr/>
-        <p:nvPr/>
-      </p:nvGrpSpPr>
-      <p:grpSpPr>
-        <a:xfrm>
-          <a:off x="0" y="0"/>
-          <a:ext cx="0" cy="0"/>
-          <a:chOff x="0" y="0"/>
-          <a:chExt cx="0" cy="0"/>
-        </a:xfrm>
-      </p:grpSpPr>
-      <p:sp useBgFill="1">
-        <p:nvSpPr>
-          <p:cNvPr id="25" name="Rectangle 17">
-            <a:extLst>
-              <a:ext uri="{FF2B5EF4-FFF2-40B4-BE49-F238E27FC236}">
-                <a16:creationId xmlns:a16="http://schemas.microsoft.com/office/drawing/2014/main" id="{34B3D12B-F4DB-AFAC-1494-431AF9944896}"/>
-              </a:ext>
-              <a:ext uri="{C183D7F6-B498-43B3-948B-1728B52AA6E4}">
-                <adec:decorative xmlns:adec="http://schemas.microsoft.com/office/drawing/2017/decorative" val="1"/>
-              </a:ext>
-            </a:extLst>
-          </p:cNvPr>
-          <p:cNvSpPr>
-            <a:spLocks noGrp="1" noRot="1" noChangeAspect="1" noMove="1" noResize="1" noEditPoints="1" noAdjustHandles="1" noChangeArrowheads="1" noChangeShapeType="1" noTextEdit="1"/>
-          </p:cNvSpPr>
-          <p:nvPr>
-            <p:extLst>
-              <p:ext uri="{386F3935-93C4-4BCD-93E2-E3B085C9AB24}">
-                <p16:designElem xmlns:p16="http://schemas.microsoft.com/office/powerpoint/2015/main" val="1"/>
-              </p:ext>
-            </p:extLst>
-          </p:nvPr>
-        </p:nvSpPr>
-        <p:spPr>
-          <a:xfrm>
-            <a:off x="0" y="0"/>
-            <a:ext cx="12192000" cy="6858000"/>
-          </a:xfrm>
-          <a:prstGeom prst="rect">
-            <a:avLst/>
-          </a:prstGeom>
-          <a:ln>
-            <a:noFill/>
-          </a:ln>
-        </p:spPr>
-        <p:style>
-          <a:lnRef idx="2">
-            <a:schemeClr val="accent1">
-              <a:shade val="50000"/>
-            </a:schemeClr>
-          </a:lnRef>
-          <a:fillRef idx="1">
-            <a:schemeClr val="accent1"/>
-          </a:fillRef>
-          <a:effectRef idx="0">
-            <a:schemeClr val="accent1"/>
-          </a:effectRef>
-          <a:fontRef idx="minor">
-            <a:schemeClr val="lt1"/>
-          </a:fontRef>
-        </p:style>
-        <p:txBody>
-          <a:bodyPr rtlCol="0" anchor="ctr"/>
-          <a:lstStyle/>
-          <a:p>
-            <a:pPr algn="ctr"/>
-            <a:endParaRPr lang="en-US"/>
-          </a:p>
-        </p:txBody>
-      </p:sp>
-      <p:sp useBgFill="1">
-        <p:nvSpPr>
-          <p:cNvPr id="26" name="Rectangle 19">
-            <a:extLst>
-              <a:ext uri="{FF2B5EF4-FFF2-40B4-BE49-F238E27FC236}">
-                <a16:creationId xmlns:a16="http://schemas.microsoft.com/office/drawing/2014/main" id="{521459A6-B5D3-BEB5-0124-7A7FE53B7127}"/>
-              </a:ext>
-              <a:ext uri="{C183D7F6-B498-43B3-948B-1728B52AA6E4}">
-                <adec:decorative xmlns:adec="http://schemas.microsoft.com/office/drawing/2017/decorative" val="1"/>
-              </a:ext>
-            </a:extLst>
-          </p:cNvPr>
-          <p:cNvSpPr>
-            <a:spLocks noGrp="1" noRot="1" noChangeAspect="1" noMove="1" noResize="1" noEditPoints="1" noAdjustHandles="1" noChangeArrowheads="1" noChangeShapeType="1" noTextEdit="1"/>
-          </p:cNvSpPr>
-          <p:nvPr>
-            <p:extLst>
-              <p:ext uri="{386F3935-93C4-4BCD-93E2-E3B085C9AB24}">
-                <p16:designElem xmlns:p16="http://schemas.microsoft.com/office/powerpoint/2015/main" val="1"/>
-              </p:ext>
-            </p:extLst>
-          </p:nvPr>
-        </p:nvSpPr>
-        <p:spPr>
-          <a:xfrm>
-            <a:off x="551553" y="304802"/>
-            <a:ext cx="11097349" cy="1573149"/>
-          </a:xfrm>
-          <a:prstGeom prst="rect">
-            <a:avLst/>
-          </a:prstGeom>
-          <a:ln w="12700">
-            <a:solidFill>
-              <a:srgbClr val="DEDEDE"/>
-            </a:solidFill>
-          </a:ln>
-          <a:effectLst>
-            <a:outerShdw blurRad="50800" dist="38100" dir="2700000" algn="tl" rotWithShape="0">
-              <a:schemeClr val="bg2">
-                <a:lumMod val="85000"/>
-                <a:alpha val="50000"/>
-              </a:schemeClr>
-            </a:outerShdw>
-          </a:effectLst>
-        </p:spPr>
-        <p:style>
-          <a:lnRef idx="2">
-            <a:schemeClr val="accent1">
-              <a:shade val="50000"/>
-            </a:schemeClr>
-          </a:lnRef>
-          <a:fillRef idx="1">
-            <a:schemeClr val="accent1"/>
-          </a:fillRef>
-          <a:effectRef idx="0">
-            <a:schemeClr val="accent1"/>
-          </a:effectRef>
-          <a:fontRef idx="minor">
-            <a:schemeClr val="lt1"/>
-          </a:fontRef>
-        </p:style>
-        <p:txBody>
-          <a:bodyPr rtlCol="0" anchor="ctr"/>
-          <a:lstStyle/>
-          <a:p>
-            <a:pPr marL="0" marR="0" lvl="0" indent="0" algn="ctr" defTabSz="914400" rtl="0" eaLnBrk="1" fontAlgn="auto" latinLnBrk="0" hangingPunct="1">
-              <a:lnSpc>
-                <a:spcPct val="100000"/>
-              </a:lnSpc>
-              <a:spcBef>
-                <a:spcPts val="0"/>
-              </a:spcBef>
-              <a:spcAft>
-                <a:spcPts val="0"/>
-              </a:spcAft>
-              <a:buClrTx/>
-              <a:buSzTx/>
-              <a:buFontTx/>
-              <a:buNone/>
-              <a:tabLst/>
-              <a:defRPr/>
-            </a:pPr>
-            <a:endParaRPr kumimoji="0" lang="en-US" sz="1800" b="0" i="0" u="none" strike="noStrike" kern="1200" cap="none" spc="0" normalizeH="0" baseline="0" noProof="0">
-              <a:ln>
-                <a:noFill/>
-              </a:ln>
-              <a:solidFill>
-                <a:prstClr val="white"/>
-              </a:solidFill>
-              <a:effectLst/>
-              <a:uLnTx/>
-              <a:uFillTx/>
-              <a:latin typeface="Calibri" panose="020F0502020204030204"/>
-              <a:ea typeface="+mn-ea"/>
-              <a:cs typeface="+mn-cs"/>
-            </a:endParaRPr>
-          </a:p>
-        </p:txBody>
-      </p:sp>
-      <p:sp>
-        <p:nvSpPr>
-          <p:cNvPr id="2" name="Título 1">
-            <a:extLst>
-              <a:ext uri="{FF2B5EF4-FFF2-40B4-BE49-F238E27FC236}">
-                <a16:creationId xmlns:a16="http://schemas.microsoft.com/office/drawing/2014/main" id="{A9F55794-E4B7-208F-5542-6A1D77CC520F}"/>
-              </a:ext>
-            </a:extLst>
-          </p:cNvPr>
-          <p:cNvSpPr>
-            <a:spLocks noGrp="1"/>
-          </p:cNvSpPr>
-          <p:nvPr>
-            <p:ph type="title"/>
-          </p:nvPr>
-        </p:nvSpPr>
-        <p:spPr>
-          <a:xfrm>
-            <a:off x="901690" y="405575"/>
-            <a:ext cx="6430414" cy="1371600"/>
-          </a:xfrm>
-        </p:spPr>
-        <p:txBody>
-          <a:bodyPr vert="horz" lIns="91440" tIns="45720" rIns="91440" bIns="45720" rtlCol="0" anchor="ctr">
-            <a:normAutofit/>
-          </a:bodyPr>
-          <a:lstStyle/>
-          <a:p>
-            <a:r>
-              <a:rPr lang="en-US" sz="4000" b="1" kern="1200" dirty="0">
-                <a:solidFill>
-                  <a:schemeClr val="tx1"/>
-                </a:solidFill>
-                <a:latin typeface="+mj-lt"/>
-                <a:ea typeface="+mj-ea"/>
-                <a:cs typeface="+mj-cs"/>
-              </a:rPr>
-              <a:t>MVP | SLV_TO_GLD</a:t>
-            </a:r>
-          </a:p>
-        </p:txBody>
-      </p:sp>
-      <p:sp>
-        <p:nvSpPr>
-          <p:cNvPr id="27" name="Rectangle 21">
-            <a:extLst>
-              <a:ext uri="{FF2B5EF4-FFF2-40B4-BE49-F238E27FC236}">
-                <a16:creationId xmlns:a16="http://schemas.microsoft.com/office/drawing/2014/main" id="{5932449C-C00B-AE23-7C5B-7DB822BC669F}"/>
-              </a:ext>
-              <a:ext uri="{C183D7F6-B498-43B3-948B-1728B52AA6E4}">
-                <adec:decorative xmlns:adec="http://schemas.microsoft.com/office/drawing/2017/decorative" val="1"/>
-              </a:ext>
-            </a:extLst>
-          </p:cNvPr>
-          <p:cNvSpPr>
-            <a:spLocks noGrp="1" noRot="1" noChangeAspect="1" noMove="1" noResize="1" noEditPoints="1" noAdjustHandles="1" noChangeArrowheads="1" noChangeShapeType="1" noTextEdit="1"/>
-          </p:cNvSpPr>
-          <p:nvPr>
-            <p:extLst>
-              <p:ext uri="{386F3935-93C4-4BCD-93E2-E3B085C9AB24}">
-                <p16:designElem xmlns:p16="http://schemas.microsoft.com/office/powerpoint/2015/main" val="1"/>
-              </p:ext>
-            </p:extLst>
-          </p:nvPr>
-        </p:nvSpPr>
-        <p:spPr>
-          <a:xfrm>
-            <a:off x="494784" y="764424"/>
-            <a:ext cx="128016" cy="653903"/>
-          </a:xfrm>
-          <a:prstGeom prst="rect">
-            <a:avLst/>
-          </a:prstGeom>
-          <a:solidFill>
-            <a:schemeClr val="accent2"/>
-          </a:solidFill>
-          <a:ln>
-            <a:noFill/>
-          </a:ln>
-        </p:spPr>
-        <p:style>
-          <a:lnRef idx="2">
-            <a:schemeClr val="accent1">
-              <a:shade val="50000"/>
-            </a:schemeClr>
-          </a:lnRef>
-          <a:fillRef idx="1">
-            <a:schemeClr val="accent1"/>
-          </a:fillRef>
-          <a:effectRef idx="0">
-            <a:schemeClr val="accent1"/>
-          </a:effectRef>
-          <a:fontRef idx="minor">
-            <a:schemeClr val="lt1"/>
-          </a:fontRef>
-        </p:style>
-        <p:txBody>
-          <a:bodyPr rtlCol="0" anchor="ctr"/>
-          <a:lstStyle/>
-          <a:p>
-            <a:pPr algn="ctr"/>
-            <a:endParaRPr lang="en-US">
-              <a:solidFill>
-                <a:prstClr val="white"/>
-              </a:solidFill>
-              <a:latin typeface="Calibri" panose="020F0502020204030204"/>
-            </a:endParaRPr>
-          </a:p>
-        </p:txBody>
-      </p:sp>
-      <p:sp>
-        <p:nvSpPr>
-          <p:cNvPr id="24" name="Rectangle 23">
-            <a:extLst>
-              <a:ext uri="{FF2B5EF4-FFF2-40B4-BE49-F238E27FC236}">
-                <a16:creationId xmlns:a16="http://schemas.microsoft.com/office/drawing/2014/main" id="{D2F5AF08-3A5B-4AFA-668A-21F009EFEDA3}"/>
-              </a:ext>
-              <a:ext uri="{C183D7F6-B498-43B3-948B-1728B52AA6E4}">
-                <adec:decorative xmlns:adec="http://schemas.microsoft.com/office/drawing/2017/decorative" val="1"/>
-              </a:ext>
-            </a:extLst>
-          </p:cNvPr>
-          <p:cNvSpPr>
-            <a:spLocks noGrp="1" noRot="1" noChangeAspect="1" noMove="1" noResize="1" noEditPoints="1" noAdjustHandles="1" noChangeArrowheads="1" noChangeShapeType="1" noTextEdit="1"/>
-          </p:cNvSpPr>
-          <p:nvPr>
-            <p:extLst>
-              <p:ext uri="{386F3935-93C4-4BCD-93E2-E3B085C9AB24}">
-                <p16:designElem xmlns:p16="http://schemas.microsoft.com/office/powerpoint/2015/main" val="1"/>
-              </p:ext>
-            </p:extLst>
-          </p:nvPr>
-        </p:nvSpPr>
-        <p:spPr>
-          <a:xfrm rot="5400000">
-            <a:off x="7126032" y="1067264"/>
-            <a:ext cx="1021458" cy="18288"/>
-          </a:xfrm>
-          <a:prstGeom prst="rect">
-            <a:avLst/>
-          </a:prstGeom>
-          <a:solidFill>
-            <a:srgbClr val="D5D5D5"/>
-          </a:solidFill>
-          <a:ln w="3175">
-            <a:noFill/>
-          </a:ln>
-          <a:effectLst/>
-        </p:spPr>
-        <p:style>
-          <a:lnRef idx="2">
-            <a:schemeClr val="accent1">
-              <a:shade val="50000"/>
-            </a:schemeClr>
-          </a:lnRef>
-          <a:fillRef idx="1">
-            <a:schemeClr val="accent1"/>
-          </a:fillRef>
-          <a:effectRef idx="0">
-            <a:schemeClr val="accent1"/>
-          </a:effectRef>
-          <a:fontRef idx="minor">
-            <a:schemeClr val="lt1"/>
-          </a:fontRef>
-        </p:style>
-        <p:txBody>
-          <a:bodyPr rtlCol="0" anchor="ctr"/>
-          <a:lstStyle/>
-          <a:p>
-            <a:pPr algn="ctr"/>
-            <a:endParaRPr lang="en-US">
-              <a:solidFill>
-                <a:prstClr val="white"/>
-              </a:solidFill>
-              <a:latin typeface="Calibri" panose="020F0502020204030204"/>
-            </a:endParaRPr>
-          </a:p>
-        </p:txBody>
-      </p:sp>
-      <p:pic>
-        <p:nvPicPr>
-          <p:cNvPr id="4" name="Imagem 3">
-            <a:extLst>
-              <a:ext uri="{FF2B5EF4-FFF2-40B4-BE49-F238E27FC236}">
-                <a16:creationId xmlns:a16="http://schemas.microsoft.com/office/drawing/2014/main" id="{0E15BBA8-530C-FEA4-4D5A-0501F478ACD1}"/>
-              </a:ext>
-            </a:extLst>
-          </p:cNvPr>
-          <p:cNvPicPr>
-            <a:picLocks noChangeAspect="1"/>
-          </p:cNvPicPr>
-          <p:nvPr/>
-        </p:nvPicPr>
-        <p:blipFill>
-          <a:blip r:embed="rId2"/>
-          <a:srcRect t="2332"/>
-          <a:stretch/>
-        </p:blipFill>
-        <p:spPr>
-          <a:xfrm>
-            <a:off x="901690" y="2138828"/>
-            <a:ext cx="10460757" cy="4219602"/>
-          </a:xfrm>
-          <a:prstGeom prst="rect">
-            <a:avLst/>
-          </a:prstGeom>
-          <a:ln>
-            <a:noFill/>
-          </a:ln>
-          <a:effectLst>
-            <a:outerShdw blurRad="292100" dist="139700" dir="2700000" algn="tl" rotWithShape="0">
-              <a:srgbClr val="333333">
-                <a:alpha val="65000"/>
-              </a:srgbClr>
-            </a:outerShdw>
-          </a:effectLst>
-        </p:spPr>
-      </p:pic>
-    </p:spTree>
-    <p:extLst>
-      <p:ext uri="{BB962C8B-B14F-4D97-AF65-F5344CB8AC3E}">
-        <p14:creationId xmlns:p14="http://schemas.microsoft.com/office/powerpoint/2010/main" val="3732732137"/>
       </p:ext>
     </p:extLst>
   </p:cSld>

--- a/Apresentação/SALES TECH.pptx
+++ b/Apresentação/SALES TECH.pptx
@@ -137,7 +137,7 @@
   <pc:docChgLst>
     <pc:chgData name="Luan eliseu ferrazzo" userId="69bb020bc42e3808" providerId="LiveId" clId="{EE69C8B5-B34B-4963-B2B8-A9527995FA9D}"/>
     <pc:docChg chg="undo custSel addSld delSld modSld sldOrd">
-      <pc:chgData name="Luan eliseu ferrazzo" userId="69bb020bc42e3808" providerId="LiveId" clId="{EE69C8B5-B34B-4963-B2B8-A9527995FA9D}" dt="2024-12-18T21:05:14.899" v="774"/>
+      <pc:chgData name="Luan eliseu ferrazzo" userId="69bb020bc42e3808" providerId="LiveId" clId="{EE69C8B5-B34B-4963-B2B8-A9527995FA9D}" dt="2024-12-18T21:10:29.445" v="781" actId="1076"/>
       <pc:docMkLst>
         <pc:docMk/>
       </pc:docMkLst>
@@ -1147,7 +1147,7 @@
         </pc:picChg>
       </pc:sldChg>
       <pc:sldChg chg="addSp delSp modSp new mod setBg modClrScheme chgLayout">
-        <pc:chgData name="Luan eliseu ferrazzo" userId="69bb020bc42e3808" providerId="LiveId" clId="{EE69C8B5-B34B-4963-B2B8-A9527995FA9D}" dt="2024-12-17T00:48:05.056" v="464" actId="26606"/>
+        <pc:chgData name="Luan eliseu ferrazzo" userId="69bb020bc42e3808" providerId="LiveId" clId="{EE69C8B5-B34B-4963-B2B8-A9527995FA9D}" dt="2024-12-18T21:10:29.445" v="781" actId="1076"/>
         <pc:sldMkLst>
           <pc:docMk/>
           <pc:sldMk cId="2369470136" sldId="267"/>
@@ -1160,6 +1160,14 @@
             <ac:spMk id="2" creationId="{9F8AE320-1CD3-9C0F-6540-BFFABAFFC632}"/>
           </ac:spMkLst>
         </pc:spChg>
+        <pc:spChg chg="add del">
+          <ac:chgData name="Luan eliseu ferrazzo" userId="69bb020bc42e3808" providerId="LiveId" clId="{EE69C8B5-B34B-4963-B2B8-A9527995FA9D}" dt="2024-12-18T21:10:12.591" v="776" actId="22"/>
+          <ac:spMkLst>
+            <pc:docMk/>
+            <pc:sldMk cId="2369470136" sldId="267"/>
+            <ac:spMk id="3" creationId="{57CD407C-81AB-7537-8CD0-8319AB492CA8}"/>
+          </ac:spMkLst>
+        </pc:spChg>
         <pc:spChg chg="del">
           <ac:chgData name="Luan eliseu ferrazzo" userId="69bb020bc42e3808" providerId="LiveId" clId="{EE69C8B5-B34B-4963-B2B8-A9527995FA9D}" dt="2024-12-17T00:46:08.752" v="447" actId="700"/>
           <ac:spMkLst>
@@ -1174,6 +1182,14 @@
             <pc:docMk/>
             <pc:sldMk cId="2369470136" sldId="267"/>
             <ac:spMk id="4" creationId="{267EB39A-3EE3-E734-AA92-2DEE9BDD5B24}"/>
+          </ac:spMkLst>
+        </pc:spChg>
+        <pc:spChg chg="add mod">
+          <ac:chgData name="Luan eliseu ferrazzo" userId="69bb020bc42e3808" providerId="LiveId" clId="{EE69C8B5-B34B-4963-B2B8-A9527995FA9D}" dt="2024-12-18T21:10:29.445" v="781" actId="1076"/>
+          <ac:spMkLst>
+            <pc:docMk/>
+            <pc:sldMk cId="2369470136" sldId="267"/>
+            <ac:spMk id="6" creationId="{64B6E808-8998-E369-8420-ECDBCA4D956C}"/>
           </ac:spMkLst>
         </pc:spChg>
         <pc:spChg chg="add del">
@@ -6732,6 +6748,53 @@
               <a:ea typeface="+mn-ea"/>
               <a:cs typeface="+mn-cs"/>
             </a:endParaRPr>
+          </a:p>
+        </p:txBody>
+      </p:sp>
+      <p:sp>
+        <p:nvSpPr>
+          <p:cNvPr id="6" name="CaixaDeTexto 5">
+            <a:extLst>
+              <a:ext uri="{FF2B5EF4-FFF2-40B4-BE49-F238E27FC236}">
+                <a16:creationId xmlns:a16="http://schemas.microsoft.com/office/drawing/2014/main" id="{64B6E808-8998-E369-8420-ECDBCA4D956C}"/>
+              </a:ext>
+            </a:extLst>
+          </p:cNvPr>
+          <p:cNvSpPr txBox="1"/>
+          <p:nvPr/>
+        </p:nvSpPr>
+        <p:spPr>
+          <a:xfrm>
+            <a:off x="8452322" y="5770579"/>
+            <a:ext cx="3534918" cy="923330"/>
+          </a:xfrm>
+          <a:prstGeom prst="rect">
+            <a:avLst/>
+          </a:prstGeom>
+          <a:noFill/>
+        </p:spPr>
+        <p:txBody>
+          <a:bodyPr wrap="square">
+            <a:spAutoFit/>
+          </a:bodyPr>
+          <a:lstStyle/>
+          <a:p>
+            <a:r>
+              <a:rPr lang="pt-BR" dirty="0"/>
+              <a:t>Augusto Batista – RA: 10444612</a:t>
+            </a:r>
+          </a:p>
+          <a:p>
+            <a:r>
+              <a:rPr lang="pt-BR" dirty="0"/>
+              <a:t>Daniela Alexandra – RA: 10444894</a:t>
+            </a:r>
+          </a:p>
+          <a:p>
+            <a:r>
+              <a:rPr lang="pt-BR" dirty="0"/>
+              <a:t>Luan Ferrazzo – RA: 10397276</a:t>
+            </a:r>
           </a:p>
         </p:txBody>
       </p:sp>
